--- a/AlafiaPresentacion.pptx
+++ b/AlafiaPresentacion.pptx
@@ -12,19 +12,26 @@
     <p:sldId id="259" r:id="rId6"/>
     <p:sldId id="268" r:id="rId7"/>
     <p:sldId id="271" r:id="rId8"/>
-    <p:sldId id="262" r:id="rId9"/>
-    <p:sldId id="272" r:id="rId10"/>
-    <p:sldId id="263" r:id="rId11"/>
-    <p:sldId id="273" r:id="rId12"/>
-    <p:sldId id="264" r:id="rId13"/>
-    <p:sldId id="274" r:id="rId14"/>
-    <p:sldId id="265" r:id="rId15"/>
-    <p:sldId id="275" r:id="rId16"/>
-    <p:sldId id="266" r:id="rId17"/>
-    <p:sldId id="276" r:id="rId18"/>
-    <p:sldId id="269" r:id="rId19"/>
-    <p:sldId id="277" r:id="rId20"/>
-    <p:sldId id="270" r:id="rId21"/>
+    <p:sldId id="278" r:id="rId9"/>
+    <p:sldId id="279" r:id="rId10"/>
+    <p:sldId id="262" r:id="rId11"/>
+    <p:sldId id="272" r:id="rId12"/>
+    <p:sldId id="263" r:id="rId13"/>
+    <p:sldId id="273" r:id="rId14"/>
+    <p:sldId id="280" r:id="rId15"/>
+    <p:sldId id="281" r:id="rId16"/>
+    <p:sldId id="264" r:id="rId17"/>
+    <p:sldId id="274" r:id="rId18"/>
+    <p:sldId id="284" r:id="rId19"/>
+    <p:sldId id="285" r:id="rId20"/>
+    <p:sldId id="265" r:id="rId21"/>
+    <p:sldId id="275" r:id="rId22"/>
+    <p:sldId id="282" r:id="rId23"/>
+    <p:sldId id="283" r:id="rId24"/>
+    <p:sldId id="266" r:id="rId25"/>
+    <p:sldId id="276" r:id="rId26"/>
+    <p:sldId id="269" r:id="rId27"/>
+    <p:sldId id="270" r:id="rId28"/>
   </p:sldIdLst>
   <p:sldSz cx="12192000" cy="6858000"/>
   <p:notesSz cx="6858000" cy="9144000"/>
@@ -123,6 +130,11 @@
       </a:defRPr>
     </a:lvl9pPr>
   </p:defaultTextStyle>
+  <p:extLst>
+    <p:ext uri="{EFAFB233-063F-42B5-8137-9DF3F51BA10A}">
+      <p15:sldGuideLst xmlns:p15="http://schemas.microsoft.com/office/powerpoint/2012/main"/>
+    </p:ext>
+  </p:extLst>
 </p:presentation>
 </file>
 
@@ -296,7 +308,7 @@
             <a:fld id="{87DE6118-2437-4B30-8E3C-4D2BE6020583}" type="datetimeFigureOut">
               <a:rPr lang="en-US" dirty="0"/>
               <a:pPr/>
-              <a:t>6/9/2022</a:t>
+              <a:t>6/16/2022</a:t>
             </a:fld>
             <a:endParaRPr lang="en-US" dirty="0"/>
           </a:p>
@@ -622,7 +634,7 @@
           <a:p>
             <a:fld id="{87DE6118-2437-4B30-8E3C-4D2BE6020583}" type="datetimeFigureOut">
               <a:rPr lang="en-US" dirty="0"/>
-              <a:t>6/9/2022</a:t>
+              <a:t>6/16/2022</a:t>
             </a:fld>
             <a:endParaRPr lang="en-US" dirty="0"/>
           </a:p>
@@ -797,7 +809,7 @@
           <a:p>
             <a:fld id="{87DE6118-2437-4B30-8E3C-4D2BE6020583}" type="datetimeFigureOut">
               <a:rPr lang="en-US" dirty="0"/>
-              <a:t>6/9/2022</a:t>
+              <a:t>6/16/2022</a:t>
             </a:fld>
             <a:endParaRPr lang="en-US" dirty="0"/>
           </a:p>
@@ -962,7 +974,7 @@
           <a:p>
             <a:fld id="{87DE6118-2437-4B30-8E3C-4D2BE6020583}" type="datetimeFigureOut">
               <a:rPr lang="en-US" dirty="0"/>
-              <a:t>6/9/2022</a:t>
+              <a:t>6/16/2022</a:t>
             </a:fld>
             <a:endParaRPr lang="en-US" dirty="0"/>
           </a:p>
@@ -1235,7 +1247,7 @@
             <a:fld id="{87DE6118-2437-4B30-8E3C-4D2BE6020583}" type="datetimeFigureOut">
               <a:rPr lang="en-US" dirty="0"/>
               <a:pPr/>
-              <a:t>6/9/2022</a:t>
+              <a:t>6/16/2022</a:t>
             </a:fld>
             <a:endParaRPr lang="en-US" dirty="0"/>
           </a:p>
@@ -1625,7 +1637,7 @@
           <a:p>
             <a:fld id="{87DE6118-2437-4B30-8E3C-4D2BE6020583}" type="datetimeFigureOut">
               <a:rPr lang="en-US" dirty="0"/>
-              <a:t>6/9/2022</a:t>
+              <a:t>6/16/2022</a:t>
             </a:fld>
             <a:endParaRPr lang="en-US" dirty="0"/>
           </a:p>
@@ -2097,7 +2109,7 @@
           <a:p>
             <a:fld id="{87DE6118-2437-4B30-8E3C-4D2BE6020583}" type="datetimeFigureOut">
               <a:rPr lang="en-US" dirty="0"/>
-              <a:t>6/9/2022</a:t>
+              <a:t>6/16/2022</a:t>
             </a:fld>
             <a:endParaRPr lang="en-US" dirty="0"/>
           </a:p>
@@ -2210,7 +2222,7 @@
           <a:p>
             <a:fld id="{87DE6118-2437-4B30-8E3C-4D2BE6020583}" type="datetimeFigureOut">
               <a:rPr lang="en-US" dirty="0"/>
-              <a:t>6/9/2022</a:t>
+              <a:t>6/16/2022</a:t>
             </a:fld>
             <a:endParaRPr lang="en-US" dirty="0"/>
           </a:p>
@@ -2300,7 +2312,7 @@
           <a:p>
             <a:fld id="{87DE6118-2437-4B30-8E3C-4D2BE6020583}" type="datetimeFigureOut">
               <a:rPr lang="en-US" dirty="0"/>
-              <a:t>6/9/2022</a:t>
+              <a:t>6/16/2022</a:t>
             </a:fld>
             <a:endParaRPr lang="en-US" dirty="0"/>
           </a:p>
@@ -2642,7 +2654,7 @@
             <a:fld id="{87DE6118-2437-4B30-8E3C-4D2BE6020583}" type="datetimeFigureOut">
               <a:rPr lang="en-US" dirty="0"/>
               <a:pPr/>
-              <a:t>6/9/2022</a:t>
+              <a:t>6/16/2022</a:t>
             </a:fld>
             <a:endParaRPr lang="en-US" dirty="0"/>
           </a:p>
@@ -3027,7 +3039,7 @@
             <a:fld id="{87DE6118-2437-4B30-8E3C-4D2BE6020583}" type="datetimeFigureOut">
               <a:rPr lang="en-US" dirty="0"/>
               <a:pPr/>
-              <a:t>6/9/2022</a:t>
+              <a:t>6/16/2022</a:t>
             </a:fld>
             <a:endParaRPr lang="en-US" dirty="0"/>
           </a:p>
@@ -3302,7 +3314,7 @@
             <a:fld id="{87DE6118-2437-4B30-8E3C-4D2BE6020583}" type="datetimeFigureOut">
               <a:rPr lang="en-US" dirty="0"/>
               <a:pPr/>
-              <a:t>6/9/2022</a:t>
+              <a:t>6/16/2022</a:t>
             </a:fld>
             <a:endParaRPr lang="en-US" dirty="0"/>
           </a:p>
@@ -4072,7 +4084,7 @@
         </p:nvSpPr>
         <p:spPr>
           <a:xfrm>
-            <a:off x="1915127" y="1202123"/>
+            <a:off x="1909630" y="1391653"/>
             <a:ext cx="8361229" cy="2098226"/>
           </a:xfrm>
         </p:spPr>
@@ -4083,9 +4095,10 @@
           <a:lstStyle/>
           <a:p>
             <a:r>
-              <a:rPr lang="es-ES" dirty="0"/>
+              <a:rPr lang="es-ES" sz="11500" dirty="0"/>
               <a:t>Alafia</a:t>
             </a:r>
+            <a:endParaRPr lang="es-ES" dirty="0"/>
           </a:p>
         </p:txBody>
       </p:sp>
@@ -4107,13 +4120,13 @@
         </p:nvSpPr>
         <p:spPr>
           <a:xfrm>
-            <a:off x="2679904" y="3557652"/>
-            <a:ext cx="6831673" cy="1527532"/>
+            <a:off x="2679904" y="3557651"/>
+            <a:ext cx="6831673" cy="1719023"/>
           </a:xfrm>
         </p:spPr>
         <p:txBody>
           <a:bodyPr>
-            <a:normAutofit/>
+            <a:normAutofit fontScale="92500" lnSpcReduction="20000"/>
           </a:bodyPr>
           <a:lstStyle/>
           <a:p>
@@ -4126,7 +4139,7 @@
               </a:spcAft>
             </a:pPr>
             <a:r>
-              <a:rPr lang="es-ES" sz="2400" dirty="0"/>
+              <a:rPr lang="es-ES" sz="3200" dirty="0"/>
               <a:t>Desarrollo de una Progressive Web Application para la gestión de pedidos y de experiencias inmersivas para un restaurante africano</a:t>
             </a:r>
           </a:p>
@@ -4167,7 +4180,7 @@
           <p:cNvPr id="2" name="Título 1">
             <a:extLst>
               <a:ext uri="{FF2B5EF4-FFF2-40B4-BE49-F238E27FC236}">
-                <a16:creationId xmlns:a16="http://schemas.microsoft.com/office/drawing/2014/main" id="{624C827F-69FD-80BE-C3FC-45473B54F0DD}"/>
+                <a16:creationId xmlns:a16="http://schemas.microsoft.com/office/drawing/2014/main" id="{05B68490-88F4-E6F8-BC44-34FD21841745}"/>
               </a:ext>
             </a:extLst>
           </p:cNvPr>
@@ -4185,13 +4198,8 @@
           <a:p>
             <a:r>
               <a:rPr lang="es-ES" dirty="0"/>
-              <a:t>Front </a:t>
-            </a:r>
-            <a:r>
-              <a:rPr lang="es-ES" dirty="0" err="1"/>
-              <a:t>end</a:t>
-            </a:r>
-            <a:endParaRPr lang="es-ES" dirty="0"/>
+              <a:t>Base de datos</a:t>
+            </a:r>
           </a:p>
         </p:txBody>
       </p:sp>
@@ -4200,7 +4208,7 @@
           <p:cNvPr id="3" name="Marcador de texto 2">
             <a:extLst>
               <a:ext uri="{FF2B5EF4-FFF2-40B4-BE49-F238E27FC236}">
-                <a16:creationId xmlns:a16="http://schemas.microsoft.com/office/drawing/2014/main" id="{D8887D45-8C15-5619-D2DC-D57E4FC4A6D0}"/>
+                <a16:creationId xmlns:a16="http://schemas.microsoft.com/office/drawing/2014/main" id="{7306A3FB-78F5-1EF3-058D-AE7C7CF41A66}"/>
               </a:ext>
             </a:extLst>
           </p:cNvPr>
@@ -4218,7 +4226,7 @@
           <a:p>
             <a:r>
               <a:rPr lang="es-ES" dirty="0"/>
-              <a:t>Angular</a:t>
+              <a:t>MongoDB</a:t>
             </a:r>
           </a:p>
         </p:txBody>
@@ -4226,7 +4234,7 @@
     </p:spTree>
     <p:extLst>
       <p:ext uri="{BB962C8B-B14F-4D97-AF65-F5344CB8AC3E}">
-        <p14:creationId xmlns:p14="http://schemas.microsoft.com/office/powerpoint/2010/main" val="1725333561"/>
+        <p14:creationId xmlns:p14="http://schemas.microsoft.com/office/powerpoint/2010/main" val="1000241722"/>
       </p:ext>
     </p:extLst>
   </p:cSld>
@@ -4258,7 +4266,7 @@
           <p:cNvPr id="2" name="Título 1">
             <a:extLst>
               <a:ext uri="{FF2B5EF4-FFF2-40B4-BE49-F238E27FC236}">
-                <a16:creationId xmlns:a16="http://schemas.microsoft.com/office/drawing/2014/main" id="{B7DAC2AC-2DBB-35B7-330B-9E66AF3C4465}"/>
+                <a16:creationId xmlns:a16="http://schemas.microsoft.com/office/drawing/2014/main" id="{C298204A-3778-EB4E-7476-A47A5FCE909F}"/>
               </a:ext>
             </a:extLst>
           </p:cNvPr>
@@ -4267,31 +4275,6 @@
           </p:cNvSpPr>
           <p:nvPr>
             <p:ph type="title"/>
-          </p:nvPr>
-        </p:nvSpPr>
-        <p:spPr/>
-        <p:txBody>
-          <a:bodyPr/>
-          <a:lstStyle/>
-          <a:p>
-            <a:endParaRPr lang="es-ES"/>
-          </a:p>
-        </p:txBody>
-      </p:sp>
-      <p:sp>
-        <p:nvSpPr>
-          <p:cNvPr id="3" name="Marcador de contenido 2">
-            <a:extLst>
-              <a:ext uri="{FF2B5EF4-FFF2-40B4-BE49-F238E27FC236}">
-                <a16:creationId xmlns:a16="http://schemas.microsoft.com/office/drawing/2014/main" id="{43ABC031-C824-1B62-91EB-1F4861ABA150}"/>
-              </a:ext>
-            </a:extLst>
-          </p:cNvPr>
-          <p:cNvSpPr>
-            <a:spLocks noGrp="1"/>
-          </p:cNvSpPr>
-          <p:nvPr>
-            <p:ph idx="1"/>
           </p:nvPr>
         </p:nvSpPr>
         <p:spPr/>
@@ -4301,14 +4284,46 @@
           </a:bodyPr>
           <a:lstStyle/>
           <a:p>
-            <a:endParaRPr lang="es-ES" sz="2400" dirty="0"/>
-          </a:p>
-        </p:txBody>
-      </p:sp>
+            <a:r>
+              <a:rPr lang="es-ES" sz="5400" dirty="0"/>
+              <a:t>Modelo de datos</a:t>
+            </a:r>
+          </a:p>
+        </p:txBody>
+      </p:sp>
+      <p:pic>
+        <p:nvPicPr>
+          <p:cNvPr id="13" name="Marcador de contenido 12">
+            <a:extLst>
+              <a:ext uri="{FF2B5EF4-FFF2-40B4-BE49-F238E27FC236}">
+                <a16:creationId xmlns:a16="http://schemas.microsoft.com/office/drawing/2014/main" id="{9BA27D14-86AA-0270-385A-0E0B8A758204}"/>
+              </a:ext>
+            </a:extLst>
+          </p:cNvPr>
+          <p:cNvPicPr>
+            <a:picLocks noGrp="1" noChangeAspect="1"/>
+          </p:cNvPicPr>
+          <p:nvPr>
+            <p:ph idx="1"/>
+          </p:nvPr>
+        </p:nvPicPr>
+        <p:blipFill>
+          <a:blip r:embed="rId2"/>
+          <a:stretch>
+            <a:fillRect/>
+          </a:stretch>
+        </p:blipFill>
+        <p:spPr>
+          <a:xfrm>
+            <a:off x="1558214" y="1812022"/>
+            <a:ext cx="9601199" cy="4507231"/>
+          </a:xfrm>
+        </p:spPr>
+      </p:pic>
     </p:spTree>
     <p:extLst>
       <p:ext uri="{BB962C8B-B14F-4D97-AF65-F5344CB8AC3E}">
-        <p14:creationId xmlns:p14="http://schemas.microsoft.com/office/powerpoint/2010/main" val="3374264420"/>
+        <p14:creationId xmlns:p14="http://schemas.microsoft.com/office/powerpoint/2010/main" val="222170635"/>
       </p:ext>
     </p:extLst>
   </p:cSld>
@@ -4340,7 +4355,7 @@
           <p:cNvPr id="2" name="Título 1">
             <a:extLst>
               <a:ext uri="{FF2B5EF4-FFF2-40B4-BE49-F238E27FC236}">
-                <a16:creationId xmlns:a16="http://schemas.microsoft.com/office/drawing/2014/main" id="{358CDCDB-12BF-2FE0-F4AF-2DFCA45B5A95}"/>
+                <a16:creationId xmlns:a16="http://schemas.microsoft.com/office/drawing/2014/main" id="{624C827F-69FD-80BE-C3FC-45473B54F0DD}"/>
               </a:ext>
             </a:extLst>
           </p:cNvPr>
@@ -4358,7 +4373,7 @@
           <a:p>
             <a:r>
               <a:rPr lang="es-ES" dirty="0"/>
-              <a:t>Back </a:t>
+              <a:t>Front </a:t>
             </a:r>
             <a:r>
               <a:rPr lang="es-ES" dirty="0" err="1"/>
@@ -4373,7 +4388,7 @@
           <p:cNvPr id="3" name="Marcador de texto 2">
             <a:extLst>
               <a:ext uri="{FF2B5EF4-FFF2-40B4-BE49-F238E27FC236}">
-                <a16:creationId xmlns:a16="http://schemas.microsoft.com/office/drawing/2014/main" id="{723CFD67-31F4-C520-2E4D-1418E2F75764}"/>
+                <a16:creationId xmlns:a16="http://schemas.microsoft.com/office/drawing/2014/main" id="{D8887D45-8C15-5619-D2DC-D57E4FC4A6D0}"/>
               </a:ext>
             </a:extLst>
           </p:cNvPr>
@@ -4391,7 +4406,7 @@
           <a:p>
             <a:r>
               <a:rPr lang="es-ES" dirty="0"/>
-              <a:t>Java + Spring Boot</a:t>
+              <a:t>Angular</a:t>
             </a:r>
           </a:p>
         </p:txBody>
@@ -4399,7 +4414,7 @@
     </p:spTree>
     <p:extLst>
       <p:ext uri="{BB962C8B-B14F-4D97-AF65-F5344CB8AC3E}">
-        <p14:creationId xmlns:p14="http://schemas.microsoft.com/office/powerpoint/2010/main" val="1173385069"/>
+        <p14:creationId xmlns:p14="http://schemas.microsoft.com/office/powerpoint/2010/main" val="1725333561"/>
       </p:ext>
     </p:extLst>
   </p:cSld>
@@ -4431,7 +4446,7 @@
           <p:cNvPr id="2" name="Título 1">
             <a:extLst>
               <a:ext uri="{FF2B5EF4-FFF2-40B4-BE49-F238E27FC236}">
-                <a16:creationId xmlns:a16="http://schemas.microsoft.com/office/drawing/2014/main" id="{193B2CA5-E2DF-9411-FDF2-C50EA6D44848}"/>
+                <a16:creationId xmlns:a16="http://schemas.microsoft.com/office/drawing/2014/main" id="{B7DAC2AC-2DBB-35B7-330B-9E66AF3C4465}"/>
               </a:ext>
             </a:extLst>
           </p:cNvPr>
@@ -4440,31 +4455,6 @@
           </p:cNvSpPr>
           <p:nvPr>
             <p:ph type="title"/>
-          </p:nvPr>
-        </p:nvSpPr>
-        <p:spPr/>
-        <p:txBody>
-          <a:bodyPr/>
-          <a:lstStyle/>
-          <a:p>
-            <a:endParaRPr lang="es-ES" dirty="0"/>
-          </a:p>
-        </p:txBody>
-      </p:sp>
-      <p:sp>
-        <p:nvSpPr>
-          <p:cNvPr id="3" name="Marcador de contenido 2">
-            <a:extLst>
-              <a:ext uri="{FF2B5EF4-FFF2-40B4-BE49-F238E27FC236}">
-                <a16:creationId xmlns:a16="http://schemas.microsoft.com/office/drawing/2014/main" id="{33AB38B4-F442-56FE-198F-382F83FFA844}"/>
-              </a:ext>
-            </a:extLst>
-          </p:cNvPr>
-          <p:cNvSpPr>
-            <a:spLocks noGrp="1"/>
-          </p:cNvSpPr>
-          <p:nvPr>
-            <p:ph idx="1"/>
           </p:nvPr>
         </p:nvSpPr>
         <p:spPr/>
@@ -4474,14 +4464,71 @@
           </a:bodyPr>
           <a:lstStyle/>
           <a:p>
-            <a:endParaRPr lang="es-ES" sz="2400" dirty="0"/>
+            <a:r>
+              <a:rPr lang="es-ES" sz="5400" dirty="0"/>
+              <a:t>Consideraciones del Front End</a:t>
+            </a:r>
+          </a:p>
+        </p:txBody>
+      </p:sp>
+      <p:sp>
+        <p:nvSpPr>
+          <p:cNvPr id="3" name="Marcador de contenido 2">
+            <a:extLst>
+              <a:ext uri="{FF2B5EF4-FFF2-40B4-BE49-F238E27FC236}">
+                <a16:creationId xmlns:a16="http://schemas.microsoft.com/office/drawing/2014/main" id="{43ABC031-C824-1B62-91EB-1F4861ABA150}"/>
+              </a:ext>
+            </a:extLst>
+          </p:cNvPr>
+          <p:cNvSpPr>
+            <a:spLocks noGrp="1"/>
+          </p:cNvSpPr>
+          <p:nvPr>
+            <p:ph idx="1"/>
+          </p:nvPr>
+        </p:nvSpPr>
+        <p:spPr/>
+        <p:txBody>
+          <a:bodyPr>
+            <a:normAutofit/>
+          </a:bodyPr>
+          <a:lstStyle/>
+          <a:p>
+            <a:r>
+              <a:rPr lang="es-ES" sz="3200" dirty="0"/>
+              <a:t>Desarrollado en Angular</a:t>
+            </a:r>
+          </a:p>
+          <a:p>
+            <a:r>
+              <a:rPr lang="es-ES" sz="3200" dirty="0"/>
+              <a:t>Guarda muy pocos datos</a:t>
+            </a:r>
+          </a:p>
+          <a:p>
+            <a:r>
+              <a:rPr lang="es-ES" sz="3200" dirty="0"/>
+              <a:t>Comunicación REST con el BACK END</a:t>
+            </a:r>
+          </a:p>
+          <a:p>
+            <a:r>
+              <a:rPr lang="es-ES" sz="3200" dirty="0"/>
+              <a:t>Estructuración de la aplicación por componentes</a:t>
+            </a:r>
+          </a:p>
+          <a:p>
+            <a:r>
+              <a:rPr lang="es-ES" sz="3200" dirty="0"/>
+              <a:t>Estructura de los componentes</a:t>
+            </a:r>
           </a:p>
         </p:txBody>
       </p:sp>
     </p:spTree>
     <p:extLst>
       <p:ext uri="{BB962C8B-B14F-4D97-AF65-F5344CB8AC3E}">
-        <p14:creationId xmlns:p14="http://schemas.microsoft.com/office/powerpoint/2010/main" val="1296636677"/>
+        <p14:creationId xmlns:p14="http://schemas.microsoft.com/office/powerpoint/2010/main" val="3374264420"/>
       </p:ext>
     </p:extLst>
   </p:cSld>
@@ -4513,7 +4560,7 @@
           <p:cNvPr id="2" name="Título 1">
             <a:extLst>
               <a:ext uri="{FF2B5EF4-FFF2-40B4-BE49-F238E27FC236}">
-                <a16:creationId xmlns:a16="http://schemas.microsoft.com/office/drawing/2014/main" id="{B43BCA3B-68D8-C93B-0032-334045015752}"/>
+                <a16:creationId xmlns:a16="http://schemas.microsoft.com/office/drawing/2014/main" id="{AC409977-246D-B6CA-4F87-246A56C64EFC}"/>
               </a:ext>
             </a:extLst>
           </p:cNvPr>
@@ -4531,24 +4578,17 @@
           <a:p>
             <a:r>
               <a:rPr lang="es-ES" dirty="0"/>
-              <a:t>Puntos clave </a:t>
-            </a:r>
-            <a:br>
-              <a:rPr lang="es-ES" dirty="0"/>
-            </a:br>
-            <a:r>
-              <a:rPr lang="es-ES" dirty="0"/>
-              <a:t>de sincronización</a:t>
-            </a:r>
-          </a:p>
-        </p:txBody>
-      </p:sp>
-      <p:sp>
-        <p:nvSpPr>
-          <p:cNvPr id="3" name="Marcador de texto 2">
+              <a:t>Paths de la aplicación y componentes I</a:t>
+            </a:r>
+          </a:p>
+        </p:txBody>
+      </p:sp>
+      <p:sp>
+        <p:nvSpPr>
+          <p:cNvPr id="4" name="Marcador de contenido 3">
             <a:extLst>
               <a:ext uri="{FF2B5EF4-FFF2-40B4-BE49-F238E27FC236}">
-                <a16:creationId xmlns:a16="http://schemas.microsoft.com/office/drawing/2014/main" id="{C79D6774-7550-D9D6-7A94-23256A9BA9BC}"/>
+                <a16:creationId xmlns:a16="http://schemas.microsoft.com/office/drawing/2014/main" id="{688DA22C-3F41-2943-717C-9E2F1F1D116C}"/>
               </a:ext>
             </a:extLst>
           </p:cNvPr>
@@ -4556,22 +4596,775 @@
             <a:spLocks noGrp="1"/>
           </p:cNvSpPr>
           <p:nvPr>
-            <p:ph type="body" idx="1"/>
-          </p:nvPr>
-        </p:nvSpPr>
-        <p:spPr/>
+            <p:ph sz="half" idx="1"/>
+          </p:nvPr>
+        </p:nvSpPr>
+        <p:spPr>
+          <a:xfrm>
+            <a:off x="2477549" y="1895908"/>
+            <a:ext cx="2962878" cy="4781725"/>
+          </a:xfrm>
+        </p:spPr>
         <p:txBody>
           <a:bodyPr/>
           <a:lstStyle/>
           <a:p>
-            <a:endParaRPr lang="es-ES"/>
-          </a:p>
-        </p:txBody>
-      </p:sp>
+            <a:r>
+              <a:rPr lang="es-ES" dirty="0"/>
+              <a:t>/</a:t>
+            </a:r>
+          </a:p>
+          <a:p>
+            <a:r>
+              <a:rPr lang="es-ES" dirty="0"/>
+              <a:t>/index</a:t>
+            </a:r>
+          </a:p>
+          <a:p>
+            <a:r>
+              <a:rPr lang="es-ES" dirty="0"/>
+              <a:t>/login</a:t>
+            </a:r>
+          </a:p>
+          <a:p>
+            <a:r>
+              <a:rPr lang="es-ES" dirty="0"/>
+              <a:t>/book-table</a:t>
+            </a:r>
+          </a:p>
+          <a:p>
+            <a:r>
+              <a:rPr lang="es-ES" dirty="0"/>
+              <a:t>/welcome</a:t>
+            </a:r>
+          </a:p>
+          <a:p>
+            <a:r>
+              <a:rPr lang="es-ES" dirty="0"/>
+              <a:t>/warm-up</a:t>
+            </a:r>
+          </a:p>
+          <a:p>
+            <a:r>
+              <a:rPr lang="es-ES" dirty="0"/>
+              <a:t>/replace-client</a:t>
+            </a:r>
+          </a:p>
+          <a:p>
+            <a:r>
+              <a:rPr lang="es-ES" dirty="0"/>
+              <a:t>/drink</a:t>
+            </a:r>
+          </a:p>
+          <a:p>
+            <a:r>
+              <a:rPr lang="es-ES" dirty="0"/>
+              <a:t>/wait-diners</a:t>
+            </a:r>
+          </a:p>
+        </p:txBody>
+      </p:sp>
+      <p:sp>
+        <p:nvSpPr>
+          <p:cNvPr id="6" name="Marcador de contenido 3">
+            <a:extLst>
+              <a:ext uri="{FF2B5EF4-FFF2-40B4-BE49-F238E27FC236}">
+                <a16:creationId xmlns:a16="http://schemas.microsoft.com/office/drawing/2014/main" id="{5CAD6C07-D338-3264-8573-E336A694DFA7}"/>
+              </a:ext>
+            </a:extLst>
+          </p:cNvPr>
+          <p:cNvSpPr txBox="1">
+            <a:spLocks/>
+          </p:cNvSpPr>
+          <p:nvPr/>
+        </p:nvSpPr>
+        <p:spPr>
+          <a:xfrm>
+            <a:off x="6751574" y="1904299"/>
+            <a:ext cx="4068826" cy="4781725"/>
+          </a:xfrm>
+          <a:prstGeom prst="rect">
+            <a:avLst/>
+          </a:prstGeom>
+        </p:spPr>
+        <p:txBody>
+          <a:bodyPr vert="horz" lIns="91440" tIns="45720" rIns="91440" bIns="45720" rtlCol="0">
+            <a:normAutofit/>
+          </a:bodyPr>
+          <a:lstStyle>
+            <a:lvl1pPr marL="384048" indent="-384048" algn="l" defTabSz="914400" rtl="0" eaLnBrk="1" latinLnBrk="0" hangingPunct="1">
+              <a:lnSpc>
+                <a:spcPct val="94000"/>
+              </a:lnSpc>
+              <a:spcBef>
+                <a:spcPts val="1000"/>
+              </a:spcBef>
+              <a:spcAft>
+                <a:spcPts val="200"/>
+              </a:spcAft>
+              <a:buFont typeface="Franklin Gothic Book" panose="020B0503020102020204" pitchFamily="34" charset="0"/>
+              <a:buChar char="■"/>
+              <a:defRPr sz="2000" kern="1200" baseline="0">
+                <a:solidFill>
+                  <a:schemeClr val="tx2"/>
+                </a:solidFill>
+                <a:latin typeface="+mn-lt"/>
+                <a:ea typeface="+mn-ea"/>
+                <a:cs typeface="+mn-cs"/>
+              </a:defRPr>
+            </a:lvl1pPr>
+            <a:lvl2pPr marL="914400" indent="-384048" algn="l" defTabSz="914400" rtl="0" eaLnBrk="1" latinLnBrk="0" hangingPunct="1">
+              <a:lnSpc>
+                <a:spcPct val="94000"/>
+              </a:lnSpc>
+              <a:spcBef>
+                <a:spcPts val="500"/>
+              </a:spcBef>
+              <a:spcAft>
+                <a:spcPts val="200"/>
+              </a:spcAft>
+              <a:buFont typeface="Franklin Gothic Book" panose="020B0503020102020204" pitchFamily="34" charset="0"/>
+              <a:buChar char="–"/>
+              <a:defRPr sz="2000" i="1" kern="1200" baseline="0">
+                <a:solidFill>
+                  <a:schemeClr val="tx2"/>
+                </a:solidFill>
+                <a:latin typeface="+mn-lt"/>
+                <a:ea typeface="+mn-ea"/>
+                <a:cs typeface="+mn-cs"/>
+              </a:defRPr>
+            </a:lvl2pPr>
+            <a:lvl3pPr marL="1371600" indent="-384048" algn="l" defTabSz="914400" rtl="0" eaLnBrk="1" latinLnBrk="0" hangingPunct="1">
+              <a:lnSpc>
+                <a:spcPct val="94000"/>
+              </a:lnSpc>
+              <a:spcBef>
+                <a:spcPts val="500"/>
+              </a:spcBef>
+              <a:spcAft>
+                <a:spcPts val="200"/>
+              </a:spcAft>
+              <a:buFont typeface="Franklin Gothic Book" panose="020B0503020102020204" pitchFamily="34" charset="0"/>
+              <a:buChar char="■"/>
+              <a:defRPr sz="1800" kern="1200" baseline="0">
+                <a:solidFill>
+                  <a:schemeClr val="tx2"/>
+                </a:solidFill>
+                <a:latin typeface="+mn-lt"/>
+                <a:ea typeface="+mn-ea"/>
+                <a:cs typeface="+mn-cs"/>
+              </a:defRPr>
+            </a:lvl3pPr>
+            <a:lvl4pPr marL="1828800" indent="-384048" algn="l" defTabSz="914400" rtl="0" eaLnBrk="1" latinLnBrk="0" hangingPunct="1">
+              <a:lnSpc>
+                <a:spcPct val="94000"/>
+              </a:lnSpc>
+              <a:spcBef>
+                <a:spcPts val="500"/>
+              </a:spcBef>
+              <a:spcAft>
+                <a:spcPts val="200"/>
+              </a:spcAft>
+              <a:buFont typeface="Franklin Gothic Book" panose="020B0503020102020204" pitchFamily="34" charset="0"/>
+              <a:buChar char="–"/>
+              <a:defRPr sz="1800" i="1" kern="1200" baseline="0">
+                <a:solidFill>
+                  <a:schemeClr val="tx2"/>
+                </a:solidFill>
+                <a:latin typeface="+mn-lt"/>
+                <a:ea typeface="+mn-ea"/>
+                <a:cs typeface="+mn-cs"/>
+              </a:defRPr>
+            </a:lvl4pPr>
+            <a:lvl5pPr marL="2286000" indent="-384048" algn="l" defTabSz="914400" rtl="0" eaLnBrk="1" latinLnBrk="0" hangingPunct="1">
+              <a:lnSpc>
+                <a:spcPct val="94000"/>
+              </a:lnSpc>
+              <a:spcBef>
+                <a:spcPts val="500"/>
+              </a:spcBef>
+              <a:spcAft>
+                <a:spcPts val="200"/>
+              </a:spcAft>
+              <a:buFont typeface="Franklin Gothic Book" panose="020B0503020102020204" pitchFamily="34" charset="0"/>
+              <a:buChar char="■"/>
+              <a:defRPr sz="1600" kern="1200" baseline="0">
+                <a:solidFill>
+                  <a:schemeClr val="tx2"/>
+                </a:solidFill>
+                <a:latin typeface="+mn-lt"/>
+                <a:ea typeface="+mn-ea"/>
+                <a:cs typeface="+mn-cs"/>
+              </a:defRPr>
+            </a:lvl5pPr>
+            <a:lvl6pPr marL="2743200" indent="-384048" algn="l" defTabSz="914400" rtl="0" eaLnBrk="1" latinLnBrk="0" hangingPunct="1">
+              <a:lnSpc>
+                <a:spcPct val="94000"/>
+              </a:lnSpc>
+              <a:spcBef>
+                <a:spcPts val="500"/>
+              </a:spcBef>
+              <a:spcAft>
+                <a:spcPts val="200"/>
+              </a:spcAft>
+              <a:buFont typeface="Franklin Gothic Book" panose="020B0503020102020204" pitchFamily="34" charset="0"/>
+              <a:buChar char="–"/>
+              <a:defRPr sz="1600" i="1" kern="1200" baseline="0">
+                <a:solidFill>
+                  <a:schemeClr val="tx2"/>
+                </a:solidFill>
+                <a:latin typeface="+mn-lt"/>
+                <a:ea typeface="+mn-ea"/>
+                <a:cs typeface="+mn-cs"/>
+              </a:defRPr>
+            </a:lvl6pPr>
+            <a:lvl7pPr marL="3200400" indent="-384048" algn="l" defTabSz="914400" rtl="0" eaLnBrk="1" latinLnBrk="0" hangingPunct="1">
+              <a:lnSpc>
+                <a:spcPct val="94000"/>
+              </a:lnSpc>
+              <a:spcBef>
+                <a:spcPts val="500"/>
+              </a:spcBef>
+              <a:spcAft>
+                <a:spcPts val="200"/>
+              </a:spcAft>
+              <a:buFont typeface="Franklin Gothic Book" panose="020B0503020102020204" pitchFamily="34" charset="0"/>
+              <a:buChar char="■"/>
+              <a:defRPr sz="1400" kern="1200" baseline="0">
+                <a:solidFill>
+                  <a:schemeClr val="tx2"/>
+                </a:solidFill>
+                <a:latin typeface="+mn-lt"/>
+                <a:ea typeface="+mn-ea"/>
+                <a:cs typeface="+mn-cs"/>
+              </a:defRPr>
+            </a:lvl7pPr>
+            <a:lvl8pPr marL="3657600" indent="-384048" algn="l" defTabSz="914400" rtl="0" eaLnBrk="1" latinLnBrk="0" hangingPunct="1">
+              <a:lnSpc>
+                <a:spcPct val="94000"/>
+              </a:lnSpc>
+              <a:spcBef>
+                <a:spcPts val="500"/>
+              </a:spcBef>
+              <a:spcAft>
+                <a:spcPts val="200"/>
+              </a:spcAft>
+              <a:buFont typeface="Franklin Gothic Book" panose="020B0503020102020204" pitchFamily="34" charset="0"/>
+              <a:buChar char="–"/>
+              <a:defRPr sz="1400" i="1" kern="1200" baseline="0">
+                <a:solidFill>
+                  <a:schemeClr val="tx2"/>
+                </a:solidFill>
+                <a:latin typeface="+mn-lt"/>
+                <a:ea typeface="+mn-ea"/>
+                <a:cs typeface="+mn-cs"/>
+              </a:defRPr>
+            </a:lvl8pPr>
+            <a:lvl9pPr marL="4114800" indent="-384048" algn="l" defTabSz="914400" rtl="0" eaLnBrk="1" latinLnBrk="0" hangingPunct="1">
+              <a:lnSpc>
+                <a:spcPct val="94000"/>
+              </a:lnSpc>
+              <a:spcBef>
+                <a:spcPts val="500"/>
+              </a:spcBef>
+              <a:spcAft>
+                <a:spcPts val="200"/>
+              </a:spcAft>
+              <a:buFont typeface="Franklin Gothic Book" panose="020B0503020102020204" pitchFamily="34" charset="0"/>
+              <a:buChar char="■"/>
+              <a:defRPr sz="1400" kern="1200" baseline="0">
+                <a:solidFill>
+                  <a:schemeClr val="tx2"/>
+                </a:solidFill>
+                <a:latin typeface="+mn-lt"/>
+                <a:ea typeface="+mn-ea"/>
+                <a:cs typeface="+mn-cs"/>
+              </a:defRPr>
+            </a:lvl9pPr>
+          </a:lstStyle>
+          <a:p>
+            <a:pPr marL="0" indent="0">
+              <a:buNone/>
+            </a:pPr>
+            <a:r>
+              <a:rPr lang="es-ES" dirty="0"/>
+              <a:t>WelcomeComponent</a:t>
+            </a:r>
+          </a:p>
+          <a:p>
+            <a:pPr marL="0" indent="0">
+              <a:buNone/>
+            </a:pPr>
+            <a:r>
+              <a:rPr lang="es-ES" dirty="0"/>
+              <a:t>AppComponent</a:t>
+            </a:r>
+          </a:p>
+          <a:p>
+            <a:pPr marL="0" indent="0">
+              <a:buNone/>
+            </a:pPr>
+            <a:r>
+              <a:rPr lang="es-ES" dirty="0"/>
+              <a:t>LoginComponentComponent</a:t>
+            </a:r>
+          </a:p>
+          <a:p>
+            <a:pPr marL="0" indent="0">
+              <a:buNone/>
+            </a:pPr>
+            <a:r>
+              <a:rPr lang="es-ES" dirty="0"/>
+              <a:t>BookTableComponent </a:t>
+            </a:r>
+          </a:p>
+          <a:p>
+            <a:pPr marL="0" indent="0">
+              <a:buNone/>
+            </a:pPr>
+            <a:r>
+              <a:rPr lang="es-ES" dirty="0"/>
+              <a:t>WelcomeComponent </a:t>
+            </a:r>
+          </a:p>
+          <a:p>
+            <a:pPr marL="0" indent="0">
+              <a:buNone/>
+            </a:pPr>
+            <a:r>
+              <a:rPr lang="es-ES" dirty="0"/>
+              <a:t>WarmUpComponent</a:t>
+            </a:r>
+          </a:p>
+          <a:p>
+            <a:pPr marL="0" indent="0">
+              <a:buNone/>
+            </a:pPr>
+            <a:r>
+              <a:rPr lang="es-ES" dirty="0"/>
+              <a:t>ReplaceClientComponent </a:t>
+            </a:r>
+          </a:p>
+          <a:p>
+            <a:pPr marL="0" indent="0">
+              <a:buNone/>
+            </a:pPr>
+            <a:r>
+              <a:rPr lang="es-ES" dirty="0"/>
+              <a:t>DrinksComponent</a:t>
+            </a:r>
+          </a:p>
+          <a:p>
+            <a:pPr marL="0" indent="0">
+              <a:buNone/>
+            </a:pPr>
+            <a:r>
+              <a:rPr lang="es-ES" dirty="0"/>
+              <a:t>WaitDinersComponent</a:t>
+            </a:r>
+          </a:p>
+        </p:txBody>
+      </p:sp>
+      <p:cxnSp>
+        <p:nvCxnSpPr>
+          <p:cNvPr id="8" name="Conector recto de flecha 7">
+            <a:extLst>
+              <a:ext uri="{FF2B5EF4-FFF2-40B4-BE49-F238E27FC236}">
+                <a16:creationId xmlns:a16="http://schemas.microsoft.com/office/drawing/2014/main" id="{CD675C93-07C3-97F2-F9EB-E31381800CD0}"/>
+              </a:ext>
+            </a:extLst>
+          </p:cNvPr>
+          <p:cNvCxnSpPr>
+            <a:cxnSpLocks/>
+          </p:cNvCxnSpPr>
+          <p:nvPr/>
+        </p:nvCxnSpPr>
+        <p:spPr>
+          <a:xfrm>
+            <a:off x="3482829" y="2105636"/>
+            <a:ext cx="3246540" cy="0"/>
+          </a:xfrm>
+          <a:prstGeom prst="straightConnector1">
+            <a:avLst/>
+          </a:prstGeom>
+          <a:ln w="28575">
+            <a:solidFill>
+              <a:srgbClr val="B5580B"/>
+            </a:solidFill>
+            <a:tailEnd type="triangle"/>
+          </a:ln>
+        </p:spPr>
+        <p:style>
+          <a:lnRef idx="2">
+            <a:schemeClr val="accent3"/>
+          </a:lnRef>
+          <a:fillRef idx="0">
+            <a:schemeClr val="accent3"/>
+          </a:fillRef>
+          <a:effectRef idx="1">
+            <a:schemeClr val="accent3"/>
+          </a:effectRef>
+          <a:fontRef idx="minor">
+            <a:schemeClr val="tx1"/>
+          </a:fontRef>
+        </p:style>
+      </p:cxnSp>
+      <p:cxnSp>
+        <p:nvCxnSpPr>
+          <p:cNvPr id="9" name="Conector recto de flecha 8">
+            <a:extLst>
+              <a:ext uri="{FF2B5EF4-FFF2-40B4-BE49-F238E27FC236}">
+                <a16:creationId xmlns:a16="http://schemas.microsoft.com/office/drawing/2014/main" id="{2FCC6F88-F116-BFBF-7803-05DE65393B8C}"/>
+              </a:ext>
+            </a:extLst>
+          </p:cNvPr>
+          <p:cNvCxnSpPr>
+            <a:cxnSpLocks/>
+          </p:cNvCxnSpPr>
+          <p:nvPr/>
+        </p:nvCxnSpPr>
+        <p:spPr>
+          <a:xfrm>
+            <a:off x="3919057" y="2534872"/>
+            <a:ext cx="2832517" cy="0"/>
+          </a:xfrm>
+          <a:prstGeom prst="straightConnector1">
+            <a:avLst/>
+          </a:prstGeom>
+          <a:ln w="28575">
+            <a:solidFill>
+              <a:srgbClr val="B5580B"/>
+            </a:solidFill>
+            <a:tailEnd type="triangle"/>
+          </a:ln>
+        </p:spPr>
+        <p:style>
+          <a:lnRef idx="2">
+            <a:schemeClr val="accent3"/>
+          </a:lnRef>
+          <a:fillRef idx="0">
+            <a:schemeClr val="accent3"/>
+          </a:fillRef>
+          <a:effectRef idx="1">
+            <a:schemeClr val="accent3"/>
+          </a:effectRef>
+          <a:fontRef idx="minor">
+            <a:schemeClr val="tx1"/>
+          </a:fontRef>
+        </p:style>
+      </p:cxnSp>
+      <p:cxnSp>
+        <p:nvCxnSpPr>
+          <p:cNvPr id="11" name="Conector recto de flecha 10">
+            <a:extLst>
+              <a:ext uri="{FF2B5EF4-FFF2-40B4-BE49-F238E27FC236}">
+                <a16:creationId xmlns:a16="http://schemas.microsoft.com/office/drawing/2014/main" id="{C4409BC5-91E1-6CFD-9CEB-FAB403D78B3F}"/>
+              </a:ext>
+            </a:extLst>
+          </p:cNvPr>
+          <p:cNvCxnSpPr>
+            <a:cxnSpLocks/>
+          </p:cNvCxnSpPr>
+          <p:nvPr/>
+        </p:nvCxnSpPr>
+        <p:spPr>
+          <a:xfrm>
+            <a:off x="3919057" y="2955720"/>
+            <a:ext cx="2810312" cy="0"/>
+          </a:xfrm>
+          <a:prstGeom prst="straightConnector1">
+            <a:avLst/>
+          </a:prstGeom>
+          <a:ln w="28575">
+            <a:solidFill>
+              <a:srgbClr val="B5580B"/>
+            </a:solidFill>
+            <a:tailEnd type="triangle"/>
+          </a:ln>
+        </p:spPr>
+        <p:style>
+          <a:lnRef idx="2">
+            <a:schemeClr val="accent3"/>
+          </a:lnRef>
+          <a:fillRef idx="0">
+            <a:schemeClr val="accent3"/>
+          </a:fillRef>
+          <a:effectRef idx="1">
+            <a:schemeClr val="accent3"/>
+          </a:effectRef>
+          <a:fontRef idx="minor">
+            <a:schemeClr val="tx1"/>
+          </a:fontRef>
+        </p:style>
+      </p:cxnSp>
+      <p:cxnSp>
+        <p:nvCxnSpPr>
+          <p:cNvPr id="12" name="Conector recto de flecha 11">
+            <a:extLst>
+              <a:ext uri="{FF2B5EF4-FFF2-40B4-BE49-F238E27FC236}">
+                <a16:creationId xmlns:a16="http://schemas.microsoft.com/office/drawing/2014/main" id="{E2967855-B912-7A53-F87A-B37EE9771E40}"/>
+              </a:ext>
+            </a:extLst>
+          </p:cNvPr>
+          <p:cNvCxnSpPr>
+            <a:cxnSpLocks/>
+          </p:cNvCxnSpPr>
+          <p:nvPr/>
+        </p:nvCxnSpPr>
+        <p:spPr>
+          <a:xfrm>
+            <a:off x="4472730" y="3384957"/>
+            <a:ext cx="2256638" cy="0"/>
+          </a:xfrm>
+          <a:prstGeom prst="straightConnector1">
+            <a:avLst/>
+          </a:prstGeom>
+          <a:ln w="28575">
+            <a:solidFill>
+              <a:srgbClr val="B5580B"/>
+            </a:solidFill>
+            <a:tailEnd type="triangle"/>
+          </a:ln>
+        </p:spPr>
+        <p:style>
+          <a:lnRef idx="2">
+            <a:schemeClr val="accent3"/>
+          </a:lnRef>
+          <a:fillRef idx="0">
+            <a:schemeClr val="accent3"/>
+          </a:fillRef>
+          <a:effectRef idx="1">
+            <a:schemeClr val="accent3"/>
+          </a:effectRef>
+          <a:fontRef idx="minor">
+            <a:schemeClr val="tx1"/>
+          </a:fontRef>
+        </p:style>
+      </p:cxnSp>
+      <p:cxnSp>
+        <p:nvCxnSpPr>
+          <p:cNvPr id="14" name="Conector recto de flecha 13">
+            <a:extLst>
+              <a:ext uri="{FF2B5EF4-FFF2-40B4-BE49-F238E27FC236}">
+                <a16:creationId xmlns:a16="http://schemas.microsoft.com/office/drawing/2014/main" id="{114D3513-6AC5-2069-AC5B-81A927ECF6C5}"/>
+              </a:ext>
+            </a:extLst>
+          </p:cNvPr>
+          <p:cNvCxnSpPr>
+            <a:cxnSpLocks/>
+          </p:cNvCxnSpPr>
+          <p:nvPr/>
+        </p:nvCxnSpPr>
+        <p:spPr>
+          <a:xfrm>
+            <a:off x="4313339" y="3814194"/>
+            <a:ext cx="2438235" cy="0"/>
+          </a:xfrm>
+          <a:prstGeom prst="straightConnector1">
+            <a:avLst/>
+          </a:prstGeom>
+          <a:ln w="28575">
+            <a:solidFill>
+              <a:srgbClr val="B5580B"/>
+            </a:solidFill>
+            <a:tailEnd type="triangle"/>
+          </a:ln>
+        </p:spPr>
+        <p:style>
+          <a:lnRef idx="2">
+            <a:schemeClr val="accent3"/>
+          </a:lnRef>
+          <a:fillRef idx="0">
+            <a:schemeClr val="accent3"/>
+          </a:fillRef>
+          <a:effectRef idx="1">
+            <a:schemeClr val="accent3"/>
+          </a:effectRef>
+          <a:fontRef idx="minor">
+            <a:schemeClr val="tx1"/>
+          </a:fontRef>
+        </p:style>
+      </p:cxnSp>
+      <p:cxnSp>
+        <p:nvCxnSpPr>
+          <p:cNvPr id="19" name="Conector recto de flecha 18">
+            <a:extLst>
+              <a:ext uri="{FF2B5EF4-FFF2-40B4-BE49-F238E27FC236}">
+                <a16:creationId xmlns:a16="http://schemas.microsoft.com/office/drawing/2014/main" id="{04510056-3466-6012-27D2-A496EACC9337}"/>
+              </a:ext>
+            </a:extLst>
+          </p:cNvPr>
+          <p:cNvCxnSpPr>
+            <a:cxnSpLocks/>
+          </p:cNvCxnSpPr>
+          <p:nvPr/>
+        </p:nvCxnSpPr>
+        <p:spPr>
+          <a:xfrm>
+            <a:off x="4221059" y="4293761"/>
+            <a:ext cx="2530515" cy="0"/>
+          </a:xfrm>
+          <a:prstGeom prst="straightConnector1">
+            <a:avLst/>
+          </a:prstGeom>
+          <a:ln w="28575">
+            <a:solidFill>
+              <a:srgbClr val="B5580B"/>
+            </a:solidFill>
+            <a:tailEnd type="triangle"/>
+          </a:ln>
+        </p:spPr>
+        <p:style>
+          <a:lnRef idx="2">
+            <a:schemeClr val="accent3"/>
+          </a:lnRef>
+          <a:fillRef idx="0">
+            <a:schemeClr val="accent3"/>
+          </a:fillRef>
+          <a:effectRef idx="1">
+            <a:schemeClr val="accent3"/>
+          </a:effectRef>
+          <a:fontRef idx="minor">
+            <a:schemeClr val="tx1"/>
+          </a:fontRef>
+        </p:style>
+      </p:cxnSp>
+      <p:cxnSp>
+        <p:nvCxnSpPr>
+          <p:cNvPr id="20" name="Conector recto de flecha 19">
+            <a:extLst>
+              <a:ext uri="{FF2B5EF4-FFF2-40B4-BE49-F238E27FC236}">
+                <a16:creationId xmlns:a16="http://schemas.microsoft.com/office/drawing/2014/main" id="{E0E4F286-B557-5BA7-7359-95D23752AEFA}"/>
+              </a:ext>
+            </a:extLst>
+          </p:cNvPr>
+          <p:cNvCxnSpPr>
+            <a:cxnSpLocks/>
+          </p:cNvCxnSpPr>
+          <p:nvPr/>
+        </p:nvCxnSpPr>
+        <p:spPr>
+          <a:xfrm>
+            <a:off x="4741178" y="4711816"/>
+            <a:ext cx="2010396" cy="0"/>
+          </a:xfrm>
+          <a:prstGeom prst="straightConnector1">
+            <a:avLst/>
+          </a:prstGeom>
+          <a:ln w="28575">
+            <a:solidFill>
+              <a:srgbClr val="B5580B"/>
+            </a:solidFill>
+            <a:tailEnd type="triangle"/>
+          </a:ln>
+        </p:spPr>
+        <p:style>
+          <a:lnRef idx="2">
+            <a:schemeClr val="accent3"/>
+          </a:lnRef>
+          <a:fillRef idx="0">
+            <a:schemeClr val="accent3"/>
+          </a:fillRef>
+          <a:effectRef idx="1">
+            <a:schemeClr val="accent3"/>
+          </a:effectRef>
+          <a:fontRef idx="minor">
+            <a:schemeClr val="tx1"/>
+          </a:fontRef>
+        </p:style>
+      </p:cxnSp>
+      <p:cxnSp>
+        <p:nvCxnSpPr>
+          <p:cNvPr id="22" name="Conector recto de flecha 21">
+            <a:extLst>
+              <a:ext uri="{FF2B5EF4-FFF2-40B4-BE49-F238E27FC236}">
+                <a16:creationId xmlns:a16="http://schemas.microsoft.com/office/drawing/2014/main" id="{98465277-F8FF-0354-EE01-9276FFB7FD5F}"/>
+              </a:ext>
+            </a:extLst>
+          </p:cNvPr>
+          <p:cNvCxnSpPr>
+            <a:cxnSpLocks/>
+          </p:cNvCxnSpPr>
+          <p:nvPr/>
+        </p:nvCxnSpPr>
+        <p:spPr>
+          <a:xfrm>
+            <a:off x="3919057" y="5139655"/>
+            <a:ext cx="2832517" cy="0"/>
+          </a:xfrm>
+          <a:prstGeom prst="straightConnector1">
+            <a:avLst/>
+          </a:prstGeom>
+          <a:ln w="28575">
+            <a:solidFill>
+              <a:srgbClr val="B5580B"/>
+            </a:solidFill>
+            <a:tailEnd type="triangle"/>
+          </a:ln>
+        </p:spPr>
+        <p:style>
+          <a:lnRef idx="2">
+            <a:schemeClr val="accent3"/>
+          </a:lnRef>
+          <a:fillRef idx="0">
+            <a:schemeClr val="accent3"/>
+          </a:fillRef>
+          <a:effectRef idx="1">
+            <a:schemeClr val="accent3"/>
+          </a:effectRef>
+          <a:fontRef idx="minor">
+            <a:schemeClr val="tx1"/>
+          </a:fontRef>
+        </p:style>
+      </p:cxnSp>
+      <p:cxnSp>
+        <p:nvCxnSpPr>
+          <p:cNvPr id="24" name="Conector recto de flecha 23">
+            <a:extLst>
+              <a:ext uri="{FF2B5EF4-FFF2-40B4-BE49-F238E27FC236}">
+                <a16:creationId xmlns:a16="http://schemas.microsoft.com/office/drawing/2014/main" id="{3729240A-99FC-0BF2-CC4F-C019ACE85695}"/>
+              </a:ext>
+            </a:extLst>
+          </p:cNvPr>
+          <p:cNvCxnSpPr>
+            <a:cxnSpLocks/>
+          </p:cNvCxnSpPr>
+          <p:nvPr/>
+        </p:nvCxnSpPr>
+        <p:spPr>
+          <a:xfrm>
+            <a:off x="4494936" y="5584271"/>
+            <a:ext cx="2256638" cy="0"/>
+          </a:xfrm>
+          <a:prstGeom prst="straightConnector1">
+            <a:avLst/>
+          </a:prstGeom>
+          <a:ln w="28575">
+            <a:solidFill>
+              <a:srgbClr val="B5580B"/>
+            </a:solidFill>
+            <a:tailEnd type="triangle"/>
+          </a:ln>
+        </p:spPr>
+        <p:style>
+          <a:lnRef idx="2">
+            <a:schemeClr val="accent3"/>
+          </a:lnRef>
+          <a:fillRef idx="0">
+            <a:schemeClr val="accent3"/>
+          </a:fillRef>
+          <a:effectRef idx="1">
+            <a:schemeClr val="accent3"/>
+          </a:effectRef>
+          <a:fontRef idx="minor">
+            <a:schemeClr val="tx1"/>
+          </a:fontRef>
+        </p:style>
+      </p:cxnSp>
     </p:spTree>
     <p:extLst>
       <p:ext uri="{BB962C8B-B14F-4D97-AF65-F5344CB8AC3E}">
-        <p14:creationId xmlns:p14="http://schemas.microsoft.com/office/powerpoint/2010/main" val="1880609117"/>
+        <p14:creationId xmlns:p14="http://schemas.microsoft.com/office/powerpoint/2010/main" val="2138470936"/>
       </p:ext>
     </p:extLst>
   </p:cSld>
@@ -4603,7 +5396,7 @@
           <p:cNvPr id="2" name="Título 1">
             <a:extLst>
               <a:ext uri="{FF2B5EF4-FFF2-40B4-BE49-F238E27FC236}">
-                <a16:creationId xmlns:a16="http://schemas.microsoft.com/office/drawing/2014/main" id="{BC005A3B-4C3B-38A2-AA08-BE75F3EC679E}"/>
+                <a16:creationId xmlns:a16="http://schemas.microsoft.com/office/drawing/2014/main" id="{AC409977-246D-B6CA-4F87-246A56C64EFC}"/>
               </a:ext>
             </a:extLst>
           </p:cNvPr>
@@ -4619,16 +5412,19 @@
           <a:bodyPr/>
           <a:lstStyle/>
           <a:p>
-            <a:endParaRPr lang="es-ES"/>
-          </a:p>
-        </p:txBody>
-      </p:sp>
-      <p:sp>
-        <p:nvSpPr>
-          <p:cNvPr id="3" name="Marcador de contenido 2">
+            <a:r>
+              <a:rPr lang="es-ES" dirty="0"/>
+              <a:t>Paths de la aplicación y componentes II</a:t>
+            </a:r>
+          </a:p>
+        </p:txBody>
+      </p:sp>
+      <p:sp>
+        <p:nvSpPr>
+          <p:cNvPr id="4" name="Marcador de contenido 3">
             <a:extLst>
               <a:ext uri="{FF2B5EF4-FFF2-40B4-BE49-F238E27FC236}">
-                <a16:creationId xmlns:a16="http://schemas.microsoft.com/office/drawing/2014/main" id="{2422416F-A15A-070B-C0EA-96C70C86163F}"/>
+                <a16:creationId xmlns:a16="http://schemas.microsoft.com/office/drawing/2014/main" id="{688DA22C-3F41-2943-717C-9E2F1F1D116C}"/>
               </a:ext>
             </a:extLst>
           </p:cNvPr>
@@ -4636,24 +5432,717 @@
             <a:spLocks noGrp="1"/>
           </p:cNvSpPr>
           <p:nvPr>
-            <p:ph idx="1"/>
-          </p:nvPr>
-        </p:nvSpPr>
-        <p:spPr/>
-        <p:txBody>
-          <a:bodyPr>
+            <p:ph sz="half" idx="1"/>
+          </p:nvPr>
+        </p:nvSpPr>
+        <p:spPr>
+          <a:xfrm>
+            <a:off x="2411835" y="1937856"/>
+            <a:ext cx="2962878" cy="4781725"/>
+          </a:xfrm>
+        </p:spPr>
+        <p:txBody>
+          <a:bodyPr/>
+          <a:lstStyle/>
+          <a:p>
+            <a:r>
+              <a:rPr lang="en-US" dirty="0"/>
+              <a:t>/app-menu</a:t>
+            </a:r>
+          </a:p>
+          <a:p>
+            <a:r>
+              <a:rPr lang="en-US" dirty="0"/>
+              <a:t>/experience-manager</a:t>
+            </a:r>
+          </a:p>
+          <a:p>
+            <a:r>
+              <a:rPr lang="en-US" dirty="0"/>
+              <a:t>/extras</a:t>
+            </a:r>
+          </a:p>
+          <a:p>
+            <a:r>
+              <a:rPr lang="en-US" dirty="0"/>
+              <a:t>/migration-test </a:t>
+            </a:r>
+          </a:p>
+          <a:p>
+            <a:r>
+              <a:rPr lang="en-US" dirty="0"/>
+              <a:t>/experience </a:t>
+            </a:r>
+          </a:p>
+          <a:p>
+            <a:r>
+              <a:rPr lang="en-US" dirty="0"/>
+              <a:t>/bill</a:t>
+            </a:r>
+          </a:p>
+          <a:p>
+            <a:r>
+              <a:rPr lang="en-US" dirty="0"/>
+              <a:t>/table-bill </a:t>
+            </a:r>
+          </a:p>
+          <a:p>
+            <a:r>
+              <a:rPr lang="en-US" dirty="0"/>
+              <a:t>/room-manager</a:t>
+            </a:r>
+            <a:endParaRPr lang="es-ES" dirty="0"/>
+          </a:p>
+        </p:txBody>
+      </p:sp>
+      <p:sp>
+        <p:nvSpPr>
+          <p:cNvPr id="6" name="Marcador de contenido 3">
+            <a:extLst>
+              <a:ext uri="{FF2B5EF4-FFF2-40B4-BE49-F238E27FC236}">
+                <a16:creationId xmlns:a16="http://schemas.microsoft.com/office/drawing/2014/main" id="{5CAD6C07-D338-3264-8573-E336A694DFA7}"/>
+              </a:ext>
+            </a:extLst>
+          </p:cNvPr>
+          <p:cNvSpPr txBox="1">
+            <a:spLocks/>
+          </p:cNvSpPr>
+          <p:nvPr/>
+        </p:nvSpPr>
+        <p:spPr>
+          <a:xfrm>
+            <a:off x="6615952" y="1937855"/>
+            <a:ext cx="4068826" cy="4781725"/>
+          </a:xfrm>
+          <a:prstGeom prst="rect">
+            <a:avLst/>
+          </a:prstGeom>
+        </p:spPr>
+        <p:txBody>
+          <a:bodyPr vert="horz" lIns="91440" tIns="45720" rIns="91440" bIns="45720" rtlCol="0">
             <a:normAutofit/>
           </a:bodyPr>
-          <a:lstStyle/>
-          <a:p>
-            <a:endParaRPr lang="es-ES" sz="2400" dirty="0"/>
-          </a:p>
-        </p:txBody>
-      </p:sp>
+          <a:lstStyle>
+            <a:lvl1pPr marL="384048" indent="-384048" algn="l" defTabSz="914400" rtl="0" eaLnBrk="1" latinLnBrk="0" hangingPunct="1">
+              <a:lnSpc>
+                <a:spcPct val="94000"/>
+              </a:lnSpc>
+              <a:spcBef>
+                <a:spcPts val="1000"/>
+              </a:spcBef>
+              <a:spcAft>
+                <a:spcPts val="200"/>
+              </a:spcAft>
+              <a:buFont typeface="Franklin Gothic Book" panose="020B0503020102020204" pitchFamily="34" charset="0"/>
+              <a:buChar char="■"/>
+              <a:defRPr sz="2000" kern="1200" baseline="0">
+                <a:solidFill>
+                  <a:schemeClr val="tx2"/>
+                </a:solidFill>
+                <a:latin typeface="+mn-lt"/>
+                <a:ea typeface="+mn-ea"/>
+                <a:cs typeface="+mn-cs"/>
+              </a:defRPr>
+            </a:lvl1pPr>
+            <a:lvl2pPr marL="914400" indent="-384048" algn="l" defTabSz="914400" rtl="0" eaLnBrk="1" latinLnBrk="0" hangingPunct="1">
+              <a:lnSpc>
+                <a:spcPct val="94000"/>
+              </a:lnSpc>
+              <a:spcBef>
+                <a:spcPts val="500"/>
+              </a:spcBef>
+              <a:spcAft>
+                <a:spcPts val="200"/>
+              </a:spcAft>
+              <a:buFont typeface="Franklin Gothic Book" panose="020B0503020102020204" pitchFamily="34" charset="0"/>
+              <a:buChar char="–"/>
+              <a:defRPr sz="2000" i="1" kern="1200" baseline="0">
+                <a:solidFill>
+                  <a:schemeClr val="tx2"/>
+                </a:solidFill>
+                <a:latin typeface="+mn-lt"/>
+                <a:ea typeface="+mn-ea"/>
+                <a:cs typeface="+mn-cs"/>
+              </a:defRPr>
+            </a:lvl2pPr>
+            <a:lvl3pPr marL="1371600" indent="-384048" algn="l" defTabSz="914400" rtl="0" eaLnBrk="1" latinLnBrk="0" hangingPunct="1">
+              <a:lnSpc>
+                <a:spcPct val="94000"/>
+              </a:lnSpc>
+              <a:spcBef>
+                <a:spcPts val="500"/>
+              </a:spcBef>
+              <a:spcAft>
+                <a:spcPts val="200"/>
+              </a:spcAft>
+              <a:buFont typeface="Franklin Gothic Book" panose="020B0503020102020204" pitchFamily="34" charset="0"/>
+              <a:buChar char="■"/>
+              <a:defRPr sz="1800" kern="1200" baseline="0">
+                <a:solidFill>
+                  <a:schemeClr val="tx2"/>
+                </a:solidFill>
+                <a:latin typeface="+mn-lt"/>
+                <a:ea typeface="+mn-ea"/>
+                <a:cs typeface="+mn-cs"/>
+              </a:defRPr>
+            </a:lvl3pPr>
+            <a:lvl4pPr marL="1828800" indent="-384048" algn="l" defTabSz="914400" rtl="0" eaLnBrk="1" latinLnBrk="0" hangingPunct="1">
+              <a:lnSpc>
+                <a:spcPct val="94000"/>
+              </a:lnSpc>
+              <a:spcBef>
+                <a:spcPts val="500"/>
+              </a:spcBef>
+              <a:spcAft>
+                <a:spcPts val="200"/>
+              </a:spcAft>
+              <a:buFont typeface="Franklin Gothic Book" panose="020B0503020102020204" pitchFamily="34" charset="0"/>
+              <a:buChar char="–"/>
+              <a:defRPr sz="1800" i="1" kern="1200" baseline="0">
+                <a:solidFill>
+                  <a:schemeClr val="tx2"/>
+                </a:solidFill>
+                <a:latin typeface="+mn-lt"/>
+                <a:ea typeface="+mn-ea"/>
+                <a:cs typeface="+mn-cs"/>
+              </a:defRPr>
+            </a:lvl4pPr>
+            <a:lvl5pPr marL="2286000" indent="-384048" algn="l" defTabSz="914400" rtl="0" eaLnBrk="1" latinLnBrk="0" hangingPunct="1">
+              <a:lnSpc>
+                <a:spcPct val="94000"/>
+              </a:lnSpc>
+              <a:spcBef>
+                <a:spcPts val="500"/>
+              </a:spcBef>
+              <a:spcAft>
+                <a:spcPts val="200"/>
+              </a:spcAft>
+              <a:buFont typeface="Franklin Gothic Book" panose="020B0503020102020204" pitchFamily="34" charset="0"/>
+              <a:buChar char="■"/>
+              <a:defRPr sz="1600" kern="1200" baseline="0">
+                <a:solidFill>
+                  <a:schemeClr val="tx2"/>
+                </a:solidFill>
+                <a:latin typeface="+mn-lt"/>
+                <a:ea typeface="+mn-ea"/>
+                <a:cs typeface="+mn-cs"/>
+              </a:defRPr>
+            </a:lvl5pPr>
+            <a:lvl6pPr marL="2743200" indent="-384048" algn="l" defTabSz="914400" rtl="0" eaLnBrk="1" latinLnBrk="0" hangingPunct="1">
+              <a:lnSpc>
+                <a:spcPct val="94000"/>
+              </a:lnSpc>
+              <a:spcBef>
+                <a:spcPts val="500"/>
+              </a:spcBef>
+              <a:spcAft>
+                <a:spcPts val="200"/>
+              </a:spcAft>
+              <a:buFont typeface="Franklin Gothic Book" panose="020B0503020102020204" pitchFamily="34" charset="0"/>
+              <a:buChar char="–"/>
+              <a:defRPr sz="1600" i="1" kern="1200" baseline="0">
+                <a:solidFill>
+                  <a:schemeClr val="tx2"/>
+                </a:solidFill>
+                <a:latin typeface="+mn-lt"/>
+                <a:ea typeface="+mn-ea"/>
+                <a:cs typeface="+mn-cs"/>
+              </a:defRPr>
+            </a:lvl6pPr>
+            <a:lvl7pPr marL="3200400" indent="-384048" algn="l" defTabSz="914400" rtl="0" eaLnBrk="1" latinLnBrk="0" hangingPunct="1">
+              <a:lnSpc>
+                <a:spcPct val="94000"/>
+              </a:lnSpc>
+              <a:spcBef>
+                <a:spcPts val="500"/>
+              </a:spcBef>
+              <a:spcAft>
+                <a:spcPts val="200"/>
+              </a:spcAft>
+              <a:buFont typeface="Franklin Gothic Book" panose="020B0503020102020204" pitchFamily="34" charset="0"/>
+              <a:buChar char="■"/>
+              <a:defRPr sz="1400" kern="1200" baseline="0">
+                <a:solidFill>
+                  <a:schemeClr val="tx2"/>
+                </a:solidFill>
+                <a:latin typeface="+mn-lt"/>
+                <a:ea typeface="+mn-ea"/>
+                <a:cs typeface="+mn-cs"/>
+              </a:defRPr>
+            </a:lvl7pPr>
+            <a:lvl8pPr marL="3657600" indent="-384048" algn="l" defTabSz="914400" rtl="0" eaLnBrk="1" latinLnBrk="0" hangingPunct="1">
+              <a:lnSpc>
+                <a:spcPct val="94000"/>
+              </a:lnSpc>
+              <a:spcBef>
+                <a:spcPts val="500"/>
+              </a:spcBef>
+              <a:spcAft>
+                <a:spcPts val="200"/>
+              </a:spcAft>
+              <a:buFont typeface="Franklin Gothic Book" panose="020B0503020102020204" pitchFamily="34" charset="0"/>
+              <a:buChar char="–"/>
+              <a:defRPr sz="1400" i="1" kern="1200" baseline="0">
+                <a:solidFill>
+                  <a:schemeClr val="tx2"/>
+                </a:solidFill>
+                <a:latin typeface="+mn-lt"/>
+                <a:ea typeface="+mn-ea"/>
+                <a:cs typeface="+mn-cs"/>
+              </a:defRPr>
+            </a:lvl8pPr>
+            <a:lvl9pPr marL="4114800" indent="-384048" algn="l" defTabSz="914400" rtl="0" eaLnBrk="1" latinLnBrk="0" hangingPunct="1">
+              <a:lnSpc>
+                <a:spcPct val="94000"/>
+              </a:lnSpc>
+              <a:spcBef>
+                <a:spcPts val="500"/>
+              </a:spcBef>
+              <a:spcAft>
+                <a:spcPts val="200"/>
+              </a:spcAft>
+              <a:buFont typeface="Franklin Gothic Book" panose="020B0503020102020204" pitchFamily="34" charset="0"/>
+              <a:buChar char="■"/>
+              <a:defRPr sz="1400" kern="1200" baseline="0">
+                <a:solidFill>
+                  <a:schemeClr val="tx2"/>
+                </a:solidFill>
+                <a:latin typeface="+mn-lt"/>
+                <a:ea typeface="+mn-ea"/>
+                <a:cs typeface="+mn-cs"/>
+              </a:defRPr>
+            </a:lvl9pPr>
+          </a:lstStyle>
+          <a:p>
+            <a:pPr marL="0" indent="0">
+              <a:buNone/>
+            </a:pPr>
+            <a:r>
+              <a:rPr lang="es-ES" dirty="0"/>
+              <a:t>AppMenuComponent</a:t>
+            </a:r>
+          </a:p>
+          <a:p>
+            <a:pPr marL="0" indent="0">
+              <a:buNone/>
+            </a:pPr>
+            <a:r>
+              <a:rPr lang="es-ES" dirty="0"/>
+              <a:t>ExperienceManagerComponent </a:t>
+            </a:r>
+          </a:p>
+          <a:p>
+            <a:pPr marL="0" indent="0">
+              <a:buNone/>
+            </a:pPr>
+            <a:r>
+              <a:rPr lang="es-ES" dirty="0"/>
+              <a:t>ExtrasComponent</a:t>
+            </a:r>
+          </a:p>
+          <a:p>
+            <a:pPr marL="0" indent="0">
+              <a:buNone/>
+            </a:pPr>
+            <a:r>
+              <a:rPr lang="es-ES" dirty="0"/>
+              <a:t>MigrationTestComponent </a:t>
+            </a:r>
+          </a:p>
+          <a:p>
+            <a:pPr marL="0" indent="0">
+              <a:buNone/>
+            </a:pPr>
+            <a:r>
+              <a:rPr lang="es-ES" dirty="0"/>
+              <a:t>ExperienceComponent </a:t>
+            </a:r>
+          </a:p>
+          <a:p>
+            <a:pPr marL="0" indent="0">
+              <a:buNone/>
+            </a:pPr>
+            <a:r>
+              <a:rPr lang="es-ES" dirty="0"/>
+              <a:t>BillComponent</a:t>
+            </a:r>
+          </a:p>
+          <a:p>
+            <a:pPr marL="0" indent="0">
+              <a:buNone/>
+            </a:pPr>
+            <a:r>
+              <a:rPr lang="es-ES" dirty="0"/>
+              <a:t>TableBillComponent </a:t>
+            </a:r>
+          </a:p>
+          <a:p>
+            <a:pPr marL="0" indent="0">
+              <a:buNone/>
+            </a:pPr>
+            <a:r>
+              <a:rPr lang="es-ES" dirty="0"/>
+              <a:t>RoomManagerComponent</a:t>
+            </a:r>
+          </a:p>
+        </p:txBody>
+      </p:sp>
+      <p:cxnSp>
+        <p:nvCxnSpPr>
+          <p:cNvPr id="8" name="Conector recto de flecha 7">
+            <a:extLst>
+              <a:ext uri="{FF2B5EF4-FFF2-40B4-BE49-F238E27FC236}">
+                <a16:creationId xmlns:a16="http://schemas.microsoft.com/office/drawing/2014/main" id="{CD675C93-07C3-97F2-F9EB-E31381800CD0}"/>
+              </a:ext>
+            </a:extLst>
+          </p:cNvPr>
+          <p:cNvCxnSpPr>
+            <a:cxnSpLocks/>
+          </p:cNvCxnSpPr>
+          <p:nvPr/>
+        </p:nvCxnSpPr>
+        <p:spPr>
+          <a:xfrm>
+            <a:off x="4261607" y="2139192"/>
+            <a:ext cx="2332140" cy="0"/>
+          </a:xfrm>
+          <a:prstGeom prst="straightConnector1">
+            <a:avLst/>
+          </a:prstGeom>
+          <a:ln w="28575">
+            <a:solidFill>
+              <a:srgbClr val="B5580B"/>
+            </a:solidFill>
+            <a:tailEnd type="triangle"/>
+          </a:ln>
+        </p:spPr>
+        <p:style>
+          <a:lnRef idx="2">
+            <a:schemeClr val="accent3"/>
+          </a:lnRef>
+          <a:fillRef idx="0">
+            <a:schemeClr val="accent3"/>
+          </a:fillRef>
+          <a:effectRef idx="1">
+            <a:schemeClr val="accent3"/>
+          </a:effectRef>
+          <a:fontRef idx="minor">
+            <a:schemeClr val="tx1"/>
+          </a:fontRef>
+        </p:style>
+      </p:cxnSp>
+      <p:cxnSp>
+        <p:nvCxnSpPr>
+          <p:cNvPr id="9" name="Conector recto de flecha 8">
+            <a:extLst>
+              <a:ext uri="{FF2B5EF4-FFF2-40B4-BE49-F238E27FC236}">
+                <a16:creationId xmlns:a16="http://schemas.microsoft.com/office/drawing/2014/main" id="{2FCC6F88-F116-BFBF-7803-05DE65393B8C}"/>
+              </a:ext>
+            </a:extLst>
+          </p:cNvPr>
+          <p:cNvCxnSpPr>
+            <a:cxnSpLocks/>
+          </p:cNvCxnSpPr>
+          <p:nvPr/>
+        </p:nvCxnSpPr>
+        <p:spPr>
+          <a:xfrm>
+            <a:off x="5374713" y="2568428"/>
+            <a:ext cx="1241239" cy="0"/>
+          </a:xfrm>
+          <a:prstGeom prst="straightConnector1">
+            <a:avLst/>
+          </a:prstGeom>
+          <a:ln w="28575">
+            <a:solidFill>
+              <a:srgbClr val="B5580B"/>
+            </a:solidFill>
+            <a:tailEnd type="triangle"/>
+          </a:ln>
+        </p:spPr>
+        <p:style>
+          <a:lnRef idx="2">
+            <a:schemeClr val="accent3"/>
+          </a:lnRef>
+          <a:fillRef idx="0">
+            <a:schemeClr val="accent3"/>
+          </a:fillRef>
+          <a:effectRef idx="1">
+            <a:schemeClr val="accent3"/>
+          </a:effectRef>
+          <a:fontRef idx="minor">
+            <a:schemeClr val="tx1"/>
+          </a:fontRef>
+        </p:style>
+      </p:cxnSp>
+      <p:cxnSp>
+        <p:nvCxnSpPr>
+          <p:cNvPr id="11" name="Conector recto de flecha 10">
+            <a:extLst>
+              <a:ext uri="{FF2B5EF4-FFF2-40B4-BE49-F238E27FC236}">
+                <a16:creationId xmlns:a16="http://schemas.microsoft.com/office/drawing/2014/main" id="{C4409BC5-91E1-6CFD-9CEB-FAB403D78B3F}"/>
+              </a:ext>
+            </a:extLst>
+          </p:cNvPr>
+          <p:cNvCxnSpPr>
+            <a:cxnSpLocks/>
+          </p:cNvCxnSpPr>
+          <p:nvPr/>
+        </p:nvCxnSpPr>
+        <p:spPr>
+          <a:xfrm>
+            <a:off x="3867325" y="2989276"/>
+            <a:ext cx="2726422" cy="0"/>
+          </a:xfrm>
+          <a:prstGeom prst="straightConnector1">
+            <a:avLst/>
+          </a:prstGeom>
+          <a:ln w="28575">
+            <a:solidFill>
+              <a:srgbClr val="B5580B"/>
+            </a:solidFill>
+            <a:tailEnd type="triangle"/>
+          </a:ln>
+        </p:spPr>
+        <p:style>
+          <a:lnRef idx="2">
+            <a:schemeClr val="accent3"/>
+          </a:lnRef>
+          <a:fillRef idx="0">
+            <a:schemeClr val="accent3"/>
+          </a:fillRef>
+          <a:effectRef idx="1">
+            <a:schemeClr val="accent3"/>
+          </a:effectRef>
+          <a:fontRef idx="minor">
+            <a:schemeClr val="tx1"/>
+          </a:fontRef>
+        </p:style>
+      </p:cxnSp>
+      <p:cxnSp>
+        <p:nvCxnSpPr>
+          <p:cNvPr id="12" name="Conector recto de flecha 11">
+            <a:extLst>
+              <a:ext uri="{FF2B5EF4-FFF2-40B4-BE49-F238E27FC236}">
+                <a16:creationId xmlns:a16="http://schemas.microsoft.com/office/drawing/2014/main" id="{E2967855-B912-7A53-F87A-B37EE9771E40}"/>
+              </a:ext>
+            </a:extLst>
+          </p:cNvPr>
+          <p:cNvCxnSpPr>
+            <a:cxnSpLocks/>
+          </p:cNvCxnSpPr>
+          <p:nvPr/>
+        </p:nvCxnSpPr>
+        <p:spPr>
+          <a:xfrm>
+            <a:off x="4672668" y="3418513"/>
+            <a:ext cx="1921078" cy="0"/>
+          </a:xfrm>
+          <a:prstGeom prst="straightConnector1">
+            <a:avLst/>
+          </a:prstGeom>
+          <a:ln w="28575">
+            <a:solidFill>
+              <a:srgbClr val="B5580B"/>
+            </a:solidFill>
+            <a:tailEnd type="triangle"/>
+          </a:ln>
+        </p:spPr>
+        <p:style>
+          <a:lnRef idx="2">
+            <a:schemeClr val="accent3"/>
+          </a:lnRef>
+          <a:fillRef idx="0">
+            <a:schemeClr val="accent3"/>
+          </a:fillRef>
+          <a:effectRef idx="1">
+            <a:schemeClr val="accent3"/>
+          </a:effectRef>
+          <a:fontRef idx="minor">
+            <a:schemeClr val="tx1"/>
+          </a:fontRef>
+        </p:style>
+      </p:cxnSp>
+      <p:cxnSp>
+        <p:nvCxnSpPr>
+          <p:cNvPr id="14" name="Conector recto de flecha 13">
+            <a:extLst>
+              <a:ext uri="{FF2B5EF4-FFF2-40B4-BE49-F238E27FC236}">
+                <a16:creationId xmlns:a16="http://schemas.microsoft.com/office/drawing/2014/main" id="{114D3513-6AC5-2069-AC5B-81A927ECF6C5}"/>
+              </a:ext>
+            </a:extLst>
+          </p:cNvPr>
+          <p:cNvCxnSpPr>
+            <a:cxnSpLocks/>
+          </p:cNvCxnSpPr>
+          <p:nvPr/>
+        </p:nvCxnSpPr>
+        <p:spPr>
+          <a:xfrm>
+            <a:off x="4359314" y="3847750"/>
+            <a:ext cx="2256638" cy="0"/>
+          </a:xfrm>
+          <a:prstGeom prst="straightConnector1">
+            <a:avLst/>
+          </a:prstGeom>
+          <a:ln w="28575">
+            <a:solidFill>
+              <a:srgbClr val="B5580B"/>
+            </a:solidFill>
+            <a:tailEnd type="triangle"/>
+          </a:ln>
+        </p:spPr>
+        <p:style>
+          <a:lnRef idx="2">
+            <a:schemeClr val="accent3"/>
+          </a:lnRef>
+          <a:fillRef idx="0">
+            <a:schemeClr val="accent3"/>
+          </a:fillRef>
+          <a:effectRef idx="1">
+            <a:schemeClr val="accent3"/>
+          </a:effectRef>
+          <a:fontRef idx="minor">
+            <a:schemeClr val="tx1"/>
+          </a:fontRef>
+        </p:style>
+      </p:cxnSp>
+      <p:cxnSp>
+        <p:nvCxnSpPr>
+          <p:cNvPr id="19" name="Conector recto de flecha 18">
+            <a:extLst>
+              <a:ext uri="{FF2B5EF4-FFF2-40B4-BE49-F238E27FC236}">
+                <a16:creationId xmlns:a16="http://schemas.microsoft.com/office/drawing/2014/main" id="{04510056-3466-6012-27D2-A496EACC9337}"/>
+              </a:ext>
+            </a:extLst>
+          </p:cNvPr>
+          <p:cNvCxnSpPr>
+            <a:cxnSpLocks/>
+          </p:cNvCxnSpPr>
+          <p:nvPr/>
+        </p:nvCxnSpPr>
+        <p:spPr>
+          <a:xfrm>
+            <a:off x="3422708" y="4327317"/>
+            <a:ext cx="3193244" cy="0"/>
+          </a:xfrm>
+          <a:prstGeom prst="straightConnector1">
+            <a:avLst/>
+          </a:prstGeom>
+          <a:ln w="28575">
+            <a:solidFill>
+              <a:srgbClr val="B5580B"/>
+            </a:solidFill>
+            <a:tailEnd type="triangle"/>
+          </a:ln>
+        </p:spPr>
+        <p:style>
+          <a:lnRef idx="2">
+            <a:schemeClr val="accent3"/>
+          </a:lnRef>
+          <a:fillRef idx="0">
+            <a:schemeClr val="accent3"/>
+          </a:fillRef>
+          <a:effectRef idx="1">
+            <a:schemeClr val="accent3"/>
+          </a:effectRef>
+          <a:fontRef idx="minor">
+            <a:schemeClr val="tx1"/>
+          </a:fontRef>
+        </p:style>
+      </p:cxnSp>
+      <p:cxnSp>
+        <p:nvCxnSpPr>
+          <p:cNvPr id="20" name="Conector recto de flecha 19">
+            <a:extLst>
+              <a:ext uri="{FF2B5EF4-FFF2-40B4-BE49-F238E27FC236}">
+                <a16:creationId xmlns:a16="http://schemas.microsoft.com/office/drawing/2014/main" id="{E0E4F286-B557-5BA7-7359-95D23752AEFA}"/>
+              </a:ext>
+            </a:extLst>
+          </p:cNvPr>
+          <p:cNvCxnSpPr>
+            <a:cxnSpLocks/>
+          </p:cNvCxnSpPr>
+          <p:nvPr/>
+        </p:nvCxnSpPr>
+        <p:spPr>
+          <a:xfrm>
+            <a:off x="4093828" y="4745372"/>
+            <a:ext cx="2522124" cy="0"/>
+          </a:xfrm>
+          <a:prstGeom prst="straightConnector1">
+            <a:avLst/>
+          </a:prstGeom>
+          <a:ln w="28575">
+            <a:solidFill>
+              <a:srgbClr val="B5580B"/>
+            </a:solidFill>
+            <a:tailEnd type="triangle"/>
+          </a:ln>
+        </p:spPr>
+        <p:style>
+          <a:lnRef idx="2">
+            <a:schemeClr val="accent3"/>
+          </a:lnRef>
+          <a:fillRef idx="0">
+            <a:schemeClr val="accent3"/>
+          </a:fillRef>
+          <a:effectRef idx="1">
+            <a:schemeClr val="accent3"/>
+          </a:effectRef>
+          <a:fontRef idx="minor">
+            <a:schemeClr val="tx1"/>
+          </a:fontRef>
+        </p:style>
+      </p:cxnSp>
+      <p:cxnSp>
+        <p:nvCxnSpPr>
+          <p:cNvPr id="22" name="Conector recto de flecha 21">
+            <a:extLst>
+              <a:ext uri="{FF2B5EF4-FFF2-40B4-BE49-F238E27FC236}">
+                <a16:creationId xmlns:a16="http://schemas.microsoft.com/office/drawing/2014/main" id="{98465277-F8FF-0354-EE01-9276FFB7FD5F}"/>
+              </a:ext>
+            </a:extLst>
+          </p:cNvPr>
+          <p:cNvCxnSpPr>
+            <a:cxnSpLocks/>
+          </p:cNvCxnSpPr>
+          <p:nvPr/>
+        </p:nvCxnSpPr>
+        <p:spPr>
+          <a:xfrm>
+            <a:off x="4739780" y="5173211"/>
+            <a:ext cx="1876172" cy="0"/>
+          </a:xfrm>
+          <a:prstGeom prst="straightConnector1">
+            <a:avLst/>
+          </a:prstGeom>
+          <a:ln w="28575">
+            <a:solidFill>
+              <a:srgbClr val="B5580B"/>
+            </a:solidFill>
+            <a:tailEnd type="triangle"/>
+          </a:ln>
+        </p:spPr>
+        <p:style>
+          <a:lnRef idx="2">
+            <a:schemeClr val="accent3"/>
+          </a:lnRef>
+          <a:fillRef idx="0">
+            <a:schemeClr val="accent3"/>
+          </a:fillRef>
+          <a:effectRef idx="1">
+            <a:schemeClr val="accent3"/>
+          </a:effectRef>
+          <a:fontRef idx="minor">
+            <a:schemeClr val="tx1"/>
+          </a:fontRef>
+        </p:style>
+      </p:cxnSp>
     </p:spTree>
     <p:extLst>
       <p:ext uri="{BB962C8B-B14F-4D97-AF65-F5344CB8AC3E}">
-        <p14:creationId xmlns:p14="http://schemas.microsoft.com/office/powerpoint/2010/main" val="923734104"/>
+        <p14:creationId xmlns:p14="http://schemas.microsoft.com/office/powerpoint/2010/main" val="15138553"/>
       </p:ext>
     </p:extLst>
   </p:cSld>
@@ -4685,7 +6174,7 @@
           <p:cNvPr id="2" name="Título 1">
             <a:extLst>
               <a:ext uri="{FF2B5EF4-FFF2-40B4-BE49-F238E27FC236}">
-                <a16:creationId xmlns:a16="http://schemas.microsoft.com/office/drawing/2014/main" id="{78BDC485-3D58-188A-5B5E-DC582DEBF3A2}"/>
+                <a16:creationId xmlns:a16="http://schemas.microsoft.com/office/drawing/2014/main" id="{358CDCDB-12BF-2FE0-F4AF-2DFCA45B5A95}"/>
               </a:ext>
             </a:extLst>
           </p:cNvPr>
@@ -4703,8 +6192,13 @@
           <a:p>
             <a:r>
               <a:rPr lang="es-ES" dirty="0"/>
-              <a:t>Impacto social</a:t>
-            </a:r>
+              <a:t>Back </a:t>
+            </a:r>
+            <a:r>
+              <a:rPr lang="es-ES" dirty="0" err="1"/>
+              <a:t>end</a:t>
+            </a:r>
+            <a:endParaRPr lang="es-ES" dirty="0"/>
           </a:p>
         </p:txBody>
       </p:sp>
@@ -4713,7 +6207,7 @@
           <p:cNvPr id="3" name="Marcador de texto 2">
             <a:extLst>
               <a:ext uri="{FF2B5EF4-FFF2-40B4-BE49-F238E27FC236}">
-                <a16:creationId xmlns:a16="http://schemas.microsoft.com/office/drawing/2014/main" id="{B694D916-9A07-BDF1-F6DE-C05AEA413019}"/>
+                <a16:creationId xmlns:a16="http://schemas.microsoft.com/office/drawing/2014/main" id="{723CFD67-31F4-C520-2E4D-1418E2F75764}"/>
               </a:ext>
             </a:extLst>
           </p:cNvPr>
@@ -4729,14 +6223,17 @@
           <a:bodyPr/>
           <a:lstStyle/>
           <a:p>
-            <a:endParaRPr lang="es-ES"/>
+            <a:r>
+              <a:rPr lang="es-ES" dirty="0"/>
+              <a:t>Java + Spring Boot</a:t>
+            </a:r>
           </a:p>
         </p:txBody>
       </p:sp>
     </p:spTree>
     <p:extLst>
       <p:ext uri="{BB962C8B-B14F-4D97-AF65-F5344CB8AC3E}">
-        <p14:creationId xmlns:p14="http://schemas.microsoft.com/office/powerpoint/2010/main" val="3510899686"/>
+        <p14:creationId xmlns:p14="http://schemas.microsoft.com/office/powerpoint/2010/main" val="1173385069"/>
       </p:ext>
     </p:extLst>
   </p:cSld>
@@ -4768,7 +6265,7 @@
           <p:cNvPr id="2" name="Título 1">
             <a:extLst>
               <a:ext uri="{FF2B5EF4-FFF2-40B4-BE49-F238E27FC236}">
-                <a16:creationId xmlns:a16="http://schemas.microsoft.com/office/drawing/2014/main" id="{B273A5AD-3304-21EE-FD44-36154EBE4352}"/>
+                <a16:creationId xmlns:a16="http://schemas.microsoft.com/office/drawing/2014/main" id="{193B2CA5-E2DF-9411-FDF2-C50EA6D44848}"/>
               </a:ext>
             </a:extLst>
           </p:cNvPr>
@@ -4777,31 +6274,6 @@
           </p:cNvSpPr>
           <p:nvPr>
             <p:ph type="title"/>
-          </p:nvPr>
-        </p:nvSpPr>
-        <p:spPr/>
-        <p:txBody>
-          <a:bodyPr/>
-          <a:lstStyle/>
-          <a:p>
-            <a:endParaRPr lang="es-ES" dirty="0"/>
-          </a:p>
-        </p:txBody>
-      </p:sp>
-      <p:sp>
-        <p:nvSpPr>
-          <p:cNvPr id="3" name="Marcador de contenido 2">
-            <a:extLst>
-              <a:ext uri="{FF2B5EF4-FFF2-40B4-BE49-F238E27FC236}">
-                <a16:creationId xmlns:a16="http://schemas.microsoft.com/office/drawing/2014/main" id="{12CB8402-2D4C-60CC-2ABA-D0B223522018}"/>
-              </a:ext>
-            </a:extLst>
-          </p:cNvPr>
-          <p:cNvSpPr>
-            <a:spLocks noGrp="1"/>
-          </p:cNvSpPr>
-          <p:nvPr>
-            <p:ph idx="1"/>
           </p:nvPr>
         </p:nvSpPr>
         <p:spPr/>
@@ -4811,14 +6283,73 @@
           </a:bodyPr>
           <a:lstStyle/>
           <a:p>
-            <a:endParaRPr lang="es-ES" sz="2400" dirty="0"/>
+            <a:r>
+              <a:rPr lang="es-ES" sz="5400" dirty="0"/>
+              <a:t>Consideraciones del Back End</a:t>
+            </a:r>
+          </a:p>
+        </p:txBody>
+      </p:sp>
+      <p:sp>
+        <p:nvSpPr>
+          <p:cNvPr id="3" name="Marcador de contenido 2">
+            <a:extLst>
+              <a:ext uri="{FF2B5EF4-FFF2-40B4-BE49-F238E27FC236}">
+                <a16:creationId xmlns:a16="http://schemas.microsoft.com/office/drawing/2014/main" id="{33AB38B4-F442-56FE-198F-382F83FFA844}"/>
+              </a:ext>
+            </a:extLst>
+          </p:cNvPr>
+          <p:cNvSpPr>
+            <a:spLocks noGrp="1"/>
+          </p:cNvSpPr>
+          <p:nvPr>
+            <p:ph idx="1"/>
+          </p:nvPr>
+        </p:nvSpPr>
+        <p:spPr/>
+        <p:txBody>
+          <a:bodyPr>
+            <a:normAutofit/>
+          </a:bodyPr>
+          <a:lstStyle/>
+          <a:p>
+            <a:r>
+              <a:rPr lang="es-ES" sz="3200" dirty="0"/>
+              <a:t>Desarrollado en Java + Spring Boot</a:t>
+            </a:r>
+          </a:p>
+          <a:p>
+            <a:r>
+              <a:rPr lang="es-ES" sz="3200" dirty="0"/>
+              <a:t>Gestor de dependencias: Maven vs Gradle</a:t>
+            </a:r>
+          </a:p>
+          <a:p>
+            <a:r>
+              <a:rPr lang="es-ES" sz="3200" dirty="0"/>
+              <a:t>Módulos que la componen</a:t>
+            </a:r>
+          </a:p>
+          <a:p>
+            <a:pPr lvl="1"/>
+            <a:r>
+              <a:rPr lang="es-ES" sz="3200" dirty="0"/>
+              <a:t>main</a:t>
+            </a:r>
+          </a:p>
+          <a:p>
+            <a:pPr lvl="1"/>
+            <a:r>
+              <a:rPr lang="es-ES" sz="3200" dirty="0"/>
+              <a:t>test</a:t>
+            </a:r>
           </a:p>
         </p:txBody>
       </p:sp>
     </p:spTree>
     <p:extLst>
       <p:ext uri="{BB962C8B-B14F-4D97-AF65-F5344CB8AC3E}">
-        <p14:creationId xmlns:p14="http://schemas.microsoft.com/office/powerpoint/2010/main" val="2688458684"/>
+        <p14:creationId xmlns:p14="http://schemas.microsoft.com/office/powerpoint/2010/main" val="1296636677"/>
       </p:ext>
     </p:extLst>
   </p:cSld>
@@ -4850,7 +6381,7 @@
           <p:cNvPr id="2" name="Título 1">
             <a:extLst>
               <a:ext uri="{FF2B5EF4-FFF2-40B4-BE49-F238E27FC236}">
-                <a16:creationId xmlns:a16="http://schemas.microsoft.com/office/drawing/2014/main" id="{B54FC2A3-365F-A36D-D841-7D40F51CD925}"/>
+                <a16:creationId xmlns:a16="http://schemas.microsoft.com/office/drawing/2014/main" id="{E5FE8D26-8636-74D5-5C1D-730C802B718A}"/>
               </a:ext>
             </a:extLst>
           </p:cNvPr>
@@ -4868,24 +6399,25 @@
           <a:p>
             <a:r>
               <a:rPr lang="es-ES" dirty="0"/>
-              <a:t>Demo de </a:t>
-            </a:r>
-            <a:br>
+              <a:t>Módulo </a:t>
+            </a:r>
+            <a:r>
+              <a:rPr lang="es-ES" i="1" dirty="0"/>
+              <a:t>main</a:t>
+            </a:r>
+            <a:r>
               <a:rPr lang="es-ES" dirty="0"/>
-            </a:br>
-            <a:r>
-              <a:rPr lang="es-ES" dirty="0"/>
-              <a:t>la aplicación</a:t>
-            </a:r>
-          </a:p>
-        </p:txBody>
-      </p:sp>
-      <p:sp>
-        <p:nvSpPr>
-          <p:cNvPr id="3" name="Marcador de texto 2">
+              <a:t>. Código de producción</a:t>
+            </a:r>
+          </a:p>
+        </p:txBody>
+      </p:sp>
+      <p:sp>
+        <p:nvSpPr>
+          <p:cNvPr id="3" name="Marcador de contenido 2">
             <a:extLst>
               <a:ext uri="{FF2B5EF4-FFF2-40B4-BE49-F238E27FC236}">
-                <a16:creationId xmlns:a16="http://schemas.microsoft.com/office/drawing/2014/main" id="{573B9A9E-52CE-4A3C-8B5D-A980ACE76E8E}"/>
+                <a16:creationId xmlns:a16="http://schemas.microsoft.com/office/drawing/2014/main" id="{27454902-3480-2F05-77C1-A3097FAD1CAD}"/>
               </a:ext>
             </a:extLst>
           </p:cNvPr>
@@ -4893,22 +6425,66 @@
             <a:spLocks noGrp="1"/>
           </p:cNvSpPr>
           <p:nvPr>
-            <p:ph type="body" idx="1"/>
+            <p:ph idx="1"/>
           </p:nvPr>
         </p:nvSpPr>
         <p:spPr/>
         <p:txBody>
-          <a:bodyPr/>
+          <a:bodyPr>
+            <a:normAutofit/>
+          </a:bodyPr>
           <a:lstStyle/>
           <a:p>
-            <a:endParaRPr lang="es-ES"/>
+            <a:r>
+              <a:rPr lang="es-ES" sz="3200" dirty="0"/>
+              <a:t>Organización en Packages:</a:t>
+            </a:r>
+          </a:p>
+          <a:p>
+            <a:pPr lvl="1"/>
+            <a:r>
+              <a:rPr lang="es-ES" sz="3200" dirty="0"/>
+              <a:t>config</a:t>
+            </a:r>
+          </a:p>
+          <a:p>
+            <a:pPr lvl="1"/>
+            <a:r>
+              <a:rPr lang="es-ES" sz="3200" dirty="0"/>
+              <a:t>controller</a:t>
+            </a:r>
+          </a:p>
+          <a:p>
+            <a:pPr lvl="1"/>
+            <a:r>
+              <a:rPr lang="es-ES" sz="3200" dirty="0"/>
+              <a:t>service</a:t>
+            </a:r>
+          </a:p>
+          <a:p>
+            <a:pPr lvl="1"/>
+            <a:r>
+              <a:rPr lang="es-ES" sz="3200" dirty="0"/>
+              <a:t>repository</a:t>
+            </a:r>
+          </a:p>
+          <a:p>
+            <a:pPr lvl="1"/>
+            <a:r>
+              <a:rPr lang="es-ES" sz="3200" dirty="0"/>
+              <a:t>model</a:t>
+            </a:r>
+          </a:p>
+          <a:p>
+            <a:pPr lvl="1"/>
+            <a:endParaRPr lang="es-ES" sz="3200" dirty="0"/>
           </a:p>
         </p:txBody>
       </p:sp>
     </p:spTree>
     <p:extLst>
       <p:ext uri="{BB962C8B-B14F-4D97-AF65-F5344CB8AC3E}">
-        <p14:creationId xmlns:p14="http://schemas.microsoft.com/office/powerpoint/2010/main" val="307691439"/>
+        <p14:creationId xmlns:p14="http://schemas.microsoft.com/office/powerpoint/2010/main" val="618054568"/>
       </p:ext>
     </p:extLst>
   </p:cSld>
@@ -4935,10 +6511,97 @@
           <a:chExt cx="0" cy="0"/>
         </a:xfrm>
       </p:grpSpPr>
+      <p:sp>
+        <p:nvSpPr>
+          <p:cNvPr id="2" name="Título 1">
+            <a:extLst>
+              <a:ext uri="{FF2B5EF4-FFF2-40B4-BE49-F238E27FC236}">
+                <a16:creationId xmlns:a16="http://schemas.microsoft.com/office/drawing/2014/main" id="{CE80F119-7C38-067D-FBED-F1A9E0D3E2FE}"/>
+              </a:ext>
+            </a:extLst>
+          </p:cNvPr>
+          <p:cNvSpPr>
+            <a:spLocks noGrp="1"/>
+          </p:cNvSpPr>
+          <p:nvPr>
+            <p:ph type="title"/>
+          </p:nvPr>
+        </p:nvSpPr>
+        <p:spPr/>
+        <p:txBody>
+          <a:bodyPr/>
+          <a:lstStyle/>
+          <a:p>
+            <a:r>
+              <a:rPr lang="es-ES" dirty="0"/>
+              <a:t>Módulo </a:t>
+            </a:r>
+            <a:r>
+              <a:rPr lang="es-ES" i="1" dirty="0"/>
+              <a:t>test</a:t>
+            </a:r>
+            <a:r>
+              <a:rPr lang="es-ES" dirty="0"/>
+              <a:t>. Código de testing</a:t>
+            </a:r>
+          </a:p>
+        </p:txBody>
+      </p:sp>
+      <p:sp>
+        <p:nvSpPr>
+          <p:cNvPr id="3" name="Marcador de contenido 2">
+            <a:extLst>
+              <a:ext uri="{FF2B5EF4-FFF2-40B4-BE49-F238E27FC236}">
+                <a16:creationId xmlns:a16="http://schemas.microsoft.com/office/drawing/2014/main" id="{249A6520-5B51-69B5-C89B-C919056AE740}"/>
+              </a:ext>
+            </a:extLst>
+          </p:cNvPr>
+          <p:cNvSpPr>
+            <a:spLocks noGrp="1"/>
+          </p:cNvSpPr>
+          <p:nvPr>
+            <p:ph idx="1"/>
+          </p:nvPr>
+        </p:nvSpPr>
+        <p:spPr/>
+        <p:txBody>
+          <a:bodyPr>
+            <a:normAutofit/>
+          </a:bodyPr>
+          <a:lstStyle/>
+          <a:p>
+            <a:r>
+              <a:rPr lang="es-ES" sz="3200" dirty="0"/>
+              <a:t>Niveles de testing:</a:t>
+            </a:r>
+          </a:p>
+          <a:p>
+            <a:pPr lvl="1"/>
+            <a:r>
+              <a:rPr lang="es-ES" sz="3200" dirty="0"/>
+              <a:t>Tests unitarios</a:t>
+            </a:r>
+          </a:p>
+          <a:p>
+            <a:pPr lvl="1"/>
+            <a:r>
+              <a:rPr lang="es-ES" sz="3200" dirty="0"/>
+              <a:t>Tests de integración</a:t>
+            </a:r>
+          </a:p>
+          <a:p>
+            <a:pPr lvl="1"/>
+            <a:r>
+              <a:rPr lang="es-ES" sz="3200" dirty="0"/>
+              <a:t>Tests funcionales</a:t>
+            </a:r>
+          </a:p>
+        </p:txBody>
+      </p:sp>
     </p:spTree>
     <p:extLst>
       <p:ext uri="{BB962C8B-B14F-4D97-AF65-F5344CB8AC3E}">
-        <p14:creationId xmlns:p14="http://schemas.microsoft.com/office/powerpoint/2010/main" val="3516934504"/>
+        <p14:creationId xmlns:p14="http://schemas.microsoft.com/office/powerpoint/2010/main" val="1093044244"/>
       </p:ext>
     </p:extLst>
   </p:cSld>
@@ -4993,31 +6656,6 @@
           </a:p>
         </p:txBody>
       </p:sp>
-      <p:sp>
-        <p:nvSpPr>
-          <p:cNvPr id="3" name="Marcador de texto 2">
-            <a:extLst>
-              <a:ext uri="{FF2B5EF4-FFF2-40B4-BE49-F238E27FC236}">
-                <a16:creationId xmlns:a16="http://schemas.microsoft.com/office/drawing/2014/main" id="{938867EA-F2C6-4FA7-0A20-908E99DFD979}"/>
-              </a:ext>
-            </a:extLst>
-          </p:cNvPr>
-          <p:cNvSpPr>
-            <a:spLocks noGrp="1"/>
-          </p:cNvSpPr>
-          <p:nvPr>
-            <p:ph type="body" idx="1"/>
-          </p:nvPr>
-        </p:nvSpPr>
-        <p:spPr/>
-        <p:txBody>
-          <a:bodyPr/>
-          <a:lstStyle/>
-          <a:p>
-            <a:endParaRPr lang="es-ES"/>
-          </a:p>
-        </p:txBody>
-      </p:sp>
     </p:spTree>
     <p:extLst>
       <p:ext uri="{BB962C8B-B14F-4D97-AF65-F5344CB8AC3E}">
@@ -5032,6 +6670,576 @@
 </file>
 
 <file path=ppt/slides/slide20.xml><?xml version="1.0" encoding="utf-8"?>
+<p:sld xmlns:a="http://schemas.openxmlformats.org/drawingml/2006/main" xmlns:r="http://schemas.openxmlformats.org/officeDocument/2006/relationships" xmlns:p="http://schemas.openxmlformats.org/presentationml/2006/main">
+  <p:cSld>
+    <p:spTree>
+      <p:nvGrpSpPr>
+        <p:cNvPr id="1" name=""/>
+        <p:cNvGrpSpPr/>
+        <p:nvPr/>
+      </p:nvGrpSpPr>
+      <p:grpSpPr>
+        <a:xfrm>
+          <a:off x="0" y="0"/>
+          <a:ext cx="0" cy="0"/>
+          <a:chOff x="0" y="0"/>
+          <a:chExt cx="0" cy="0"/>
+        </a:xfrm>
+      </p:grpSpPr>
+      <p:sp>
+        <p:nvSpPr>
+          <p:cNvPr id="2" name="Título 1">
+            <a:extLst>
+              <a:ext uri="{FF2B5EF4-FFF2-40B4-BE49-F238E27FC236}">
+                <a16:creationId xmlns:a16="http://schemas.microsoft.com/office/drawing/2014/main" id="{B43BCA3B-68D8-C93B-0032-334045015752}"/>
+              </a:ext>
+            </a:extLst>
+          </p:cNvPr>
+          <p:cNvSpPr>
+            <a:spLocks noGrp="1"/>
+          </p:cNvSpPr>
+          <p:nvPr>
+            <p:ph type="title"/>
+          </p:nvPr>
+        </p:nvSpPr>
+        <p:spPr/>
+        <p:txBody>
+          <a:bodyPr/>
+          <a:lstStyle/>
+          <a:p>
+            <a:r>
+              <a:rPr lang="es-ES" dirty="0"/>
+              <a:t>Puntos clave </a:t>
+            </a:r>
+            <a:br>
+              <a:rPr lang="es-ES" dirty="0"/>
+            </a:br>
+            <a:r>
+              <a:rPr lang="es-ES" dirty="0"/>
+              <a:t>de sincronización</a:t>
+            </a:r>
+          </a:p>
+        </p:txBody>
+      </p:sp>
+    </p:spTree>
+    <p:extLst>
+      <p:ext uri="{BB962C8B-B14F-4D97-AF65-F5344CB8AC3E}">
+        <p14:creationId xmlns:p14="http://schemas.microsoft.com/office/powerpoint/2010/main" val="1880609117"/>
+      </p:ext>
+    </p:extLst>
+  </p:cSld>
+  <p:clrMapOvr>
+    <a:masterClrMapping/>
+  </p:clrMapOvr>
+</p:sld>
+</file>
+
+<file path=ppt/slides/slide21.xml><?xml version="1.0" encoding="utf-8"?>
+<p:sld xmlns:a="http://schemas.openxmlformats.org/drawingml/2006/main" xmlns:r="http://schemas.openxmlformats.org/officeDocument/2006/relationships" xmlns:p="http://schemas.openxmlformats.org/presentationml/2006/main">
+  <p:cSld>
+    <p:spTree>
+      <p:nvGrpSpPr>
+        <p:cNvPr id="1" name=""/>
+        <p:cNvGrpSpPr/>
+        <p:nvPr/>
+      </p:nvGrpSpPr>
+      <p:grpSpPr>
+        <a:xfrm>
+          <a:off x="0" y="0"/>
+          <a:ext cx="0" cy="0"/>
+          <a:chOff x="0" y="0"/>
+          <a:chExt cx="0" cy="0"/>
+        </a:xfrm>
+      </p:grpSpPr>
+      <p:sp>
+        <p:nvSpPr>
+          <p:cNvPr id="2" name="Título 1">
+            <a:extLst>
+              <a:ext uri="{FF2B5EF4-FFF2-40B4-BE49-F238E27FC236}">
+                <a16:creationId xmlns:a16="http://schemas.microsoft.com/office/drawing/2014/main" id="{BC005A3B-4C3B-38A2-AA08-BE75F3EC679E}"/>
+              </a:ext>
+            </a:extLst>
+          </p:cNvPr>
+          <p:cNvSpPr>
+            <a:spLocks noGrp="1"/>
+          </p:cNvSpPr>
+          <p:nvPr>
+            <p:ph type="title"/>
+          </p:nvPr>
+        </p:nvSpPr>
+        <p:spPr>
+          <a:xfrm>
+            <a:off x="1115736" y="359678"/>
+            <a:ext cx="10553350" cy="1485900"/>
+          </a:xfrm>
+        </p:spPr>
+        <p:txBody>
+          <a:bodyPr>
+            <a:noAutofit/>
+          </a:bodyPr>
+          <a:lstStyle/>
+          <a:p>
+            <a:r>
+              <a:rPr lang="es-ES" sz="3600" dirty="0"/>
+              <a:t>Sincronización a la hora de configurar todos los dispositivos para la experiencia personalizada Alafia</a:t>
+            </a:r>
+          </a:p>
+        </p:txBody>
+      </p:sp>
+      <p:pic>
+        <p:nvPicPr>
+          <p:cNvPr id="11" name="Marcador de contenido 10">
+            <a:extLst>
+              <a:ext uri="{FF2B5EF4-FFF2-40B4-BE49-F238E27FC236}">
+                <a16:creationId xmlns:a16="http://schemas.microsoft.com/office/drawing/2014/main" id="{F48ABB7D-7691-82B8-AE18-D825560D014A}"/>
+              </a:ext>
+            </a:extLst>
+          </p:cNvPr>
+          <p:cNvPicPr>
+            <a:picLocks noGrp="1" noChangeAspect="1"/>
+          </p:cNvPicPr>
+          <p:nvPr>
+            <p:ph idx="1"/>
+          </p:nvPr>
+        </p:nvPicPr>
+        <p:blipFill>
+          <a:blip r:embed="rId2"/>
+          <a:stretch>
+            <a:fillRect/>
+          </a:stretch>
+        </p:blipFill>
+        <p:spPr>
+          <a:xfrm>
+            <a:off x="2266744" y="1845578"/>
+            <a:ext cx="8144371" cy="4652744"/>
+          </a:xfrm>
+        </p:spPr>
+      </p:pic>
+    </p:spTree>
+    <p:extLst>
+      <p:ext uri="{BB962C8B-B14F-4D97-AF65-F5344CB8AC3E}">
+        <p14:creationId xmlns:p14="http://schemas.microsoft.com/office/powerpoint/2010/main" val="923734104"/>
+      </p:ext>
+    </p:extLst>
+  </p:cSld>
+  <p:clrMapOvr>
+    <a:masterClrMapping/>
+  </p:clrMapOvr>
+</p:sld>
+</file>
+
+<file path=ppt/slides/slide22.xml><?xml version="1.0" encoding="utf-8"?>
+<p:sld xmlns:a="http://schemas.openxmlformats.org/drawingml/2006/main" xmlns:r="http://schemas.openxmlformats.org/officeDocument/2006/relationships" xmlns:p="http://schemas.openxmlformats.org/presentationml/2006/main">
+  <p:cSld>
+    <p:spTree>
+      <p:nvGrpSpPr>
+        <p:cNvPr id="1" name=""/>
+        <p:cNvGrpSpPr/>
+        <p:nvPr/>
+      </p:nvGrpSpPr>
+      <p:grpSpPr>
+        <a:xfrm>
+          <a:off x="0" y="0"/>
+          <a:ext cx="0" cy="0"/>
+          <a:chOff x="0" y="0"/>
+          <a:chExt cx="0" cy="0"/>
+        </a:xfrm>
+      </p:grpSpPr>
+      <p:sp>
+        <p:nvSpPr>
+          <p:cNvPr id="2" name="Título 1">
+            <a:extLst>
+              <a:ext uri="{FF2B5EF4-FFF2-40B4-BE49-F238E27FC236}">
+                <a16:creationId xmlns:a16="http://schemas.microsoft.com/office/drawing/2014/main" id="{833E2A0B-93B1-E339-A114-BE186D46407E}"/>
+              </a:ext>
+            </a:extLst>
+          </p:cNvPr>
+          <p:cNvSpPr>
+            <a:spLocks noGrp="1"/>
+          </p:cNvSpPr>
+          <p:nvPr>
+            <p:ph type="title"/>
+          </p:nvPr>
+        </p:nvSpPr>
+        <p:spPr>
+          <a:xfrm>
+            <a:off x="1313754" y="548173"/>
+            <a:ext cx="9601200" cy="1485900"/>
+          </a:xfrm>
+        </p:spPr>
+        <p:txBody>
+          <a:bodyPr>
+            <a:noAutofit/>
+          </a:bodyPr>
+          <a:lstStyle/>
+          <a:p>
+            <a:r>
+              <a:rPr lang="es-ES" sz="3600" dirty="0"/>
+              <a:t>Sincronización para lanzar contenido multimedia al recibir el plato configurado</a:t>
+            </a:r>
+          </a:p>
+        </p:txBody>
+      </p:sp>
+      <p:pic>
+        <p:nvPicPr>
+          <p:cNvPr id="9" name="Marcador de contenido 8">
+            <a:extLst>
+              <a:ext uri="{FF2B5EF4-FFF2-40B4-BE49-F238E27FC236}">
+                <a16:creationId xmlns:a16="http://schemas.microsoft.com/office/drawing/2014/main" id="{FF205A2E-3CCC-32B4-DBF6-F216C8F06651}"/>
+              </a:ext>
+            </a:extLst>
+          </p:cNvPr>
+          <p:cNvPicPr>
+            <a:picLocks noGrp="1" noChangeAspect="1"/>
+          </p:cNvPicPr>
+          <p:nvPr>
+            <p:ph idx="1"/>
+          </p:nvPr>
+        </p:nvPicPr>
+        <p:blipFill rotWithShape="1">
+          <a:blip r:embed="rId2"/>
+          <a:srcRect b="23841"/>
+          <a:stretch/>
+        </p:blipFill>
+        <p:spPr>
+          <a:xfrm>
+            <a:off x="1538480" y="2034073"/>
+            <a:ext cx="9387082" cy="4275753"/>
+          </a:xfrm>
+        </p:spPr>
+      </p:pic>
+    </p:spTree>
+    <p:extLst>
+      <p:ext uri="{BB962C8B-B14F-4D97-AF65-F5344CB8AC3E}">
+        <p14:creationId xmlns:p14="http://schemas.microsoft.com/office/powerpoint/2010/main" val="3881665858"/>
+      </p:ext>
+    </p:extLst>
+  </p:cSld>
+  <p:clrMapOvr>
+    <a:masterClrMapping/>
+  </p:clrMapOvr>
+</p:sld>
+</file>
+
+<file path=ppt/slides/slide23.xml><?xml version="1.0" encoding="utf-8"?>
+<p:sld xmlns:a="http://schemas.openxmlformats.org/drawingml/2006/main" xmlns:r="http://schemas.openxmlformats.org/officeDocument/2006/relationships" xmlns:p="http://schemas.openxmlformats.org/presentationml/2006/main">
+  <p:cSld>
+    <p:spTree>
+      <p:nvGrpSpPr>
+        <p:cNvPr id="1" name=""/>
+        <p:cNvGrpSpPr/>
+        <p:nvPr/>
+      </p:nvGrpSpPr>
+      <p:grpSpPr>
+        <a:xfrm>
+          <a:off x="0" y="0"/>
+          <a:ext cx="0" cy="0"/>
+          <a:chOff x="0" y="0"/>
+          <a:chExt cx="0" cy="0"/>
+        </a:xfrm>
+      </p:grpSpPr>
+      <p:sp>
+        <p:nvSpPr>
+          <p:cNvPr id="2" name="Título 1">
+            <a:extLst>
+              <a:ext uri="{FF2B5EF4-FFF2-40B4-BE49-F238E27FC236}">
+                <a16:creationId xmlns:a16="http://schemas.microsoft.com/office/drawing/2014/main" id="{7ED7A574-B3F5-7831-23D8-112C01453AD1}"/>
+              </a:ext>
+            </a:extLst>
+          </p:cNvPr>
+          <p:cNvSpPr>
+            <a:spLocks noGrp="1"/>
+          </p:cNvSpPr>
+          <p:nvPr>
+            <p:ph type="title"/>
+          </p:nvPr>
+        </p:nvSpPr>
+        <p:spPr>
+          <a:xfrm>
+            <a:off x="1195430" y="482859"/>
+            <a:ext cx="10423321" cy="1485900"/>
+          </a:xfrm>
+        </p:spPr>
+        <p:txBody>
+          <a:bodyPr>
+            <a:noAutofit/>
+          </a:bodyPr>
+          <a:lstStyle/>
+          <a:p>
+            <a:r>
+              <a:rPr lang="es-ES" sz="3600" dirty="0"/>
+              <a:t>Sincronización para mostrar notificación cuando se solicita un gestor de experiencia</a:t>
+            </a:r>
+          </a:p>
+        </p:txBody>
+      </p:sp>
+      <p:pic>
+        <p:nvPicPr>
+          <p:cNvPr id="9" name="Marcador de contenido 8">
+            <a:extLst>
+              <a:ext uri="{FF2B5EF4-FFF2-40B4-BE49-F238E27FC236}">
+                <a16:creationId xmlns:a16="http://schemas.microsoft.com/office/drawing/2014/main" id="{F4A60BBC-6600-CFBE-B45B-5758EDDAFD13}"/>
+              </a:ext>
+            </a:extLst>
+          </p:cNvPr>
+          <p:cNvPicPr>
+            <a:picLocks noGrp="1" noChangeAspect="1"/>
+          </p:cNvPicPr>
+          <p:nvPr>
+            <p:ph idx="1"/>
+          </p:nvPr>
+        </p:nvPicPr>
+        <p:blipFill>
+          <a:blip r:embed="rId2"/>
+          <a:stretch>
+            <a:fillRect/>
+          </a:stretch>
+        </p:blipFill>
+        <p:spPr>
+          <a:xfrm>
+            <a:off x="2290194" y="1869403"/>
+            <a:ext cx="7924310" cy="4505737"/>
+          </a:xfrm>
+        </p:spPr>
+      </p:pic>
+    </p:spTree>
+    <p:extLst>
+      <p:ext uri="{BB962C8B-B14F-4D97-AF65-F5344CB8AC3E}">
+        <p14:creationId xmlns:p14="http://schemas.microsoft.com/office/powerpoint/2010/main" val="163976831"/>
+      </p:ext>
+    </p:extLst>
+  </p:cSld>
+  <p:clrMapOvr>
+    <a:masterClrMapping/>
+  </p:clrMapOvr>
+</p:sld>
+</file>
+
+<file path=ppt/slides/slide24.xml><?xml version="1.0" encoding="utf-8"?>
+<p:sld xmlns:a="http://schemas.openxmlformats.org/drawingml/2006/main" xmlns:r="http://schemas.openxmlformats.org/officeDocument/2006/relationships" xmlns:p="http://schemas.openxmlformats.org/presentationml/2006/main">
+  <p:cSld>
+    <p:spTree>
+      <p:nvGrpSpPr>
+        <p:cNvPr id="1" name=""/>
+        <p:cNvGrpSpPr/>
+        <p:nvPr/>
+      </p:nvGrpSpPr>
+      <p:grpSpPr>
+        <a:xfrm>
+          <a:off x="0" y="0"/>
+          <a:ext cx="0" cy="0"/>
+          <a:chOff x="0" y="0"/>
+          <a:chExt cx="0" cy="0"/>
+        </a:xfrm>
+      </p:grpSpPr>
+      <p:sp>
+        <p:nvSpPr>
+          <p:cNvPr id="2" name="Título 1">
+            <a:extLst>
+              <a:ext uri="{FF2B5EF4-FFF2-40B4-BE49-F238E27FC236}">
+                <a16:creationId xmlns:a16="http://schemas.microsoft.com/office/drawing/2014/main" id="{78BDC485-3D58-188A-5B5E-DC582DEBF3A2}"/>
+              </a:ext>
+            </a:extLst>
+          </p:cNvPr>
+          <p:cNvSpPr>
+            <a:spLocks noGrp="1"/>
+          </p:cNvSpPr>
+          <p:nvPr>
+            <p:ph type="title"/>
+          </p:nvPr>
+        </p:nvSpPr>
+        <p:spPr/>
+        <p:txBody>
+          <a:bodyPr/>
+          <a:lstStyle/>
+          <a:p>
+            <a:r>
+              <a:rPr lang="es-ES" dirty="0"/>
+              <a:t>Impacto social</a:t>
+            </a:r>
+          </a:p>
+        </p:txBody>
+      </p:sp>
+    </p:spTree>
+    <p:extLst>
+      <p:ext uri="{BB962C8B-B14F-4D97-AF65-F5344CB8AC3E}">
+        <p14:creationId xmlns:p14="http://schemas.microsoft.com/office/powerpoint/2010/main" val="3510899686"/>
+      </p:ext>
+    </p:extLst>
+  </p:cSld>
+  <p:clrMapOvr>
+    <a:masterClrMapping/>
+  </p:clrMapOvr>
+</p:sld>
+</file>
+
+<file path=ppt/slides/slide25.xml><?xml version="1.0" encoding="utf-8"?>
+<p:sld xmlns:a="http://schemas.openxmlformats.org/drawingml/2006/main" xmlns:r="http://schemas.openxmlformats.org/officeDocument/2006/relationships" xmlns:p="http://schemas.openxmlformats.org/presentationml/2006/main">
+  <p:cSld>
+    <p:spTree>
+      <p:nvGrpSpPr>
+        <p:cNvPr id="1" name=""/>
+        <p:cNvGrpSpPr/>
+        <p:nvPr/>
+      </p:nvGrpSpPr>
+      <p:grpSpPr>
+        <a:xfrm>
+          <a:off x="0" y="0"/>
+          <a:ext cx="0" cy="0"/>
+          <a:chOff x="0" y="0"/>
+          <a:chExt cx="0" cy="0"/>
+        </a:xfrm>
+      </p:grpSpPr>
+      <p:sp>
+        <p:nvSpPr>
+          <p:cNvPr id="2" name="Título 1">
+            <a:extLst>
+              <a:ext uri="{FF2B5EF4-FFF2-40B4-BE49-F238E27FC236}">
+                <a16:creationId xmlns:a16="http://schemas.microsoft.com/office/drawing/2014/main" id="{B273A5AD-3304-21EE-FD44-36154EBE4352}"/>
+              </a:ext>
+            </a:extLst>
+          </p:cNvPr>
+          <p:cNvSpPr>
+            <a:spLocks noGrp="1"/>
+          </p:cNvSpPr>
+          <p:nvPr>
+            <p:ph type="title"/>
+          </p:nvPr>
+        </p:nvSpPr>
+        <p:spPr/>
+        <p:txBody>
+          <a:bodyPr>
+            <a:normAutofit/>
+          </a:bodyPr>
+          <a:lstStyle/>
+          <a:p>
+            <a:r>
+              <a:rPr lang="es-ES" sz="5400" dirty="0"/>
+              <a:t>Test de satisfacción</a:t>
+            </a:r>
+          </a:p>
+        </p:txBody>
+      </p:sp>
+      <p:sp>
+        <p:nvSpPr>
+          <p:cNvPr id="3" name="Marcador de contenido 2">
+            <a:extLst>
+              <a:ext uri="{FF2B5EF4-FFF2-40B4-BE49-F238E27FC236}">
+                <a16:creationId xmlns:a16="http://schemas.microsoft.com/office/drawing/2014/main" id="{12CB8402-2D4C-60CC-2ABA-D0B223522018}"/>
+              </a:ext>
+            </a:extLst>
+          </p:cNvPr>
+          <p:cNvSpPr>
+            <a:spLocks noGrp="1"/>
+          </p:cNvSpPr>
+          <p:nvPr>
+            <p:ph idx="1"/>
+          </p:nvPr>
+        </p:nvSpPr>
+        <p:spPr>
+          <a:xfrm>
+            <a:off x="1371600" y="2171700"/>
+            <a:ext cx="9601200" cy="3581400"/>
+          </a:xfrm>
+        </p:spPr>
+        <p:txBody>
+          <a:bodyPr>
+            <a:normAutofit/>
+          </a:bodyPr>
+          <a:lstStyle/>
+          <a:p>
+            <a:r>
+              <a:rPr lang="es-ES" sz="3200" dirty="0"/>
+              <a:t>Personal por cada cliente</a:t>
+            </a:r>
+          </a:p>
+          <a:p>
+            <a:r>
+              <a:rPr lang="es-ES" sz="3200" dirty="0"/>
+              <a:t>Generación de datos para hacer estudio estadístico</a:t>
+            </a:r>
+          </a:p>
+        </p:txBody>
+      </p:sp>
+    </p:spTree>
+    <p:extLst>
+      <p:ext uri="{BB962C8B-B14F-4D97-AF65-F5344CB8AC3E}">
+        <p14:creationId xmlns:p14="http://schemas.microsoft.com/office/powerpoint/2010/main" val="2688458684"/>
+      </p:ext>
+    </p:extLst>
+  </p:cSld>
+  <p:clrMapOvr>
+    <a:masterClrMapping/>
+  </p:clrMapOvr>
+</p:sld>
+</file>
+
+<file path=ppt/slides/slide26.xml><?xml version="1.0" encoding="utf-8"?>
+<p:sld xmlns:a="http://schemas.openxmlformats.org/drawingml/2006/main" xmlns:r="http://schemas.openxmlformats.org/officeDocument/2006/relationships" xmlns:p="http://schemas.openxmlformats.org/presentationml/2006/main">
+  <p:cSld>
+    <p:spTree>
+      <p:nvGrpSpPr>
+        <p:cNvPr id="1" name=""/>
+        <p:cNvGrpSpPr/>
+        <p:nvPr/>
+      </p:nvGrpSpPr>
+      <p:grpSpPr>
+        <a:xfrm>
+          <a:off x="0" y="0"/>
+          <a:ext cx="0" cy="0"/>
+          <a:chOff x="0" y="0"/>
+          <a:chExt cx="0" cy="0"/>
+        </a:xfrm>
+      </p:grpSpPr>
+      <p:sp>
+        <p:nvSpPr>
+          <p:cNvPr id="2" name="Título 1">
+            <a:extLst>
+              <a:ext uri="{FF2B5EF4-FFF2-40B4-BE49-F238E27FC236}">
+                <a16:creationId xmlns:a16="http://schemas.microsoft.com/office/drawing/2014/main" id="{B54FC2A3-365F-A36D-D841-7D40F51CD925}"/>
+              </a:ext>
+            </a:extLst>
+          </p:cNvPr>
+          <p:cNvSpPr>
+            <a:spLocks noGrp="1"/>
+          </p:cNvSpPr>
+          <p:nvPr>
+            <p:ph type="title"/>
+          </p:nvPr>
+        </p:nvSpPr>
+        <p:spPr/>
+        <p:txBody>
+          <a:bodyPr/>
+          <a:lstStyle/>
+          <a:p>
+            <a:r>
+              <a:rPr lang="es-ES" dirty="0"/>
+              <a:t>Demo de </a:t>
+            </a:r>
+            <a:br>
+              <a:rPr lang="es-ES" dirty="0"/>
+            </a:br>
+            <a:r>
+              <a:rPr lang="es-ES" dirty="0"/>
+              <a:t>la aplicación</a:t>
+            </a:r>
+          </a:p>
+        </p:txBody>
+      </p:sp>
+    </p:spTree>
+    <p:extLst>
+      <p:ext uri="{BB962C8B-B14F-4D97-AF65-F5344CB8AC3E}">
+        <p14:creationId xmlns:p14="http://schemas.microsoft.com/office/powerpoint/2010/main" val="307691439"/>
+      </p:ext>
+    </p:extLst>
+  </p:cSld>
+  <p:clrMapOvr>
+    <a:masterClrMapping/>
+  </p:clrMapOvr>
+</p:sld>
+</file>
+
+<file path=ppt/slides/slide27.xml><?xml version="1.0" encoding="utf-8"?>
 <p:sld xmlns:a="http://schemas.openxmlformats.org/drawingml/2006/main" xmlns:r="http://schemas.openxmlformats.org/officeDocument/2006/relationships" xmlns:p="http://schemas.openxmlformats.org/presentationml/2006/main">
   <p:cSld>
     <p:bg>
@@ -5407,11 +7615,13 @@
         </p:nvSpPr>
         <p:spPr/>
         <p:txBody>
-          <a:bodyPr/>
+          <a:bodyPr>
+            <a:normAutofit/>
+          </a:bodyPr>
           <a:lstStyle/>
           <a:p>
             <a:r>
-              <a:rPr lang="es-ES" dirty="0"/>
+              <a:rPr lang="es-ES" sz="5400" dirty="0"/>
               <a:t>¿Qué es Alafia?</a:t>
             </a:r>
           </a:p>
@@ -5440,7 +7650,31 @@
           </a:bodyPr>
           <a:lstStyle/>
           <a:p>
-            <a:endParaRPr lang="es-ES" sz="2400" dirty="0"/>
+            <a:r>
+              <a:rPr lang="es-ES" sz="3200" dirty="0"/>
+              <a:t>Restaurante que ofrece experiencias:</a:t>
+            </a:r>
+          </a:p>
+          <a:p>
+            <a:pPr lvl="1"/>
+            <a:r>
+              <a:rPr lang="es-ES" sz="3200" dirty="0"/>
+              <a:t>Cultural</a:t>
+            </a:r>
+          </a:p>
+          <a:p>
+            <a:pPr lvl="1"/>
+            <a:r>
+              <a:rPr lang="es-ES" sz="3200" dirty="0"/>
+              <a:t>Gastronómica</a:t>
+            </a:r>
+          </a:p>
+          <a:p>
+            <a:pPr lvl="1"/>
+            <a:r>
+              <a:rPr lang="es-ES" sz="3200" dirty="0"/>
+              <a:t>Tecnológica</a:t>
+            </a:r>
           </a:p>
         </p:txBody>
       </p:sp>
@@ -5490,42 +7724,75 @@
             <p:ph type="title"/>
           </p:nvPr>
         </p:nvSpPr>
-        <p:spPr/>
-        <p:txBody>
-          <a:bodyPr/>
-          <a:lstStyle/>
-          <a:p>
-            <a:r>
-              <a:rPr lang="es-ES" dirty="0"/>
-              <a:t>Proceso de los clientes en el restaurante</a:t>
-            </a:r>
-          </a:p>
-        </p:txBody>
-      </p:sp>
-      <p:sp>
-        <p:nvSpPr>
-          <p:cNvPr id="3" name="Marcador de contenido 2">
-            <a:extLst>
-              <a:ext uri="{FF2B5EF4-FFF2-40B4-BE49-F238E27FC236}">
-                <a16:creationId xmlns:a16="http://schemas.microsoft.com/office/drawing/2014/main" id="{4A81DC0B-2284-F963-8FBF-EF9DBB7AD56B}"/>
-              </a:ext>
-            </a:extLst>
-          </p:cNvPr>
-          <p:cNvSpPr>
-            <a:spLocks noGrp="1"/>
-          </p:cNvSpPr>
-          <p:nvPr>
-            <p:ph idx="1"/>
-          </p:nvPr>
-        </p:nvSpPr>
-        <p:spPr/>
+        <p:spPr>
+          <a:xfrm>
+            <a:off x="1371600" y="685799"/>
+            <a:ext cx="9601200" cy="1663117"/>
+          </a:xfrm>
+        </p:spPr>
         <p:txBody>
           <a:bodyPr>
             <a:normAutofit/>
           </a:bodyPr>
           <a:lstStyle/>
           <a:p>
-            <a:endParaRPr lang="es-ES" sz="2400" dirty="0"/>
+            <a:r>
+              <a:rPr lang="es-ES" sz="5400" dirty="0"/>
+              <a:t>Proceso de los clientes en el restaurante</a:t>
+            </a:r>
+          </a:p>
+        </p:txBody>
+      </p:sp>
+      <p:sp>
+        <p:nvSpPr>
+          <p:cNvPr id="4" name="Marcador de contenido 3">
+            <a:extLst>
+              <a:ext uri="{FF2B5EF4-FFF2-40B4-BE49-F238E27FC236}">
+                <a16:creationId xmlns:a16="http://schemas.microsoft.com/office/drawing/2014/main" id="{DED270C5-4B65-A62B-2D92-50DF9D9BA7B5}"/>
+              </a:ext>
+            </a:extLst>
+          </p:cNvPr>
+          <p:cNvSpPr>
+            <a:spLocks noGrp="1"/>
+          </p:cNvSpPr>
+          <p:nvPr>
+            <p:ph idx="1"/>
+          </p:nvPr>
+        </p:nvSpPr>
+        <p:spPr>
+          <a:xfrm>
+            <a:off x="1371600" y="2590801"/>
+            <a:ext cx="9601200" cy="3581400"/>
+          </a:xfrm>
+        </p:spPr>
+        <p:txBody>
+          <a:bodyPr>
+            <a:normAutofit/>
+          </a:bodyPr>
+          <a:lstStyle/>
+          <a:p>
+            <a:r>
+              <a:rPr lang="es-ES" sz="3200" dirty="0"/>
+              <a:t>Bienvenida a los clientes en el restaurante</a:t>
+            </a:r>
+          </a:p>
+          <a:p>
+            <a:r>
+              <a:rPr lang="es-ES" sz="3200" dirty="0"/>
+              <a:t>Colocación de los clientes en la mesa</a:t>
+            </a:r>
+          </a:p>
+          <a:p>
+            <a:r>
+              <a:rPr lang="es-ES" sz="3200" dirty="0"/>
+              <a:t>Confirmación de los clientes en su asiento</a:t>
+            </a:r>
+          </a:p>
+          <a:p>
+            <a:r>
+              <a:rPr lang="es-ES" sz="3200" dirty="0"/>
+              <a:t>Los clientes tienen disponible el menu principal de la aplicación</a:t>
+            </a:r>
           </a:p>
         </p:txBody>
       </p:sp>
@@ -5577,11 +7844,13 @@
         </p:nvSpPr>
         <p:spPr/>
         <p:txBody>
-          <a:bodyPr/>
+          <a:bodyPr>
+            <a:normAutofit/>
+          </a:bodyPr>
           <a:lstStyle/>
           <a:p>
             <a:r>
-              <a:rPr lang="es-ES" dirty="0"/>
+              <a:rPr lang="es-ES" sz="5400" dirty="0"/>
               <a:t>Objetivos del Proyecto</a:t>
             </a:r>
           </a:p>
@@ -5603,14 +7872,60 @@
             <p:ph idx="1"/>
           </p:nvPr>
         </p:nvSpPr>
-        <p:spPr/>
+        <p:spPr>
+          <a:xfrm>
+            <a:off x="1371600" y="1992384"/>
+            <a:ext cx="9601200" cy="4072855"/>
+          </a:xfrm>
+        </p:spPr>
         <p:txBody>
           <a:bodyPr>
             <a:normAutofit/>
           </a:bodyPr>
           <a:lstStyle/>
           <a:p>
-            <a:endParaRPr lang="es-ES" sz="2400" dirty="0"/>
+            <a:r>
+              <a:rPr lang="es-ES" sz="3200" dirty="0"/>
+              <a:t>El desarrollo full-stack de una aplicación web </a:t>
+            </a:r>
+          </a:p>
+          <a:p>
+            <a:pPr lvl="1"/>
+            <a:r>
+              <a:rPr lang="es-ES" sz="3200" dirty="0"/>
+              <a:t>Definición de funcionalidades</a:t>
+            </a:r>
+          </a:p>
+          <a:p>
+            <a:pPr lvl="1"/>
+            <a:r>
+              <a:rPr lang="es-ES" sz="3200" dirty="0"/>
+              <a:t>Modelado de datos</a:t>
+            </a:r>
+          </a:p>
+          <a:p>
+            <a:pPr lvl="1"/>
+            <a:r>
+              <a:rPr lang="es-ES" sz="3200" dirty="0"/>
+              <a:t>Back End</a:t>
+            </a:r>
+          </a:p>
+          <a:p>
+            <a:pPr lvl="1"/>
+            <a:r>
+              <a:rPr lang="es-ES" sz="3200" dirty="0"/>
+              <a:t>Front End</a:t>
+            </a:r>
+          </a:p>
+          <a:p>
+            <a:pPr lvl="1"/>
+            <a:endParaRPr lang="es-ES" sz="100" dirty="0"/>
+          </a:p>
+          <a:p>
+            <a:r>
+              <a:rPr lang="es-ES" sz="3200" dirty="0"/>
+              <a:t>Medición del impacto social tras el paso por el restaurante</a:t>
+            </a:r>
           </a:p>
         </p:txBody>
       </p:sp>
@@ -5741,10 +8056,15 @@
         </p:nvSpPr>
         <p:spPr/>
         <p:txBody>
-          <a:bodyPr/>
+          <a:bodyPr>
+            <a:normAutofit/>
+          </a:bodyPr>
           <a:lstStyle/>
           <a:p>
-            <a:endParaRPr lang="es-ES"/>
+            <a:r>
+              <a:rPr lang="es-ES" sz="5400" dirty="0"/>
+              <a:t>Front End</a:t>
+            </a:r>
           </a:p>
         </p:txBody>
       </p:sp>
@@ -5771,10 +8091,115 @@
           </a:bodyPr>
           <a:lstStyle/>
           <a:p>
-            <a:endParaRPr lang="es-ES" sz="2400" dirty="0"/>
-          </a:p>
-        </p:txBody>
-      </p:sp>
+            <a:r>
+              <a:rPr lang="es-ES" sz="3200" dirty="0"/>
+              <a:t>React.js</a:t>
+            </a:r>
+          </a:p>
+          <a:p>
+            <a:r>
+              <a:rPr lang="es-ES" sz="3200" dirty="0"/>
+              <a:t>Angular</a:t>
+            </a:r>
+          </a:p>
+          <a:p>
+            <a:r>
+              <a:rPr lang="es-ES" sz="3200" dirty="0"/>
+              <a:t>Flutter</a:t>
+            </a:r>
+          </a:p>
+        </p:txBody>
+      </p:sp>
+      <p:pic>
+        <p:nvPicPr>
+          <p:cNvPr id="9" name="Imagen 8" descr="Forma&#10;&#10;Descripción generada automáticamente con confianza media">
+            <a:extLst>
+              <a:ext uri="{FF2B5EF4-FFF2-40B4-BE49-F238E27FC236}">
+                <a16:creationId xmlns:a16="http://schemas.microsoft.com/office/drawing/2014/main" id="{A148D6C6-B890-05AD-21A7-E34077FBD584}"/>
+              </a:ext>
+            </a:extLst>
+          </p:cNvPr>
+          <p:cNvPicPr>
+            <a:picLocks noChangeAspect="1"/>
+          </p:cNvPicPr>
+          <p:nvPr/>
+        </p:nvPicPr>
+        <p:blipFill>
+          <a:blip r:embed="rId2"/>
+          <a:stretch>
+            <a:fillRect/>
+          </a:stretch>
+        </p:blipFill>
+        <p:spPr>
+          <a:xfrm>
+            <a:off x="5043791" y="1542222"/>
+            <a:ext cx="4302868" cy="1487555"/>
+          </a:xfrm>
+          <a:prstGeom prst="rect">
+            <a:avLst/>
+          </a:prstGeom>
+        </p:spPr>
+      </p:pic>
+      <p:pic>
+        <p:nvPicPr>
+          <p:cNvPr id="11" name="Imagen 10" descr="Logotipo, nombre de la empresa&#10;&#10;Descripción generada automáticamente">
+            <a:extLst>
+              <a:ext uri="{FF2B5EF4-FFF2-40B4-BE49-F238E27FC236}">
+                <a16:creationId xmlns:a16="http://schemas.microsoft.com/office/drawing/2014/main" id="{2DA88250-0F27-6C7D-7C78-A216662FF47F}"/>
+              </a:ext>
+            </a:extLst>
+          </p:cNvPr>
+          <p:cNvPicPr>
+            <a:picLocks noChangeAspect="1"/>
+          </p:cNvPicPr>
+          <p:nvPr/>
+        </p:nvPicPr>
+        <p:blipFill>
+          <a:blip r:embed="rId3"/>
+          <a:stretch>
+            <a:fillRect/>
+          </a:stretch>
+        </p:blipFill>
+        <p:spPr>
+          <a:xfrm>
+            <a:off x="6554821" y="3144077"/>
+            <a:ext cx="4594698" cy="1247920"/>
+          </a:xfrm>
+          <a:prstGeom prst="rect">
+            <a:avLst/>
+          </a:prstGeom>
+        </p:spPr>
+      </p:pic>
+      <p:pic>
+        <p:nvPicPr>
+          <p:cNvPr id="13" name="Imagen 12" descr="Imagen que contiene Forma&#10;&#10;Descripción generada automáticamente">
+            <a:extLst>
+              <a:ext uri="{FF2B5EF4-FFF2-40B4-BE49-F238E27FC236}">
+                <a16:creationId xmlns:a16="http://schemas.microsoft.com/office/drawing/2014/main" id="{2EAB4FB0-FC17-A63C-C861-0484FEF4A88A}"/>
+              </a:ext>
+            </a:extLst>
+          </p:cNvPr>
+          <p:cNvPicPr>
+            <a:picLocks noChangeAspect="1"/>
+          </p:cNvPicPr>
+          <p:nvPr/>
+        </p:nvPicPr>
+        <p:blipFill>
+          <a:blip r:embed="rId4"/>
+          <a:stretch>
+            <a:fillRect/>
+          </a:stretch>
+        </p:blipFill>
+        <p:spPr>
+          <a:xfrm>
+            <a:off x="5273406" y="4291895"/>
+            <a:ext cx="3578764" cy="1789381"/>
+          </a:xfrm>
+          <a:prstGeom prst="rect">
+            <a:avLst/>
+          </a:prstGeom>
+        </p:spPr>
+      </p:pic>
     </p:spTree>
     <p:extLst>
       <p:ext uri="{BB962C8B-B14F-4D97-AF65-F5344CB8AC3E}">
@@ -5810,7 +8235,7 @@
           <p:cNvPr id="2" name="Título 1">
             <a:extLst>
               <a:ext uri="{FF2B5EF4-FFF2-40B4-BE49-F238E27FC236}">
-                <a16:creationId xmlns:a16="http://schemas.microsoft.com/office/drawing/2014/main" id="{05B68490-88F4-E6F8-BC44-34FD21841745}"/>
+                <a16:creationId xmlns:a16="http://schemas.microsoft.com/office/drawing/2014/main" id="{4E7B8A31-CD95-CD09-DDF1-ED26E537AEF6}"/>
               </a:ext>
             </a:extLst>
           </p:cNvPr>
@@ -5827,18 +8252,22 @@
           <a:lstStyle/>
           <a:p>
             <a:r>
+              <a:rPr lang="es-ES" sz="5400" dirty="0"/>
+              <a:t>Back</a:t>
+            </a:r>
+            <a:r>
               <a:rPr lang="es-ES" dirty="0"/>
-              <a:t>Base de datos</a:t>
-            </a:r>
-          </a:p>
-        </p:txBody>
-      </p:sp>
-      <p:sp>
-        <p:nvSpPr>
-          <p:cNvPr id="3" name="Marcador de texto 2">
+              <a:t> End</a:t>
+            </a:r>
+          </a:p>
+        </p:txBody>
+      </p:sp>
+      <p:sp>
+        <p:nvSpPr>
+          <p:cNvPr id="3" name="Marcador de contenido 2">
             <a:extLst>
               <a:ext uri="{FF2B5EF4-FFF2-40B4-BE49-F238E27FC236}">
-                <a16:creationId xmlns:a16="http://schemas.microsoft.com/office/drawing/2014/main" id="{7306A3FB-78F5-1EF3-058D-AE7C7CF41A66}"/>
+                <a16:creationId xmlns:a16="http://schemas.microsoft.com/office/drawing/2014/main" id="{83B962A2-FE24-6DAD-B27A-19D44A5DFF35}"/>
               </a:ext>
             </a:extLst>
           </p:cNvPr>
@@ -5846,25 +8275,141 @@
             <a:spLocks noGrp="1"/>
           </p:cNvSpPr>
           <p:nvPr>
-            <p:ph type="body" idx="1"/>
+            <p:ph idx="1"/>
           </p:nvPr>
         </p:nvSpPr>
         <p:spPr/>
         <p:txBody>
-          <a:bodyPr/>
+          <a:bodyPr>
+            <a:normAutofit/>
+          </a:bodyPr>
           <a:lstStyle/>
           <a:p>
             <a:r>
-              <a:rPr lang="es-ES" dirty="0"/>
-              <a:t>MongoDB</a:t>
-            </a:r>
-          </a:p>
-        </p:txBody>
-      </p:sp>
+              <a:rPr lang="es-ES" sz="3200" dirty="0"/>
+              <a:t>Node.js</a:t>
+            </a:r>
+          </a:p>
+          <a:p>
+            <a:r>
+              <a:rPr lang="es-ES" sz="3200" dirty="0"/>
+              <a:t>Spring Boot</a:t>
+            </a:r>
+          </a:p>
+          <a:p>
+            <a:r>
+              <a:rPr lang="es-ES" sz="3200" dirty="0"/>
+              <a:t>Ruby on Rails</a:t>
+            </a:r>
+          </a:p>
+        </p:txBody>
+      </p:sp>
+      <p:pic>
+        <p:nvPicPr>
+          <p:cNvPr id="5" name="Gráfico 4">
+            <a:extLst>
+              <a:ext uri="{FF2B5EF4-FFF2-40B4-BE49-F238E27FC236}">
+                <a16:creationId xmlns:a16="http://schemas.microsoft.com/office/drawing/2014/main" id="{68AD7C61-C35F-1789-8AA9-0D6DAA1E4A6E}"/>
+              </a:ext>
+            </a:extLst>
+          </p:cNvPr>
+          <p:cNvPicPr>
+            <a:picLocks noChangeAspect="1"/>
+          </p:cNvPicPr>
+          <p:nvPr/>
+        </p:nvPicPr>
+        <p:blipFill>
+          <a:blip r:embed="rId2">
+            <a:extLst>
+              <a:ext uri="{96DAC541-7B7A-43D3-8B79-37D633B846F1}">
+                <asvg:svgBlip xmlns:asvg="http://schemas.microsoft.com/office/drawing/2016/SVG/main" r:embed="rId3"/>
+              </a:ext>
+            </a:extLst>
+          </a:blip>
+          <a:stretch>
+            <a:fillRect/>
+          </a:stretch>
+        </p:blipFill>
+        <p:spPr>
+          <a:xfrm>
+            <a:off x="5645993" y="1428750"/>
+            <a:ext cx="2884454" cy="1764895"/>
+          </a:xfrm>
+          <a:prstGeom prst="rect">
+            <a:avLst/>
+          </a:prstGeom>
+        </p:spPr>
+      </p:pic>
+      <p:pic>
+        <p:nvPicPr>
+          <p:cNvPr id="7" name="Imagen 6" descr="Imagen que contiene Logotipo&#10;&#10;Descripción generada automáticamente">
+            <a:extLst>
+              <a:ext uri="{FF2B5EF4-FFF2-40B4-BE49-F238E27FC236}">
+                <a16:creationId xmlns:a16="http://schemas.microsoft.com/office/drawing/2014/main" id="{AE674BE2-B1B0-2586-CE75-211068795EBB}"/>
+              </a:ext>
+            </a:extLst>
+          </p:cNvPr>
+          <p:cNvPicPr>
+            <a:picLocks noChangeAspect="1"/>
+          </p:cNvPicPr>
+          <p:nvPr/>
+        </p:nvPicPr>
+        <p:blipFill>
+          <a:blip r:embed="rId4"/>
+          <a:stretch>
+            <a:fillRect/>
+          </a:stretch>
+        </p:blipFill>
+        <p:spPr>
+          <a:xfrm>
+            <a:off x="8147726" y="2777583"/>
+            <a:ext cx="2980717" cy="1564876"/>
+          </a:xfrm>
+          <a:prstGeom prst="rect">
+            <a:avLst/>
+          </a:prstGeom>
+        </p:spPr>
+      </p:pic>
+      <p:pic>
+        <p:nvPicPr>
+          <p:cNvPr id="9" name="Gráfico 8">
+            <a:extLst>
+              <a:ext uri="{FF2B5EF4-FFF2-40B4-BE49-F238E27FC236}">
+                <a16:creationId xmlns:a16="http://schemas.microsoft.com/office/drawing/2014/main" id="{5ECDD6D1-0E16-AA83-1250-D9689010969A}"/>
+              </a:ext>
+            </a:extLst>
+          </p:cNvPr>
+          <p:cNvPicPr>
+            <a:picLocks noChangeAspect="1"/>
+          </p:cNvPicPr>
+          <p:nvPr/>
+        </p:nvPicPr>
+        <p:blipFill>
+          <a:blip r:embed="rId5">
+            <a:extLst>
+              <a:ext uri="{96DAC541-7B7A-43D3-8B79-37D633B846F1}">
+                <asvg:svgBlip xmlns:asvg="http://schemas.microsoft.com/office/drawing/2016/SVG/main" r:embed="rId6"/>
+              </a:ext>
+            </a:extLst>
+          </a:blip>
+          <a:stretch>
+            <a:fillRect/>
+          </a:stretch>
+        </p:blipFill>
+        <p:spPr>
+          <a:xfrm>
+            <a:off x="5364297" y="3975523"/>
+            <a:ext cx="3914775" cy="1476375"/>
+          </a:xfrm>
+          <a:prstGeom prst="rect">
+            <a:avLst/>
+          </a:prstGeom>
+        </p:spPr>
+      </p:pic>
     </p:spTree>
     <p:extLst>
       <p:ext uri="{BB962C8B-B14F-4D97-AF65-F5344CB8AC3E}">
-        <p14:creationId xmlns:p14="http://schemas.microsoft.com/office/powerpoint/2010/main" val="1000241722"/>
+        <p14:creationId xmlns:p14="http://schemas.microsoft.com/office/powerpoint/2010/main" val="4032632942"/>
       </p:ext>
     </p:extLst>
   </p:cSld>
@@ -5896,7 +8441,7 @@
           <p:cNvPr id="2" name="Título 1">
             <a:extLst>
               <a:ext uri="{FF2B5EF4-FFF2-40B4-BE49-F238E27FC236}">
-                <a16:creationId xmlns:a16="http://schemas.microsoft.com/office/drawing/2014/main" id="{C298204A-3778-EB4E-7476-A47A5FCE909F}"/>
+                <a16:creationId xmlns:a16="http://schemas.microsoft.com/office/drawing/2014/main" id="{278E46D1-E077-7B40-B9BA-3B05EC706BC8}"/>
               </a:ext>
             </a:extLst>
           </p:cNvPr>
@@ -5912,7 +8457,14 @@
           <a:bodyPr/>
           <a:lstStyle/>
           <a:p>
-            <a:endParaRPr lang="es-ES"/>
+            <a:r>
+              <a:rPr lang="es-ES" sz="5400" dirty="0"/>
+              <a:t>Bases</a:t>
+            </a:r>
+            <a:r>
+              <a:rPr lang="es-ES" dirty="0"/>
+              <a:t> de Datos</a:t>
+            </a:r>
           </a:p>
         </p:txBody>
       </p:sp>
@@ -5921,7 +8473,7 @@
           <p:cNvPr id="3" name="Marcador de contenido 2">
             <a:extLst>
               <a:ext uri="{FF2B5EF4-FFF2-40B4-BE49-F238E27FC236}">
-                <a16:creationId xmlns:a16="http://schemas.microsoft.com/office/drawing/2014/main" id="{1982D099-8CE8-0BF3-43D3-095BA41AD817}"/>
+                <a16:creationId xmlns:a16="http://schemas.microsoft.com/office/drawing/2014/main" id="{D228EFCC-EF2A-A384-8C15-EBD318DBD6D8}"/>
               </a:ext>
             </a:extLst>
           </p:cNvPr>
@@ -5939,14 +8491,83 @@
           </a:bodyPr>
           <a:lstStyle/>
           <a:p>
-            <a:endParaRPr lang="es-ES" sz="2400" dirty="0"/>
-          </a:p>
-        </p:txBody>
-      </p:sp>
+            <a:r>
+              <a:rPr lang="es-ES" sz="3200" dirty="0"/>
+              <a:t>MySQL</a:t>
+            </a:r>
+          </a:p>
+          <a:p>
+            <a:r>
+              <a:rPr lang="es-ES" sz="3200" dirty="0"/>
+              <a:t>MongoDB</a:t>
+            </a:r>
+          </a:p>
+        </p:txBody>
+      </p:sp>
+      <p:pic>
+        <p:nvPicPr>
+          <p:cNvPr id="5" name="Imagen 4" descr="Logotipo&#10;&#10;Descripción generada automáticamente">
+            <a:extLst>
+              <a:ext uri="{FF2B5EF4-FFF2-40B4-BE49-F238E27FC236}">
+                <a16:creationId xmlns:a16="http://schemas.microsoft.com/office/drawing/2014/main" id="{3E3CD57A-DF7D-1715-2014-268C63F84FDB}"/>
+              </a:ext>
+            </a:extLst>
+          </p:cNvPr>
+          <p:cNvPicPr>
+            <a:picLocks noChangeAspect="1"/>
+          </p:cNvPicPr>
+          <p:nvPr/>
+        </p:nvPicPr>
+        <p:blipFill>
+          <a:blip r:embed="rId2"/>
+          <a:stretch>
+            <a:fillRect/>
+          </a:stretch>
+        </p:blipFill>
+        <p:spPr>
+          <a:xfrm>
+            <a:off x="6882113" y="3333548"/>
+            <a:ext cx="4087649" cy="2121846"/>
+          </a:xfrm>
+          <a:prstGeom prst="rect">
+            <a:avLst/>
+          </a:prstGeom>
+        </p:spPr>
+      </p:pic>
+      <p:pic>
+        <p:nvPicPr>
+          <p:cNvPr id="7" name="Imagen 6" descr="Logotipo, nombre de la empresa&#10;&#10;Descripción generada automáticamente">
+            <a:extLst>
+              <a:ext uri="{FF2B5EF4-FFF2-40B4-BE49-F238E27FC236}">
+                <a16:creationId xmlns:a16="http://schemas.microsoft.com/office/drawing/2014/main" id="{95D3692A-57CC-3146-FE0C-2B13E08567FF}"/>
+              </a:ext>
+            </a:extLst>
+          </p:cNvPr>
+          <p:cNvPicPr>
+            <a:picLocks noChangeAspect="1"/>
+          </p:cNvPicPr>
+          <p:nvPr/>
+        </p:nvPicPr>
+        <p:blipFill>
+          <a:blip r:embed="rId3"/>
+          <a:stretch>
+            <a:fillRect/>
+          </a:stretch>
+        </p:blipFill>
+        <p:spPr>
+          <a:xfrm>
+            <a:off x="6225702" y="1579935"/>
+            <a:ext cx="2700236" cy="2700236"/>
+          </a:xfrm>
+          <a:prstGeom prst="rect">
+            <a:avLst/>
+          </a:prstGeom>
+        </p:spPr>
+      </p:pic>
     </p:spTree>
     <p:extLst>
       <p:ext uri="{BB962C8B-B14F-4D97-AF65-F5344CB8AC3E}">
-        <p14:creationId xmlns:p14="http://schemas.microsoft.com/office/powerpoint/2010/main" val="222170635"/>
+        <p14:creationId xmlns:p14="http://schemas.microsoft.com/office/powerpoint/2010/main" val="3703279931"/>
       </p:ext>
     </p:extLst>
   </p:cSld>

--- a/AlafiaPresentacion.pptx
+++ b/AlafiaPresentacion.pptx
@@ -4,12 +4,15 @@
   <p:sldMasterIdLst>
     <p:sldMasterId id="2147483648" r:id="rId1"/>
   </p:sldMasterIdLst>
+  <p:notesMasterIdLst>
+    <p:notesMasterId r:id="rId28"/>
+  </p:notesMasterIdLst>
   <p:sldIdLst>
     <p:sldId id="256" r:id="rId2"/>
     <p:sldId id="267" r:id="rId3"/>
     <p:sldId id="258" r:id="rId4"/>
-    <p:sldId id="260" r:id="rId5"/>
-    <p:sldId id="259" r:id="rId6"/>
+    <p:sldId id="259" r:id="rId5"/>
+    <p:sldId id="269" r:id="rId6"/>
     <p:sldId id="268" r:id="rId7"/>
     <p:sldId id="271" r:id="rId8"/>
     <p:sldId id="278" r:id="rId9"/>
@@ -30,8 +33,7 @@
     <p:sldId id="283" r:id="rId24"/>
     <p:sldId id="266" r:id="rId25"/>
     <p:sldId id="276" r:id="rId26"/>
-    <p:sldId id="269" r:id="rId27"/>
-    <p:sldId id="270" r:id="rId28"/>
+    <p:sldId id="270" r:id="rId27"/>
   </p:sldIdLst>
   <p:sldSz cx="12192000" cy="6858000"/>
   <p:notesSz cx="6858000" cy="9144000"/>
@@ -138,6 +140,355 @@
 </p:presentation>
 </file>
 
+<file path=ppt/notesMasters/notesMaster1.xml><?xml version="1.0" encoding="utf-8"?>
+<p:notesMaster xmlns:a="http://schemas.openxmlformats.org/drawingml/2006/main" xmlns:r="http://schemas.openxmlformats.org/officeDocument/2006/relationships" xmlns:p="http://schemas.openxmlformats.org/presentationml/2006/main">
+  <p:cSld>
+    <p:bg>
+      <p:bgRef idx="1001">
+        <a:schemeClr val="bg1"/>
+      </p:bgRef>
+    </p:bg>
+    <p:spTree>
+      <p:nvGrpSpPr>
+        <p:cNvPr id="1" name=""/>
+        <p:cNvGrpSpPr/>
+        <p:nvPr/>
+      </p:nvGrpSpPr>
+      <p:grpSpPr>
+        <a:xfrm>
+          <a:off x="0" y="0"/>
+          <a:ext cx="0" cy="0"/>
+          <a:chOff x="0" y="0"/>
+          <a:chExt cx="0" cy="0"/>
+        </a:xfrm>
+      </p:grpSpPr>
+      <p:sp>
+        <p:nvSpPr>
+          <p:cNvPr id="2" name="Marcador de encabezado 1"/>
+          <p:cNvSpPr>
+            <a:spLocks noGrp="1"/>
+          </p:cNvSpPr>
+          <p:nvPr>
+            <p:ph type="hdr" sz="quarter"/>
+          </p:nvPr>
+        </p:nvSpPr>
+        <p:spPr>
+          <a:xfrm>
+            <a:off x="0" y="0"/>
+            <a:ext cx="2971800" cy="458788"/>
+          </a:xfrm>
+          <a:prstGeom prst="rect">
+            <a:avLst/>
+          </a:prstGeom>
+        </p:spPr>
+        <p:txBody>
+          <a:bodyPr vert="horz" lIns="91440" tIns="45720" rIns="91440" bIns="45720" rtlCol="0"/>
+          <a:lstStyle>
+            <a:lvl1pPr algn="l">
+              <a:defRPr sz="1200"/>
+            </a:lvl1pPr>
+          </a:lstStyle>
+          <a:p>
+            <a:endParaRPr lang="es-ES"/>
+          </a:p>
+        </p:txBody>
+      </p:sp>
+      <p:sp>
+        <p:nvSpPr>
+          <p:cNvPr id="3" name="Marcador de fecha 2"/>
+          <p:cNvSpPr>
+            <a:spLocks noGrp="1"/>
+          </p:cNvSpPr>
+          <p:nvPr>
+            <p:ph type="dt" idx="1"/>
+          </p:nvPr>
+        </p:nvSpPr>
+        <p:spPr>
+          <a:xfrm>
+            <a:off x="3884613" y="0"/>
+            <a:ext cx="2971800" cy="458788"/>
+          </a:xfrm>
+          <a:prstGeom prst="rect">
+            <a:avLst/>
+          </a:prstGeom>
+        </p:spPr>
+        <p:txBody>
+          <a:bodyPr vert="horz" lIns="91440" tIns="45720" rIns="91440" bIns="45720" rtlCol="0"/>
+          <a:lstStyle>
+            <a:lvl1pPr algn="r">
+              <a:defRPr sz="1200"/>
+            </a:lvl1pPr>
+          </a:lstStyle>
+          <a:p>
+            <a:fld id="{2A096018-B380-4193-9B39-2C4D0B76C68A}" type="datetimeFigureOut">
+              <a:rPr lang="es-ES" smtClean="0"/>
+              <a:t>16/06/2022</a:t>
+            </a:fld>
+            <a:endParaRPr lang="es-ES"/>
+          </a:p>
+        </p:txBody>
+      </p:sp>
+      <p:sp>
+        <p:nvSpPr>
+          <p:cNvPr id="4" name="Marcador de imagen de diapositiva 3"/>
+          <p:cNvSpPr>
+            <a:spLocks noGrp="1" noRot="1" noChangeAspect="1"/>
+          </p:cNvSpPr>
+          <p:nvPr>
+            <p:ph type="sldImg" idx="2"/>
+          </p:nvPr>
+        </p:nvSpPr>
+        <p:spPr>
+          <a:xfrm>
+            <a:off x="685800" y="1143000"/>
+            <a:ext cx="5486400" cy="3086100"/>
+          </a:xfrm>
+          <a:prstGeom prst="rect">
+            <a:avLst/>
+          </a:prstGeom>
+          <a:noFill/>
+          <a:ln w="12700">
+            <a:solidFill>
+              <a:prstClr val="black"/>
+            </a:solidFill>
+          </a:ln>
+        </p:spPr>
+        <p:txBody>
+          <a:bodyPr vert="horz" lIns="91440" tIns="45720" rIns="91440" bIns="45720" rtlCol="0" anchor="ctr"/>
+          <a:lstStyle/>
+          <a:p>
+            <a:endParaRPr lang="es-ES"/>
+          </a:p>
+        </p:txBody>
+      </p:sp>
+      <p:sp>
+        <p:nvSpPr>
+          <p:cNvPr id="5" name="Marcador de notas 4"/>
+          <p:cNvSpPr>
+            <a:spLocks noGrp="1"/>
+          </p:cNvSpPr>
+          <p:nvPr>
+            <p:ph type="body" sz="quarter" idx="3"/>
+          </p:nvPr>
+        </p:nvSpPr>
+        <p:spPr>
+          <a:xfrm>
+            <a:off x="685800" y="4400550"/>
+            <a:ext cx="5486400" cy="3600450"/>
+          </a:xfrm>
+          <a:prstGeom prst="rect">
+            <a:avLst/>
+          </a:prstGeom>
+        </p:spPr>
+        <p:txBody>
+          <a:bodyPr vert="horz" lIns="91440" tIns="45720" rIns="91440" bIns="45720" rtlCol="0"/>
+          <a:lstStyle/>
+          <a:p>
+            <a:pPr lvl="0"/>
+            <a:r>
+              <a:rPr lang="es-ES"/>
+              <a:t>Haga clic para modificar los estilos de texto del patrón</a:t>
+            </a:r>
+          </a:p>
+          <a:p>
+            <a:pPr lvl="1"/>
+            <a:r>
+              <a:rPr lang="es-ES"/>
+              <a:t>Segundo nivel</a:t>
+            </a:r>
+          </a:p>
+          <a:p>
+            <a:pPr lvl="2"/>
+            <a:r>
+              <a:rPr lang="es-ES"/>
+              <a:t>Tercer nivel</a:t>
+            </a:r>
+          </a:p>
+          <a:p>
+            <a:pPr lvl="3"/>
+            <a:r>
+              <a:rPr lang="es-ES"/>
+              <a:t>Cuarto nivel</a:t>
+            </a:r>
+          </a:p>
+          <a:p>
+            <a:pPr lvl="4"/>
+            <a:r>
+              <a:rPr lang="es-ES"/>
+              <a:t>Quinto nivel</a:t>
+            </a:r>
+          </a:p>
+        </p:txBody>
+      </p:sp>
+      <p:sp>
+        <p:nvSpPr>
+          <p:cNvPr id="6" name="Marcador de pie de página 5"/>
+          <p:cNvSpPr>
+            <a:spLocks noGrp="1"/>
+          </p:cNvSpPr>
+          <p:nvPr>
+            <p:ph type="ftr" sz="quarter" idx="4"/>
+          </p:nvPr>
+        </p:nvSpPr>
+        <p:spPr>
+          <a:xfrm>
+            <a:off x="0" y="8685213"/>
+            <a:ext cx="2971800" cy="458787"/>
+          </a:xfrm>
+          <a:prstGeom prst="rect">
+            <a:avLst/>
+          </a:prstGeom>
+        </p:spPr>
+        <p:txBody>
+          <a:bodyPr vert="horz" lIns="91440" tIns="45720" rIns="91440" bIns="45720" rtlCol="0" anchor="b"/>
+          <a:lstStyle>
+            <a:lvl1pPr algn="l">
+              <a:defRPr sz="1200"/>
+            </a:lvl1pPr>
+          </a:lstStyle>
+          <a:p>
+            <a:endParaRPr lang="es-ES"/>
+          </a:p>
+        </p:txBody>
+      </p:sp>
+      <p:sp>
+        <p:nvSpPr>
+          <p:cNvPr id="7" name="Marcador de número de diapositiva 6"/>
+          <p:cNvSpPr>
+            <a:spLocks noGrp="1"/>
+          </p:cNvSpPr>
+          <p:nvPr>
+            <p:ph type="sldNum" sz="quarter" idx="5"/>
+          </p:nvPr>
+        </p:nvSpPr>
+        <p:spPr>
+          <a:xfrm>
+            <a:off x="3884613" y="8685213"/>
+            <a:ext cx="2971800" cy="458787"/>
+          </a:xfrm>
+          <a:prstGeom prst="rect">
+            <a:avLst/>
+          </a:prstGeom>
+        </p:spPr>
+        <p:txBody>
+          <a:bodyPr vert="horz" lIns="91440" tIns="45720" rIns="91440" bIns="45720" rtlCol="0" anchor="b"/>
+          <a:lstStyle>
+            <a:lvl1pPr algn="r">
+              <a:defRPr sz="1200"/>
+            </a:lvl1pPr>
+          </a:lstStyle>
+          <a:p>
+            <a:fld id="{202A027F-F0B0-45C2-9396-E1C598E023B7}" type="slidenum">
+              <a:rPr lang="es-ES" smtClean="0"/>
+              <a:t>‹Nº›</a:t>
+            </a:fld>
+            <a:endParaRPr lang="es-ES"/>
+          </a:p>
+        </p:txBody>
+      </p:sp>
+    </p:spTree>
+    <p:extLst>
+      <p:ext uri="{BB962C8B-B14F-4D97-AF65-F5344CB8AC3E}">
+        <p14:creationId xmlns:p14="http://schemas.microsoft.com/office/powerpoint/2010/main" val="3793482899"/>
+      </p:ext>
+    </p:extLst>
+  </p:cSld>
+  <p:clrMap bg1="lt1" tx1="dk1" bg2="lt2" tx2="dk2" accent1="accent1" accent2="accent2" accent3="accent3" accent4="accent4" accent5="accent5" accent6="accent6" hlink="hlink" folHlink="folHlink"/>
+  <p:notesStyle>
+    <a:lvl1pPr marL="0" algn="l" defTabSz="914400" rtl="0" eaLnBrk="1" latinLnBrk="0" hangingPunct="1">
+      <a:defRPr sz="1200" kern="1200">
+        <a:solidFill>
+          <a:schemeClr val="tx1"/>
+        </a:solidFill>
+        <a:latin typeface="+mn-lt"/>
+        <a:ea typeface="+mn-ea"/>
+        <a:cs typeface="+mn-cs"/>
+      </a:defRPr>
+    </a:lvl1pPr>
+    <a:lvl2pPr marL="457200" algn="l" defTabSz="914400" rtl="0" eaLnBrk="1" latinLnBrk="0" hangingPunct="1">
+      <a:defRPr sz="1200" kern="1200">
+        <a:solidFill>
+          <a:schemeClr val="tx1"/>
+        </a:solidFill>
+        <a:latin typeface="+mn-lt"/>
+        <a:ea typeface="+mn-ea"/>
+        <a:cs typeface="+mn-cs"/>
+      </a:defRPr>
+    </a:lvl2pPr>
+    <a:lvl3pPr marL="914400" algn="l" defTabSz="914400" rtl="0" eaLnBrk="1" latinLnBrk="0" hangingPunct="1">
+      <a:defRPr sz="1200" kern="1200">
+        <a:solidFill>
+          <a:schemeClr val="tx1"/>
+        </a:solidFill>
+        <a:latin typeface="+mn-lt"/>
+        <a:ea typeface="+mn-ea"/>
+        <a:cs typeface="+mn-cs"/>
+      </a:defRPr>
+    </a:lvl3pPr>
+    <a:lvl4pPr marL="1371600" algn="l" defTabSz="914400" rtl="0" eaLnBrk="1" latinLnBrk="0" hangingPunct="1">
+      <a:defRPr sz="1200" kern="1200">
+        <a:solidFill>
+          <a:schemeClr val="tx1"/>
+        </a:solidFill>
+        <a:latin typeface="+mn-lt"/>
+        <a:ea typeface="+mn-ea"/>
+        <a:cs typeface="+mn-cs"/>
+      </a:defRPr>
+    </a:lvl4pPr>
+    <a:lvl5pPr marL="1828800" algn="l" defTabSz="914400" rtl="0" eaLnBrk="1" latinLnBrk="0" hangingPunct="1">
+      <a:defRPr sz="1200" kern="1200">
+        <a:solidFill>
+          <a:schemeClr val="tx1"/>
+        </a:solidFill>
+        <a:latin typeface="+mn-lt"/>
+        <a:ea typeface="+mn-ea"/>
+        <a:cs typeface="+mn-cs"/>
+      </a:defRPr>
+    </a:lvl5pPr>
+    <a:lvl6pPr marL="2286000" algn="l" defTabSz="914400" rtl="0" eaLnBrk="1" latinLnBrk="0" hangingPunct="1">
+      <a:defRPr sz="1200" kern="1200">
+        <a:solidFill>
+          <a:schemeClr val="tx1"/>
+        </a:solidFill>
+        <a:latin typeface="+mn-lt"/>
+        <a:ea typeface="+mn-ea"/>
+        <a:cs typeface="+mn-cs"/>
+      </a:defRPr>
+    </a:lvl6pPr>
+    <a:lvl7pPr marL="2743200" algn="l" defTabSz="914400" rtl="0" eaLnBrk="1" latinLnBrk="0" hangingPunct="1">
+      <a:defRPr sz="1200" kern="1200">
+        <a:solidFill>
+          <a:schemeClr val="tx1"/>
+        </a:solidFill>
+        <a:latin typeface="+mn-lt"/>
+        <a:ea typeface="+mn-ea"/>
+        <a:cs typeface="+mn-cs"/>
+      </a:defRPr>
+    </a:lvl7pPr>
+    <a:lvl8pPr marL="3200400" algn="l" defTabSz="914400" rtl="0" eaLnBrk="1" latinLnBrk="0" hangingPunct="1">
+      <a:defRPr sz="1200" kern="1200">
+        <a:solidFill>
+          <a:schemeClr val="tx1"/>
+        </a:solidFill>
+        <a:latin typeface="+mn-lt"/>
+        <a:ea typeface="+mn-ea"/>
+        <a:cs typeface="+mn-cs"/>
+      </a:defRPr>
+    </a:lvl8pPr>
+    <a:lvl9pPr marL="3657600" algn="l" defTabSz="914400" rtl="0" eaLnBrk="1" latinLnBrk="0" hangingPunct="1">
+      <a:defRPr sz="1200" kern="1200">
+        <a:solidFill>
+          <a:schemeClr val="tx1"/>
+        </a:solidFill>
+        <a:latin typeface="+mn-lt"/>
+        <a:ea typeface="+mn-ea"/>
+        <a:cs typeface="+mn-cs"/>
+      </a:defRPr>
+    </a:lvl9pPr>
+  </p:notesStyle>
+</p:notesMaster>
+</file>
+
 <file path=ppt/slideLayouts/slideLayout1.xml><?xml version="1.0" encoding="utf-8"?>
 <p:sldLayout xmlns:a="http://schemas.openxmlformats.org/drawingml/2006/main" xmlns:r="http://schemas.openxmlformats.org/officeDocument/2006/relationships" xmlns:p="http://schemas.openxmlformats.org/presentationml/2006/main" showMasterSp="0" type="title" preserve="1">
   <p:cSld name="Diapositiva de título">
@@ -305,9 +656,8 @@
             </a:lvl1pPr>
           </a:lstStyle>
           <a:p>
-            <a:fld id="{87DE6118-2437-4B30-8E3C-4D2BE6020583}" type="datetimeFigureOut">
-              <a:rPr lang="en-US" dirty="0"/>
-              <a:pPr/>
+            <a:fld id="{CA6BFEA6-3251-4AA3-A48D-8BB39B04B5D2}" type="datetime1">
+              <a:rPr lang="en-US" smtClean="0"/>
               <a:t>6/16/2022</a:t>
             </a:fld>
             <a:endParaRPr lang="en-US" dirty="0"/>
@@ -342,6 +692,10 @@
             </a:lvl1pPr>
           </a:lstStyle>
           <a:p>
+            <a:r>
+              <a:rPr lang="en-US"/>
+              <a:t>Alafia - Daniel García Alonso</a:t>
+            </a:r>
             <a:endParaRPr lang="en-US" dirty="0"/>
           </a:p>
         </p:txBody>
@@ -632,8 +986,8 @@
           <a:bodyPr/>
           <a:lstStyle/>
           <a:p>
-            <a:fld id="{87DE6118-2437-4B30-8E3C-4D2BE6020583}" type="datetimeFigureOut">
-              <a:rPr lang="en-US" dirty="0"/>
+            <a:fld id="{C350B456-369C-4453-8E29-F97C42461123}" type="datetime1">
+              <a:rPr lang="en-US" smtClean="0"/>
               <a:t>6/16/2022</a:t>
             </a:fld>
             <a:endParaRPr lang="en-US" dirty="0"/>
@@ -655,6 +1009,10 @@
           <a:bodyPr/>
           <a:lstStyle/>
           <a:p>
+            <a:r>
+              <a:rPr lang="en-US"/>
+              <a:t>Alafia - Daniel García Alonso</a:t>
+            </a:r>
             <a:endParaRPr lang="en-US" dirty="0"/>
           </a:p>
         </p:txBody>
@@ -807,8 +1165,8 @@
           <a:bodyPr/>
           <a:lstStyle/>
           <a:p>
-            <a:fld id="{87DE6118-2437-4B30-8E3C-4D2BE6020583}" type="datetimeFigureOut">
-              <a:rPr lang="en-US" dirty="0"/>
+            <a:fld id="{1F95EB04-30CB-4687-9EA7-4A479536C6F5}" type="datetime1">
+              <a:rPr lang="en-US" smtClean="0"/>
               <a:t>6/16/2022</a:t>
             </a:fld>
             <a:endParaRPr lang="en-US" dirty="0"/>
@@ -830,6 +1188,10 @@
           <a:bodyPr/>
           <a:lstStyle/>
           <a:p>
+            <a:r>
+              <a:rPr lang="en-US"/>
+              <a:t>Alafia - Daniel García Alonso</a:t>
+            </a:r>
             <a:endParaRPr lang="en-US" dirty="0"/>
           </a:p>
         </p:txBody>
@@ -972,8 +1334,8 @@
           <a:bodyPr/>
           <a:lstStyle/>
           <a:p>
-            <a:fld id="{87DE6118-2437-4B30-8E3C-4D2BE6020583}" type="datetimeFigureOut">
-              <a:rPr lang="en-US" dirty="0"/>
+            <a:fld id="{6F21378E-67A0-4F7E-B79F-4B2B24CF8418}" type="datetime1">
+              <a:rPr lang="en-US" smtClean="0"/>
               <a:t>6/16/2022</a:t>
             </a:fld>
             <a:endParaRPr lang="en-US" dirty="0"/>
@@ -995,6 +1357,10 @@
           <a:bodyPr/>
           <a:lstStyle/>
           <a:p>
+            <a:r>
+              <a:rPr lang="en-US"/>
+              <a:t>Alafia - Daniel García Alonso</a:t>
+            </a:r>
             <a:endParaRPr lang="en-US" dirty="0"/>
           </a:p>
         </p:txBody>
@@ -1244,9 +1610,8 @@
             </a:lvl1pPr>
           </a:lstStyle>
           <a:p>
-            <a:fld id="{87DE6118-2437-4B30-8E3C-4D2BE6020583}" type="datetimeFigureOut">
-              <a:rPr lang="en-US" dirty="0"/>
-              <a:pPr/>
+            <a:fld id="{4C3AF638-22A3-416B-A53E-BA8650E3B61E}" type="datetime1">
+              <a:rPr lang="en-US" smtClean="0"/>
               <a:t>6/16/2022</a:t>
             </a:fld>
             <a:endParaRPr lang="en-US" dirty="0"/>
@@ -1281,6 +1646,10 @@
             </a:lvl1pPr>
           </a:lstStyle>
           <a:p>
+            <a:r>
+              <a:rPr lang="en-US"/>
+              <a:t>Alafia - Daniel García Alonso</a:t>
+            </a:r>
             <a:endParaRPr lang="en-US" dirty="0"/>
           </a:p>
         </p:txBody>
@@ -1635,8 +2004,8 @@
           <a:bodyPr/>
           <a:lstStyle/>
           <a:p>
-            <a:fld id="{87DE6118-2437-4B30-8E3C-4D2BE6020583}" type="datetimeFigureOut">
-              <a:rPr lang="en-US" dirty="0"/>
+            <a:fld id="{EF58F283-007C-4625-ABC8-D003744AE940}" type="datetime1">
+              <a:rPr lang="en-US" smtClean="0"/>
               <a:t>6/16/2022</a:t>
             </a:fld>
             <a:endParaRPr lang="en-US" dirty="0"/>
@@ -1658,6 +2027,10 @@
           <a:bodyPr/>
           <a:lstStyle/>
           <a:p>
+            <a:r>
+              <a:rPr lang="en-US"/>
+              <a:t>Alafia - Daniel García Alonso</a:t>
+            </a:r>
             <a:endParaRPr lang="en-US" dirty="0"/>
           </a:p>
         </p:txBody>
@@ -2107,8 +2480,8 @@
           <a:bodyPr/>
           <a:lstStyle/>
           <a:p>
-            <a:fld id="{87DE6118-2437-4B30-8E3C-4D2BE6020583}" type="datetimeFigureOut">
-              <a:rPr lang="en-US" dirty="0"/>
+            <a:fld id="{8D98A91A-F3EF-40C1-83E1-46F0992C2D82}" type="datetime1">
+              <a:rPr lang="en-US" smtClean="0"/>
               <a:t>6/16/2022</a:t>
             </a:fld>
             <a:endParaRPr lang="en-US" dirty="0"/>
@@ -2130,6 +2503,10 @@
           <a:bodyPr/>
           <a:lstStyle/>
           <a:p>
+            <a:r>
+              <a:rPr lang="en-US"/>
+              <a:t>Alafia - Daniel García Alonso</a:t>
+            </a:r>
             <a:endParaRPr lang="en-US" dirty="0"/>
           </a:p>
         </p:txBody>
@@ -2220,8 +2597,8 @@
           <a:bodyPr/>
           <a:lstStyle/>
           <a:p>
-            <a:fld id="{87DE6118-2437-4B30-8E3C-4D2BE6020583}" type="datetimeFigureOut">
-              <a:rPr lang="en-US" dirty="0"/>
+            <a:fld id="{AB495030-0964-4074-A89F-B1D53F05D74E}" type="datetime1">
+              <a:rPr lang="en-US" smtClean="0"/>
               <a:t>6/16/2022</a:t>
             </a:fld>
             <a:endParaRPr lang="en-US" dirty="0"/>
@@ -2243,6 +2620,10 @@
           <a:bodyPr/>
           <a:lstStyle/>
           <a:p>
+            <a:r>
+              <a:rPr lang="en-US"/>
+              <a:t>Alafia - Daniel García Alonso</a:t>
+            </a:r>
             <a:endParaRPr lang="en-US" dirty="0"/>
           </a:p>
         </p:txBody>
@@ -2310,8 +2691,8 @@
           <a:bodyPr/>
           <a:lstStyle/>
           <a:p>
-            <a:fld id="{87DE6118-2437-4B30-8E3C-4D2BE6020583}" type="datetimeFigureOut">
-              <a:rPr lang="en-US" dirty="0"/>
+            <a:fld id="{64754F96-F132-47A5-9CAD-6F79248C960F}" type="datetime1">
+              <a:rPr lang="en-US" smtClean="0"/>
               <a:t>6/16/2022</a:t>
             </a:fld>
             <a:endParaRPr lang="en-US" dirty="0"/>
@@ -2333,6 +2714,10 @@
           <a:bodyPr/>
           <a:lstStyle/>
           <a:p>
+            <a:r>
+              <a:rPr lang="en-US"/>
+              <a:t>Alafia - Daniel García Alonso</a:t>
+            </a:r>
             <a:endParaRPr lang="en-US" dirty="0"/>
           </a:p>
         </p:txBody>
@@ -2651,9 +3036,8 @@
             </a:lvl1pPr>
           </a:lstStyle>
           <a:p>
-            <a:fld id="{87DE6118-2437-4B30-8E3C-4D2BE6020583}" type="datetimeFigureOut">
-              <a:rPr lang="en-US" dirty="0"/>
-              <a:pPr/>
+            <a:fld id="{1D60FD84-70EC-491A-A1C5-3F33BC39952D}" type="datetime1">
+              <a:rPr lang="en-US" smtClean="0"/>
               <a:t>6/16/2022</a:t>
             </a:fld>
             <a:endParaRPr lang="en-US" dirty="0"/>
@@ -2688,6 +3072,10 @@
             </a:lvl1pPr>
           </a:lstStyle>
           <a:p>
+            <a:r>
+              <a:rPr lang="en-US"/>
+              <a:t>Alafia - Daniel García Alonso</a:t>
+            </a:r>
             <a:endParaRPr lang="en-US" dirty="0"/>
           </a:p>
         </p:txBody>
@@ -3036,9 +3424,8 @@
             </a:lvl1pPr>
           </a:lstStyle>
           <a:p>
-            <a:fld id="{87DE6118-2437-4B30-8E3C-4D2BE6020583}" type="datetimeFigureOut">
-              <a:rPr lang="en-US" dirty="0"/>
-              <a:pPr/>
+            <a:fld id="{F1F56E1A-6CE9-484C-A095-63FF055910B7}" type="datetime1">
+              <a:rPr lang="en-US" smtClean="0"/>
               <a:t>6/16/2022</a:t>
             </a:fld>
             <a:endParaRPr lang="en-US" dirty="0"/>
@@ -3073,6 +3460,10 @@
             </a:lvl1pPr>
           </a:lstStyle>
           <a:p>
+            <a:r>
+              <a:rPr lang="en-US"/>
+              <a:t>Alafia - Daniel García Alonso</a:t>
+            </a:r>
             <a:endParaRPr lang="en-US" dirty="0"/>
           </a:p>
         </p:txBody>
@@ -3311,9 +3702,8 @@
             </a:lvl1pPr>
           </a:lstStyle>
           <a:p>
-            <a:fld id="{87DE6118-2437-4B30-8E3C-4D2BE6020583}" type="datetimeFigureOut">
-              <a:rPr lang="en-US" dirty="0"/>
-              <a:pPr/>
+            <a:fld id="{6734E7C5-FD05-4029-8464-261C6A2C408E}" type="datetime1">
+              <a:rPr lang="en-US" smtClean="0"/>
               <a:t>6/16/2022</a:t>
             </a:fld>
             <a:endParaRPr lang="en-US" dirty="0"/>
@@ -3351,6 +3741,10 @@
             </a:lvl1pPr>
           </a:lstStyle>
           <a:p>
+            <a:r>
+              <a:rPr lang="en-US"/>
+              <a:t>Alafia - Daniel García Alonso</a:t>
+            </a:r>
             <a:endParaRPr lang="en-US" dirty="0"/>
           </a:p>
         </p:txBody>
@@ -3449,6 +3843,7 @@
     <p:sldLayoutId id="2147483658" r:id="rId10"/>
     <p:sldLayoutId id="2147483659" r:id="rId11"/>
   </p:sldLayoutIdLst>
+  <p:hf hdr="0" dt="0"/>
   <p:txStyles>
     <p:titleStyle>
       <a:lvl1pPr algn="l" defTabSz="914400" rtl="0" eaLnBrk="1" latinLnBrk="0" hangingPunct="1">
@@ -4145,6 +4540,65 @@
           </a:p>
         </p:txBody>
       </p:sp>
+      <p:sp>
+        <p:nvSpPr>
+          <p:cNvPr id="5" name="Marcador de pie de página 4">
+            <a:extLst>
+              <a:ext uri="{FF2B5EF4-FFF2-40B4-BE49-F238E27FC236}">
+                <a16:creationId xmlns:a16="http://schemas.microsoft.com/office/drawing/2014/main" id="{2945389B-0368-FE5D-4EF0-DFFE5F9C3B71}"/>
+              </a:ext>
+            </a:extLst>
+          </p:cNvPr>
+          <p:cNvSpPr>
+            <a:spLocks noGrp="1"/>
+          </p:cNvSpPr>
+          <p:nvPr>
+            <p:ph type="ftr" sz="quarter" idx="11"/>
+          </p:nvPr>
+        </p:nvSpPr>
+        <p:spPr/>
+        <p:txBody>
+          <a:bodyPr/>
+          <a:lstStyle/>
+          <a:p>
+            <a:r>
+              <a:rPr lang="en-US"/>
+              <a:t>Alafia - Daniel García Alonso</a:t>
+            </a:r>
+            <a:endParaRPr lang="en-US" dirty="0"/>
+          </a:p>
+        </p:txBody>
+      </p:sp>
+      <p:sp>
+        <p:nvSpPr>
+          <p:cNvPr id="6" name="Marcador de número de diapositiva 5">
+            <a:extLst>
+              <a:ext uri="{FF2B5EF4-FFF2-40B4-BE49-F238E27FC236}">
+                <a16:creationId xmlns:a16="http://schemas.microsoft.com/office/drawing/2014/main" id="{05B5548D-1988-496E-3B38-3F03F4B29F83}"/>
+              </a:ext>
+            </a:extLst>
+          </p:cNvPr>
+          <p:cNvSpPr>
+            <a:spLocks noGrp="1"/>
+          </p:cNvSpPr>
+          <p:nvPr>
+            <p:ph type="sldNum" sz="quarter" idx="12"/>
+          </p:nvPr>
+        </p:nvSpPr>
+        <p:spPr/>
+        <p:txBody>
+          <a:bodyPr/>
+          <a:lstStyle/>
+          <a:p>
+            <a:fld id="{69E57DC2-970A-4B3E-BB1C-7A09969E49DF}" type="slidenum">
+              <a:rPr lang="en-US" smtClean="0"/>
+              <a:pPr/>
+              <a:t>1</a:t>
+            </a:fld>
+            <a:endParaRPr lang="en-US" dirty="0"/>
+          </a:p>
+        </p:txBody>
+      </p:sp>
     </p:spTree>
     <p:extLst>
       <p:ext uri="{BB962C8B-B14F-4D97-AF65-F5344CB8AC3E}">
@@ -4231,6 +4685,65 @@
           </a:p>
         </p:txBody>
       </p:sp>
+      <p:sp>
+        <p:nvSpPr>
+          <p:cNvPr id="5" name="Marcador de pie de página 4">
+            <a:extLst>
+              <a:ext uri="{FF2B5EF4-FFF2-40B4-BE49-F238E27FC236}">
+                <a16:creationId xmlns:a16="http://schemas.microsoft.com/office/drawing/2014/main" id="{4572C9F0-C6A8-FC92-C6F3-E262430643C1}"/>
+              </a:ext>
+            </a:extLst>
+          </p:cNvPr>
+          <p:cNvSpPr>
+            <a:spLocks noGrp="1"/>
+          </p:cNvSpPr>
+          <p:nvPr>
+            <p:ph type="ftr" sz="quarter" idx="11"/>
+          </p:nvPr>
+        </p:nvSpPr>
+        <p:spPr/>
+        <p:txBody>
+          <a:bodyPr/>
+          <a:lstStyle/>
+          <a:p>
+            <a:r>
+              <a:rPr lang="en-US"/>
+              <a:t>Alafia - Daniel García Alonso</a:t>
+            </a:r>
+            <a:endParaRPr lang="en-US" dirty="0"/>
+          </a:p>
+        </p:txBody>
+      </p:sp>
+      <p:sp>
+        <p:nvSpPr>
+          <p:cNvPr id="6" name="Marcador de número de diapositiva 5">
+            <a:extLst>
+              <a:ext uri="{FF2B5EF4-FFF2-40B4-BE49-F238E27FC236}">
+                <a16:creationId xmlns:a16="http://schemas.microsoft.com/office/drawing/2014/main" id="{406C9706-6CC8-930E-83A9-5F11671C044A}"/>
+              </a:ext>
+            </a:extLst>
+          </p:cNvPr>
+          <p:cNvSpPr>
+            <a:spLocks noGrp="1"/>
+          </p:cNvSpPr>
+          <p:nvPr>
+            <p:ph type="sldNum" sz="quarter" idx="12"/>
+          </p:nvPr>
+        </p:nvSpPr>
+        <p:spPr/>
+        <p:txBody>
+          <a:bodyPr/>
+          <a:lstStyle/>
+          <a:p>
+            <a:fld id="{69E57DC2-970A-4B3E-BB1C-7A09969E49DF}" type="slidenum">
+              <a:rPr lang="en-US" smtClean="0"/>
+              <a:pPr/>
+              <a:t>10</a:t>
+            </a:fld>
+            <a:endParaRPr lang="en-US" dirty="0"/>
+          </a:p>
+        </p:txBody>
+      </p:sp>
     </p:spTree>
     <p:extLst>
       <p:ext uri="{BB962C8B-B14F-4D97-AF65-F5344CB8AC3E}">
@@ -4320,6 +4833,64 @@
           </a:xfrm>
         </p:spPr>
       </p:pic>
+      <p:sp>
+        <p:nvSpPr>
+          <p:cNvPr id="4" name="Marcador de pie de página 3">
+            <a:extLst>
+              <a:ext uri="{FF2B5EF4-FFF2-40B4-BE49-F238E27FC236}">
+                <a16:creationId xmlns:a16="http://schemas.microsoft.com/office/drawing/2014/main" id="{C96B24D5-DC0F-C0C9-717B-8676BB2C8E3B}"/>
+              </a:ext>
+            </a:extLst>
+          </p:cNvPr>
+          <p:cNvSpPr>
+            <a:spLocks noGrp="1"/>
+          </p:cNvSpPr>
+          <p:nvPr>
+            <p:ph type="ftr" sz="quarter" idx="11"/>
+          </p:nvPr>
+        </p:nvSpPr>
+        <p:spPr/>
+        <p:txBody>
+          <a:bodyPr/>
+          <a:lstStyle/>
+          <a:p>
+            <a:r>
+              <a:rPr lang="en-US"/>
+              <a:t>Alafia - Daniel García Alonso</a:t>
+            </a:r>
+            <a:endParaRPr lang="en-US" dirty="0"/>
+          </a:p>
+        </p:txBody>
+      </p:sp>
+      <p:sp>
+        <p:nvSpPr>
+          <p:cNvPr id="5" name="Marcador de número de diapositiva 4">
+            <a:extLst>
+              <a:ext uri="{FF2B5EF4-FFF2-40B4-BE49-F238E27FC236}">
+                <a16:creationId xmlns:a16="http://schemas.microsoft.com/office/drawing/2014/main" id="{76AB6EEA-FEEF-FB45-9F5C-AB69F214B536}"/>
+              </a:ext>
+            </a:extLst>
+          </p:cNvPr>
+          <p:cNvSpPr>
+            <a:spLocks noGrp="1"/>
+          </p:cNvSpPr>
+          <p:nvPr>
+            <p:ph type="sldNum" sz="quarter" idx="12"/>
+          </p:nvPr>
+        </p:nvSpPr>
+        <p:spPr/>
+        <p:txBody>
+          <a:bodyPr/>
+          <a:lstStyle/>
+          <a:p>
+            <a:fld id="{69E57DC2-970A-4B3E-BB1C-7A09969E49DF}" type="slidenum">
+              <a:rPr lang="en-US" smtClean="0"/>
+              <a:t>11</a:t>
+            </a:fld>
+            <a:endParaRPr lang="en-US" dirty="0"/>
+          </a:p>
+        </p:txBody>
+      </p:sp>
     </p:spTree>
     <p:extLst>
       <p:ext uri="{BB962C8B-B14F-4D97-AF65-F5344CB8AC3E}">
@@ -4411,6 +4982,65 @@
           </a:p>
         </p:txBody>
       </p:sp>
+      <p:sp>
+        <p:nvSpPr>
+          <p:cNvPr id="5" name="Marcador de pie de página 4">
+            <a:extLst>
+              <a:ext uri="{FF2B5EF4-FFF2-40B4-BE49-F238E27FC236}">
+                <a16:creationId xmlns:a16="http://schemas.microsoft.com/office/drawing/2014/main" id="{405DE081-722B-C510-AEE2-61498408931F}"/>
+              </a:ext>
+            </a:extLst>
+          </p:cNvPr>
+          <p:cNvSpPr>
+            <a:spLocks noGrp="1"/>
+          </p:cNvSpPr>
+          <p:nvPr>
+            <p:ph type="ftr" sz="quarter" idx="11"/>
+          </p:nvPr>
+        </p:nvSpPr>
+        <p:spPr/>
+        <p:txBody>
+          <a:bodyPr/>
+          <a:lstStyle/>
+          <a:p>
+            <a:r>
+              <a:rPr lang="en-US"/>
+              <a:t>Alafia - Daniel García Alonso</a:t>
+            </a:r>
+            <a:endParaRPr lang="en-US" dirty="0"/>
+          </a:p>
+        </p:txBody>
+      </p:sp>
+      <p:sp>
+        <p:nvSpPr>
+          <p:cNvPr id="6" name="Marcador de número de diapositiva 5">
+            <a:extLst>
+              <a:ext uri="{FF2B5EF4-FFF2-40B4-BE49-F238E27FC236}">
+                <a16:creationId xmlns:a16="http://schemas.microsoft.com/office/drawing/2014/main" id="{A0AF9D20-3543-5741-52BB-C189299A139D}"/>
+              </a:ext>
+            </a:extLst>
+          </p:cNvPr>
+          <p:cNvSpPr>
+            <a:spLocks noGrp="1"/>
+          </p:cNvSpPr>
+          <p:nvPr>
+            <p:ph type="sldNum" sz="quarter" idx="12"/>
+          </p:nvPr>
+        </p:nvSpPr>
+        <p:spPr/>
+        <p:txBody>
+          <a:bodyPr/>
+          <a:lstStyle/>
+          <a:p>
+            <a:fld id="{69E57DC2-970A-4B3E-BB1C-7A09969E49DF}" type="slidenum">
+              <a:rPr lang="en-US" smtClean="0"/>
+              <a:pPr/>
+              <a:t>12</a:t>
+            </a:fld>
+            <a:endParaRPr lang="en-US" dirty="0"/>
+          </a:p>
+        </p:txBody>
+      </p:sp>
     </p:spTree>
     <p:extLst>
       <p:ext uri="{BB962C8B-B14F-4D97-AF65-F5344CB8AC3E}">
@@ -4522,6 +5152,64 @@
               <a:rPr lang="es-ES" sz="3200" dirty="0"/>
               <a:t>Estructura de los componentes</a:t>
             </a:r>
+          </a:p>
+        </p:txBody>
+      </p:sp>
+      <p:sp>
+        <p:nvSpPr>
+          <p:cNvPr id="5" name="Marcador de pie de página 4">
+            <a:extLst>
+              <a:ext uri="{FF2B5EF4-FFF2-40B4-BE49-F238E27FC236}">
+                <a16:creationId xmlns:a16="http://schemas.microsoft.com/office/drawing/2014/main" id="{F3CBE340-EB7D-E3B2-491E-81779B2BA3AF}"/>
+              </a:ext>
+            </a:extLst>
+          </p:cNvPr>
+          <p:cNvSpPr>
+            <a:spLocks noGrp="1"/>
+          </p:cNvSpPr>
+          <p:nvPr>
+            <p:ph type="ftr" sz="quarter" idx="11"/>
+          </p:nvPr>
+        </p:nvSpPr>
+        <p:spPr/>
+        <p:txBody>
+          <a:bodyPr/>
+          <a:lstStyle/>
+          <a:p>
+            <a:r>
+              <a:rPr lang="en-US"/>
+              <a:t>Alafia - Daniel García Alonso</a:t>
+            </a:r>
+            <a:endParaRPr lang="en-US" dirty="0"/>
+          </a:p>
+        </p:txBody>
+      </p:sp>
+      <p:sp>
+        <p:nvSpPr>
+          <p:cNvPr id="6" name="Marcador de número de diapositiva 5">
+            <a:extLst>
+              <a:ext uri="{FF2B5EF4-FFF2-40B4-BE49-F238E27FC236}">
+                <a16:creationId xmlns:a16="http://schemas.microsoft.com/office/drawing/2014/main" id="{68D71BE7-36EE-F521-6435-27A21B28A500}"/>
+              </a:ext>
+            </a:extLst>
+          </p:cNvPr>
+          <p:cNvSpPr>
+            <a:spLocks noGrp="1"/>
+          </p:cNvSpPr>
+          <p:nvPr>
+            <p:ph type="sldNum" sz="quarter" idx="12"/>
+          </p:nvPr>
+        </p:nvSpPr>
+        <p:spPr/>
+        <p:txBody>
+          <a:bodyPr/>
+          <a:lstStyle/>
+          <a:p>
+            <a:fld id="{69E57DC2-970A-4B3E-BB1C-7A09969E49DF}" type="slidenum">
+              <a:rPr lang="en-US" smtClean="0"/>
+              <a:t>13</a:t>
+            </a:fld>
+            <a:endParaRPr lang="en-US" dirty="0"/>
           </a:p>
         </p:txBody>
       </p:sp>
@@ -5361,6 +6049,64 @@
           </a:fontRef>
         </p:style>
       </p:cxnSp>
+      <p:sp>
+        <p:nvSpPr>
+          <p:cNvPr id="5" name="Marcador de pie de página 4">
+            <a:extLst>
+              <a:ext uri="{FF2B5EF4-FFF2-40B4-BE49-F238E27FC236}">
+                <a16:creationId xmlns:a16="http://schemas.microsoft.com/office/drawing/2014/main" id="{F65DB605-B290-3D9A-7587-A8F8D37D72C1}"/>
+              </a:ext>
+            </a:extLst>
+          </p:cNvPr>
+          <p:cNvSpPr>
+            <a:spLocks noGrp="1"/>
+          </p:cNvSpPr>
+          <p:nvPr>
+            <p:ph type="ftr" sz="quarter" idx="11"/>
+          </p:nvPr>
+        </p:nvSpPr>
+        <p:spPr/>
+        <p:txBody>
+          <a:bodyPr/>
+          <a:lstStyle/>
+          <a:p>
+            <a:r>
+              <a:rPr lang="en-US"/>
+              <a:t>Alafia - Daniel García Alonso</a:t>
+            </a:r>
+            <a:endParaRPr lang="en-US" dirty="0"/>
+          </a:p>
+        </p:txBody>
+      </p:sp>
+      <p:sp>
+        <p:nvSpPr>
+          <p:cNvPr id="7" name="Marcador de número de diapositiva 6">
+            <a:extLst>
+              <a:ext uri="{FF2B5EF4-FFF2-40B4-BE49-F238E27FC236}">
+                <a16:creationId xmlns:a16="http://schemas.microsoft.com/office/drawing/2014/main" id="{8976AFC2-8085-0D32-2E8E-136EC8A10B11}"/>
+              </a:ext>
+            </a:extLst>
+          </p:cNvPr>
+          <p:cNvSpPr>
+            <a:spLocks noGrp="1"/>
+          </p:cNvSpPr>
+          <p:nvPr>
+            <p:ph type="sldNum" sz="quarter" idx="12"/>
+          </p:nvPr>
+        </p:nvSpPr>
+        <p:spPr/>
+        <p:txBody>
+          <a:bodyPr/>
+          <a:lstStyle/>
+          <a:p>
+            <a:fld id="{69E57DC2-970A-4B3E-BB1C-7A09969E49DF}" type="slidenum">
+              <a:rPr lang="en-US" smtClean="0"/>
+              <a:t>14</a:t>
+            </a:fld>
+            <a:endParaRPr lang="en-US" dirty="0"/>
+          </a:p>
+        </p:txBody>
+      </p:sp>
     </p:spTree>
     <p:extLst>
       <p:ext uri="{BB962C8B-B14F-4D97-AF65-F5344CB8AC3E}">
@@ -6139,6 +6885,64 @@
           </a:fontRef>
         </p:style>
       </p:cxnSp>
+      <p:sp>
+        <p:nvSpPr>
+          <p:cNvPr id="5" name="Marcador de pie de página 4">
+            <a:extLst>
+              <a:ext uri="{FF2B5EF4-FFF2-40B4-BE49-F238E27FC236}">
+                <a16:creationId xmlns:a16="http://schemas.microsoft.com/office/drawing/2014/main" id="{092787CB-E80C-6130-DBB0-9A64BDA641CB}"/>
+              </a:ext>
+            </a:extLst>
+          </p:cNvPr>
+          <p:cNvSpPr>
+            <a:spLocks noGrp="1"/>
+          </p:cNvSpPr>
+          <p:nvPr>
+            <p:ph type="ftr" sz="quarter" idx="11"/>
+          </p:nvPr>
+        </p:nvSpPr>
+        <p:spPr/>
+        <p:txBody>
+          <a:bodyPr/>
+          <a:lstStyle/>
+          <a:p>
+            <a:r>
+              <a:rPr lang="en-US"/>
+              <a:t>Alafia - Daniel García Alonso</a:t>
+            </a:r>
+            <a:endParaRPr lang="en-US" dirty="0"/>
+          </a:p>
+        </p:txBody>
+      </p:sp>
+      <p:sp>
+        <p:nvSpPr>
+          <p:cNvPr id="7" name="Marcador de número de diapositiva 6">
+            <a:extLst>
+              <a:ext uri="{FF2B5EF4-FFF2-40B4-BE49-F238E27FC236}">
+                <a16:creationId xmlns:a16="http://schemas.microsoft.com/office/drawing/2014/main" id="{0B1D3992-D1DD-3386-17E6-7CE7E17BCA87}"/>
+              </a:ext>
+            </a:extLst>
+          </p:cNvPr>
+          <p:cNvSpPr>
+            <a:spLocks noGrp="1"/>
+          </p:cNvSpPr>
+          <p:nvPr>
+            <p:ph type="sldNum" sz="quarter" idx="12"/>
+          </p:nvPr>
+        </p:nvSpPr>
+        <p:spPr/>
+        <p:txBody>
+          <a:bodyPr/>
+          <a:lstStyle/>
+          <a:p>
+            <a:fld id="{69E57DC2-970A-4B3E-BB1C-7A09969E49DF}" type="slidenum">
+              <a:rPr lang="en-US" smtClean="0"/>
+              <a:t>15</a:t>
+            </a:fld>
+            <a:endParaRPr lang="en-US" dirty="0"/>
+          </a:p>
+        </p:txBody>
+      </p:sp>
     </p:spTree>
     <p:extLst>
       <p:ext uri="{BB962C8B-B14F-4D97-AF65-F5344CB8AC3E}">
@@ -6230,6 +7034,65 @@
           </a:p>
         </p:txBody>
       </p:sp>
+      <p:sp>
+        <p:nvSpPr>
+          <p:cNvPr id="5" name="Marcador de pie de página 4">
+            <a:extLst>
+              <a:ext uri="{FF2B5EF4-FFF2-40B4-BE49-F238E27FC236}">
+                <a16:creationId xmlns:a16="http://schemas.microsoft.com/office/drawing/2014/main" id="{919DFD8B-C3EB-30AF-6C68-D4B649628A96}"/>
+              </a:ext>
+            </a:extLst>
+          </p:cNvPr>
+          <p:cNvSpPr>
+            <a:spLocks noGrp="1"/>
+          </p:cNvSpPr>
+          <p:nvPr>
+            <p:ph type="ftr" sz="quarter" idx="11"/>
+          </p:nvPr>
+        </p:nvSpPr>
+        <p:spPr/>
+        <p:txBody>
+          <a:bodyPr/>
+          <a:lstStyle/>
+          <a:p>
+            <a:r>
+              <a:rPr lang="en-US"/>
+              <a:t>Alafia - Daniel García Alonso</a:t>
+            </a:r>
+            <a:endParaRPr lang="en-US" dirty="0"/>
+          </a:p>
+        </p:txBody>
+      </p:sp>
+      <p:sp>
+        <p:nvSpPr>
+          <p:cNvPr id="6" name="Marcador de número de diapositiva 5">
+            <a:extLst>
+              <a:ext uri="{FF2B5EF4-FFF2-40B4-BE49-F238E27FC236}">
+                <a16:creationId xmlns:a16="http://schemas.microsoft.com/office/drawing/2014/main" id="{29514E51-0016-44C9-497A-0F67A9EBD7FF}"/>
+              </a:ext>
+            </a:extLst>
+          </p:cNvPr>
+          <p:cNvSpPr>
+            <a:spLocks noGrp="1"/>
+          </p:cNvSpPr>
+          <p:nvPr>
+            <p:ph type="sldNum" sz="quarter" idx="12"/>
+          </p:nvPr>
+        </p:nvSpPr>
+        <p:spPr/>
+        <p:txBody>
+          <a:bodyPr/>
+          <a:lstStyle/>
+          <a:p>
+            <a:fld id="{69E57DC2-970A-4B3E-BB1C-7A09969E49DF}" type="slidenum">
+              <a:rPr lang="en-US" smtClean="0"/>
+              <a:pPr/>
+              <a:t>16</a:t>
+            </a:fld>
+            <a:endParaRPr lang="en-US" dirty="0"/>
+          </a:p>
+        </p:txBody>
+      </p:sp>
     </p:spTree>
     <p:extLst>
       <p:ext uri="{BB962C8B-B14F-4D97-AF65-F5344CB8AC3E}">
@@ -6346,6 +7209,64 @@
           </a:p>
         </p:txBody>
       </p:sp>
+      <p:sp>
+        <p:nvSpPr>
+          <p:cNvPr id="5" name="Marcador de pie de página 4">
+            <a:extLst>
+              <a:ext uri="{FF2B5EF4-FFF2-40B4-BE49-F238E27FC236}">
+                <a16:creationId xmlns:a16="http://schemas.microsoft.com/office/drawing/2014/main" id="{D46A7E54-BD23-9488-298D-A231221A3CD0}"/>
+              </a:ext>
+            </a:extLst>
+          </p:cNvPr>
+          <p:cNvSpPr>
+            <a:spLocks noGrp="1"/>
+          </p:cNvSpPr>
+          <p:nvPr>
+            <p:ph type="ftr" sz="quarter" idx="11"/>
+          </p:nvPr>
+        </p:nvSpPr>
+        <p:spPr/>
+        <p:txBody>
+          <a:bodyPr/>
+          <a:lstStyle/>
+          <a:p>
+            <a:r>
+              <a:rPr lang="en-US"/>
+              <a:t>Alafia - Daniel García Alonso</a:t>
+            </a:r>
+            <a:endParaRPr lang="en-US" dirty="0"/>
+          </a:p>
+        </p:txBody>
+      </p:sp>
+      <p:sp>
+        <p:nvSpPr>
+          <p:cNvPr id="6" name="Marcador de número de diapositiva 5">
+            <a:extLst>
+              <a:ext uri="{FF2B5EF4-FFF2-40B4-BE49-F238E27FC236}">
+                <a16:creationId xmlns:a16="http://schemas.microsoft.com/office/drawing/2014/main" id="{21F7DF78-D51B-BF07-1CF2-B1A23532E2A9}"/>
+              </a:ext>
+            </a:extLst>
+          </p:cNvPr>
+          <p:cNvSpPr>
+            <a:spLocks noGrp="1"/>
+          </p:cNvSpPr>
+          <p:nvPr>
+            <p:ph type="sldNum" sz="quarter" idx="12"/>
+          </p:nvPr>
+        </p:nvSpPr>
+        <p:spPr/>
+        <p:txBody>
+          <a:bodyPr/>
+          <a:lstStyle/>
+          <a:p>
+            <a:fld id="{69E57DC2-970A-4B3E-BB1C-7A09969E49DF}" type="slidenum">
+              <a:rPr lang="en-US" smtClean="0"/>
+              <a:t>17</a:t>
+            </a:fld>
+            <a:endParaRPr lang="en-US" dirty="0"/>
+          </a:p>
+        </p:txBody>
+      </p:sp>
     </p:spTree>
     <p:extLst>
       <p:ext uri="{BB962C8B-B14F-4D97-AF65-F5344CB8AC3E}">
@@ -6481,6 +7402,64 @@
           </a:p>
         </p:txBody>
       </p:sp>
+      <p:sp>
+        <p:nvSpPr>
+          <p:cNvPr id="5" name="Marcador de pie de página 4">
+            <a:extLst>
+              <a:ext uri="{FF2B5EF4-FFF2-40B4-BE49-F238E27FC236}">
+                <a16:creationId xmlns:a16="http://schemas.microsoft.com/office/drawing/2014/main" id="{96A6C2E3-4A9A-E95C-29E7-3EAC5B78600E}"/>
+              </a:ext>
+            </a:extLst>
+          </p:cNvPr>
+          <p:cNvSpPr>
+            <a:spLocks noGrp="1"/>
+          </p:cNvSpPr>
+          <p:nvPr>
+            <p:ph type="ftr" sz="quarter" idx="11"/>
+          </p:nvPr>
+        </p:nvSpPr>
+        <p:spPr/>
+        <p:txBody>
+          <a:bodyPr/>
+          <a:lstStyle/>
+          <a:p>
+            <a:r>
+              <a:rPr lang="en-US"/>
+              <a:t>Alafia - Daniel García Alonso</a:t>
+            </a:r>
+            <a:endParaRPr lang="en-US" dirty="0"/>
+          </a:p>
+        </p:txBody>
+      </p:sp>
+      <p:sp>
+        <p:nvSpPr>
+          <p:cNvPr id="6" name="Marcador de número de diapositiva 5">
+            <a:extLst>
+              <a:ext uri="{FF2B5EF4-FFF2-40B4-BE49-F238E27FC236}">
+                <a16:creationId xmlns:a16="http://schemas.microsoft.com/office/drawing/2014/main" id="{C63BFB45-98AF-F515-9D7D-6DB6DFA8D810}"/>
+              </a:ext>
+            </a:extLst>
+          </p:cNvPr>
+          <p:cNvSpPr>
+            <a:spLocks noGrp="1"/>
+          </p:cNvSpPr>
+          <p:nvPr>
+            <p:ph type="sldNum" sz="quarter" idx="12"/>
+          </p:nvPr>
+        </p:nvSpPr>
+        <p:spPr/>
+        <p:txBody>
+          <a:bodyPr/>
+          <a:lstStyle/>
+          <a:p>
+            <a:fld id="{69E57DC2-970A-4B3E-BB1C-7A09969E49DF}" type="slidenum">
+              <a:rPr lang="en-US" smtClean="0"/>
+              <a:t>18</a:t>
+            </a:fld>
+            <a:endParaRPr lang="en-US" dirty="0"/>
+          </a:p>
+        </p:txBody>
+      </p:sp>
     </p:spTree>
     <p:extLst>
       <p:ext uri="{BB962C8B-B14F-4D97-AF65-F5344CB8AC3E}">
@@ -6598,6 +7577,64 @@
           </a:p>
         </p:txBody>
       </p:sp>
+      <p:sp>
+        <p:nvSpPr>
+          <p:cNvPr id="5" name="Marcador de pie de página 4">
+            <a:extLst>
+              <a:ext uri="{FF2B5EF4-FFF2-40B4-BE49-F238E27FC236}">
+                <a16:creationId xmlns:a16="http://schemas.microsoft.com/office/drawing/2014/main" id="{FDEB2845-B644-E1E2-C2A1-284ADD0BE2DE}"/>
+              </a:ext>
+            </a:extLst>
+          </p:cNvPr>
+          <p:cNvSpPr>
+            <a:spLocks noGrp="1"/>
+          </p:cNvSpPr>
+          <p:nvPr>
+            <p:ph type="ftr" sz="quarter" idx="11"/>
+          </p:nvPr>
+        </p:nvSpPr>
+        <p:spPr/>
+        <p:txBody>
+          <a:bodyPr/>
+          <a:lstStyle/>
+          <a:p>
+            <a:r>
+              <a:rPr lang="en-US"/>
+              <a:t>Alafia - Daniel García Alonso</a:t>
+            </a:r>
+            <a:endParaRPr lang="en-US" dirty="0"/>
+          </a:p>
+        </p:txBody>
+      </p:sp>
+      <p:sp>
+        <p:nvSpPr>
+          <p:cNvPr id="6" name="Marcador de número de diapositiva 5">
+            <a:extLst>
+              <a:ext uri="{FF2B5EF4-FFF2-40B4-BE49-F238E27FC236}">
+                <a16:creationId xmlns:a16="http://schemas.microsoft.com/office/drawing/2014/main" id="{5ED12D78-9C7B-30F7-8F56-99CD2D084A30}"/>
+              </a:ext>
+            </a:extLst>
+          </p:cNvPr>
+          <p:cNvSpPr>
+            <a:spLocks noGrp="1"/>
+          </p:cNvSpPr>
+          <p:nvPr>
+            <p:ph type="sldNum" sz="quarter" idx="12"/>
+          </p:nvPr>
+        </p:nvSpPr>
+        <p:spPr/>
+        <p:txBody>
+          <a:bodyPr/>
+          <a:lstStyle/>
+          <a:p>
+            <a:fld id="{69E57DC2-970A-4B3E-BB1C-7A09969E49DF}" type="slidenum">
+              <a:rPr lang="en-US" smtClean="0"/>
+              <a:t>19</a:t>
+            </a:fld>
+            <a:endParaRPr lang="en-US" dirty="0"/>
+          </a:p>
+        </p:txBody>
+      </p:sp>
     </p:spTree>
     <p:extLst>
       <p:ext uri="{BB962C8B-B14F-4D97-AF65-F5344CB8AC3E}">
@@ -6656,6 +7693,65 @@
           </a:p>
         </p:txBody>
       </p:sp>
+      <p:sp>
+        <p:nvSpPr>
+          <p:cNvPr id="4" name="Marcador de pie de página 3">
+            <a:extLst>
+              <a:ext uri="{FF2B5EF4-FFF2-40B4-BE49-F238E27FC236}">
+                <a16:creationId xmlns:a16="http://schemas.microsoft.com/office/drawing/2014/main" id="{E325C74A-4C45-7B0D-15B6-CBE638CA98A2}"/>
+              </a:ext>
+            </a:extLst>
+          </p:cNvPr>
+          <p:cNvSpPr>
+            <a:spLocks noGrp="1"/>
+          </p:cNvSpPr>
+          <p:nvPr>
+            <p:ph type="ftr" sz="quarter" idx="11"/>
+          </p:nvPr>
+        </p:nvSpPr>
+        <p:spPr/>
+        <p:txBody>
+          <a:bodyPr/>
+          <a:lstStyle/>
+          <a:p>
+            <a:r>
+              <a:rPr lang="en-US"/>
+              <a:t>Alafia - Daniel García Alonso</a:t>
+            </a:r>
+            <a:endParaRPr lang="en-US" dirty="0"/>
+          </a:p>
+        </p:txBody>
+      </p:sp>
+      <p:sp>
+        <p:nvSpPr>
+          <p:cNvPr id="5" name="Marcador de número de diapositiva 4">
+            <a:extLst>
+              <a:ext uri="{FF2B5EF4-FFF2-40B4-BE49-F238E27FC236}">
+                <a16:creationId xmlns:a16="http://schemas.microsoft.com/office/drawing/2014/main" id="{6D1CEEE5-08F2-DB0A-360D-81E4A6E9CD9D}"/>
+              </a:ext>
+            </a:extLst>
+          </p:cNvPr>
+          <p:cNvSpPr>
+            <a:spLocks noGrp="1"/>
+          </p:cNvSpPr>
+          <p:nvPr>
+            <p:ph type="sldNum" sz="quarter" idx="12"/>
+          </p:nvPr>
+        </p:nvSpPr>
+        <p:spPr/>
+        <p:txBody>
+          <a:bodyPr/>
+          <a:lstStyle/>
+          <a:p>
+            <a:fld id="{69E57DC2-970A-4B3E-BB1C-7A09969E49DF}" type="slidenum">
+              <a:rPr lang="en-US" smtClean="0"/>
+              <a:pPr/>
+              <a:t>2</a:t>
+            </a:fld>
+            <a:endParaRPr lang="en-US" dirty="0"/>
+          </a:p>
+        </p:txBody>
+      </p:sp>
     </p:spTree>
     <p:extLst>
       <p:ext uri="{BB962C8B-B14F-4D97-AF65-F5344CB8AC3E}">
@@ -6721,6 +7817,65 @@
           </a:p>
         </p:txBody>
       </p:sp>
+      <p:sp>
+        <p:nvSpPr>
+          <p:cNvPr id="4" name="Marcador de pie de página 3">
+            <a:extLst>
+              <a:ext uri="{FF2B5EF4-FFF2-40B4-BE49-F238E27FC236}">
+                <a16:creationId xmlns:a16="http://schemas.microsoft.com/office/drawing/2014/main" id="{A963028F-8676-6494-3D44-7DAA485B4A7D}"/>
+              </a:ext>
+            </a:extLst>
+          </p:cNvPr>
+          <p:cNvSpPr>
+            <a:spLocks noGrp="1"/>
+          </p:cNvSpPr>
+          <p:nvPr>
+            <p:ph type="ftr" sz="quarter" idx="11"/>
+          </p:nvPr>
+        </p:nvSpPr>
+        <p:spPr/>
+        <p:txBody>
+          <a:bodyPr/>
+          <a:lstStyle/>
+          <a:p>
+            <a:r>
+              <a:rPr lang="en-US"/>
+              <a:t>Alafia - Daniel García Alonso</a:t>
+            </a:r>
+            <a:endParaRPr lang="en-US" dirty="0"/>
+          </a:p>
+        </p:txBody>
+      </p:sp>
+      <p:sp>
+        <p:nvSpPr>
+          <p:cNvPr id="5" name="Marcador de número de diapositiva 4">
+            <a:extLst>
+              <a:ext uri="{FF2B5EF4-FFF2-40B4-BE49-F238E27FC236}">
+                <a16:creationId xmlns:a16="http://schemas.microsoft.com/office/drawing/2014/main" id="{AF3696CC-31B0-46AF-DA30-0062380850EA}"/>
+              </a:ext>
+            </a:extLst>
+          </p:cNvPr>
+          <p:cNvSpPr>
+            <a:spLocks noGrp="1"/>
+          </p:cNvSpPr>
+          <p:nvPr>
+            <p:ph type="sldNum" sz="quarter" idx="12"/>
+          </p:nvPr>
+        </p:nvSpPr>
+        <p:spPr/>
+        <p:txBody>
+          <a:bodyPr/>
+          <a:lstStyle/>
+          <a:p>
+            <a:fld id="{69E57DC2-970A-4B3E-BB1C-7A09969E49DF}" type="slidenum">
+              <a:rPr lang="en-US" smtClean="0"/>
+              <a:pPr/>
+              <a:t>20</a:t>
+            </a:fld>
+            <a:endParaRPr lang="en-US" dirty="0"/>
+          </a:p>
+        </p:txBody>
+      </p:sp>
     </p:spTree>
     <p:extLst>
       <p:ext uri="{BB962C8B-B14F-4D97-AF65-F5344CB8AC3E}">
@@ -6815,6 +7970,64 @@
           </a:xfrm>
         </p:spPr>
       </p:pic>
+      <p:sp>
+        <p:nvSpPr>
+          <p:cNvPr id="4" name="Marcador de pie de página 3">
+            <a:extLst>
+              <a:ext uri="{FF2B5EF4-FFF2-40B4-BE49-F238E27FC236}">
+                <a16:creationId xmlns:a16="http://schemas.microsoft.com/office/drawing/2014/main" id="{58B15726-EFE2-661B-883C-E31A2E150695}"/>
+              </a:ext>
+            </a:extLst>
+          </p:cNvPr>
+          <p:cNvSpPr>
+            <a:spLocks noGrp="1"/>
+          </p:cNvSpPr>
+          <p:nvPr>
+            <p:ph type="ftr" sz="quarter" idx="11"/>
+          </p:nvPr>
+        </p:nvSpPr>
+        <p:spPr/>
+        <p:txBody>
+          <a:bodyPr/>
+          <a:lstStyle/>
+          <a:p>
+            <a:r>
+              <a:rPr lang="en-US"/>
+              <a:t>Alafia - Daniel García Alonso</a:t>
+            </a:r>
+            <a:endParaRPr lang="en-US" dirty="0"/>
+          </a:p>
+        </p:txBody>
+      </p:sp>
+      <p:sp>
+        <p:nvSpPr>
+          <p:cNvPr id="5" name="Marcador de número de diapositiva 4">
+            <a:extLst>
+              <a:ext uri="{FF2B5EF4-FFF2-40B4-BE49-F238E27FC236}">
+                <a16:creationId xmlns:a16="http://schemas.microsoft.com/office/drawing/2014/main" id="{E3858E32-B839-849F-EAF1-07379A00AA7E}"/>
+              </a:ext>
+            </a:extLst>
+          </p:cNvPr>
+          <p:cNvSpPr>
+            <a:spLocks noGrp="1"/>
+          </p:cNvSpPr>
+          <p:nvPr>
+            <p:ph type="sldNum" sz="quarter" idx="12"/>
+          </p:nvPr>
+        </p:nvSpPr>
+        <p:spPr/>
+        <p:txBody>
+          <a:bodyPr/>
+          <a:lstStyle/>
+          <a:p>
+            <a:fld id="{69E57DC2-970A-4B3E-BB1C-7A09969E49DF}" type="slidenum">
+              <a:rPr lang="en-US" smtClean="0"/>
+              <a:t>21</a:t>
+            </a:fld>
+            <a:endParaRPr lang="en-US" dirty="0"/>
+          </a:p>
+        </p:txBody>
+      </p:sp>
     </p:spTree>
     <p:extLst>
       <p:ext uri="{BB962C8B-B14F-4D97-AF65-F5344CB8AC3E}">
@@ -6908,6 +8121,64 @@
           </a:xfrm>
         </p:spPr>
       </p:pic>
+      <p:sp>
+        <p:nvSpPr>
+          <p:cNvPr id="4" name="Marcador de pie de página 3">
+            <a:extLst>
+              <a:ext uri="{FF2B5EF4-FFF2-40B4-BE49-F238E27FC236}">
+                <a16:creationId xmlns:a16="http://schemas.microsoft.com/office/drawing/2014/main" id="{973F87A1-CFEA-1C35-F73D-3139E6703019}"/>
+              </a:ext>
+            </a:extLst>
+          </p:cNvPr>
+          <p:cNvSpPr>
+            <a:spLocks noGrp="1"/>
+          </p:cNvSpPr>
+          <p:nvPr>
+            <p:ph type="ftr" sz="quarter" idx="11"/>
+          </p:nvPr>
+        </p:nvSpPr>
+        <p:spPr/>
+        <p:txBody>
+          <a:bodyPr/>
+          <a:lstStyle/>
+          <a:p>
+            <a:r>
+              <a:rPr lang="en-US"/>
+              <a:t>Alafia - Daniel García Alonso</a:t>
+            </a:r>
+            <a:endParaRPr lang="en-US" dirty="0"/>
+          </a:p>
+        </p:txBody>
+      </p:sp>
+      <p:sp>
+        <p:nvSpPr>
+          <p:cNvPr id="5" name="Marcador de número de diapositiva 4">
+            <a:extLst>
+              <a:ext uri="{FF2B5EF4-FFF2-40B4-BE49-F238E27FC236}">
+                <a16:creationId xmlns:a16="http://schemas.microsoft.com/office/drawing/2014/main" id="{6F08FCEA-EB28-A72C-CA73-B8B5C38A2309}"/>
+              </a:ext>
+            </a:extLst>
+          </p:cNvPr>
+          <p:cNvSpPr>
+            <a:spLocks noGrp="1"/>
+          </p:cNvSpPr>
+          <p:nvPr>
+            <p:ph type="sldNum" sz="quarter" idx="12"/>
+          </p:nvPr>
+        </p:nvSpPr>
+        <p:spPr/>
+        <p:txBody>
+          <a:bodyPr/>
+          <a:lstStyle/>
+          <a:p>
+            <a:fld id="{69E57DC2-970A-4B3E-BB1C-7A09969E49DF}" type="slidenum">
+              <a:rPr lang="en-US" smtClean="0"/>
+              <a:t>22</a:t>
+            </a:fld>
+            <a:endParaRPr lang="en-US" dirty="0"/>
+          </a:p>
+        </p:txBody>
+      </p:sp>
     </p:spTree>
     <p:extLst>
       <p:ext uri="{BB962C8B-B14F-4D97-AF65-F5344CB8AC3E}">
@@ -7002,6 +8273,64 @@
           </a:xfrm>
         </p:spPr>
       </p:pic>
+      <p:sp>
+        <p:nvSpPr>
+          <p:cNvPr id="4" name="Marcador de pie de página 3">
+            <a:extLst>
+              <a:ext uri="{FF2B5EF4-FFF2-40B4-BE49-F238E27FC236}">
+                <a16:creationId xmlns:a16="http://schemas.microsoft.com/office/drawing/2014/main" id="{1FDDA4E6-A1EB-318D-FC11-C028697F6ED7}"/>
+              </a:ext>
+            </a:extLst>
+          </p:cNvPr>
+          <p:cNvSpPr>
+            <a:spLocks noGrp="1"/>
+          </p:cNvSpPr>
+          <p:nvPr>
+            <p:ph type="ftr" sz="quarter" idx="11"/>
+          </p:nvPr>
+        </p:nvSpPr>
+        <p:spPr/>
+        <p:txBody>
+          <a:bodyPr/>
+          <a:lstStyle/>
+          <a:p>
+            <a:r>
+              <a:rPr lang="en-US"/>
+              <a:t>Alafia - Daniel García Alonso</a:t>
+            </a:r>
+            <a:endParaRPr lang="en-US" dirty="0"/>
+          </a:p>
+        </p:txBody>
+      </p:sp>
+      <p:sp>
+        <p:nvSpPr>
+          <p:cNvPr id="5" name="Marcador de número de diapositiva 4">
+            <a:extLst>
+              <a:ext uri="{FF2B5EF4-FFF2-40B4-BE49-F238E27FC236}">
+                <a16:creationId xmlns:a16="http://schemas.microsoft.com/office/drawing/2014/main" id="{E056D2FB-4322-6164-AB95-40BC340FF1C8}"/>
+              </a:ext>
+            </a:extLst>
+          </p:cNvPr>
+          <p:cNvSpPr>
+            <a:spLocks noGrp="1"/>
+          </p:cNvSpPr>
+          <p:nvPr>
+            <p:ph type="sldNum" sz="quarter" idx="12"/>
+          </p:nvPr>
+        </p:nvSpPr>
+        <p:spPr/>
+        <p:txBody>
+          <a:bodyPr/>
+          <a:lstStyle/>
+          <a:p>
+            <a:fld id="{69E57DC2-970A-4B3E-BB1C-7A09969E49DF}" type="slidenum">
+              <a:rPr lang="en-US" smtClean="0"/>
+              <a:t>23</a:t>
+            </a:fld>
+            <a:endParaRPr lang="en-US" dirty="0"/>
+          </a:p>
+        </p:txBody>
+      </p:sp>
     </p:spTree>
     <p:extLst>
       <p:ext uri="{BB962C8B-B14F-4D97-AF65-F5344CB8AC3E}">
@@ -7060,6 +8389,65 @@
           </a:p>
         </p:txBody>
       </p:sp>
+      <p:sp>
+        <p:nvSpPr>
+          <p:cNvPr id="4" name="Marcador de pie de página 3">
+            <a:extLst>
+              <a:ext uri="{FF2B5EF4-FFF2-40B4-BE49-F238E27FC236}">
+                <a16:creationId xmlns:a16="http://schemas.microsoft.com/office/drawing/2014/main" id="{2026DF48-B637-F934-784F-776B2C6E29F2}"/>
+              </a:ext>
+            </a:extLst>
+          </p:cNvPr>
+          <p:cNvSpPr>
+            <a:spLocks noGrp="1"/>
+          </p:cNvSpPr>
+          <p:nvPr>
+            <p:ph type="ftr" sz="quarter" idx="11"/>
+          </p:nvPr>
+        </p:nvSpPr>
+        <p:spPr/>
+        <p:txBody>
+          <a:bodyPr/>
+          <a:lstStyle/>
+          <a:p>
+            <a:r>
+              <a:rPr lang="en-US"/>
+              <a:t>Alafia - Daniel García Alonso</a:t>
+            </a:r>
+            <a:endParaRPr lang="en-US" dirty="0"/>
+          </a:p>
+        </p:txBody>
+      </p:sp>
+      <p:sp>
+        <p:nvSpPr>
+          <p:cNvPr id="5" name="Marcador de número de diapositiva 4">
+            <a:extLst>
+              <a:ext uri="{FF2B5EF4-FFF2-40B4-BE49-F238E27FC236}">
+                <a16:creationId xmlns:a16="http://schemas.microsoft.com/office/drawing/2014/main" id="{02292EA1-0747-96D8-A104-3F59B8A1A695}"/>
+              </a:ext>
+            </a:extLst>
+          </p:cNvPr>
+          <p:cNvSpPr>
+            <a:spLocks noGrp="1"/>
+          </p:cNvSpPr>
+          <p:nvPr>
+            <p:ph type="sldNum" sz="quarter" idx="12"/>
+          </p:nvPr>
+        </p:nvSpPr>
+        <p:spPr/>
+        <p:txBody>
+          <a:bodyPr/>
+          <a:lstStyle/>
+          <a:p>
+            <a:fld id="{69E57DC2-970A-4B3E-BB1C-7A09969E49DF}" type="slidenum">
+              <a:rPr lang="en-US" smtClean="0"/>
+              <a:pPr/>
+              <a:t>24</a:t>
+            </a:fld>
+            <a:endParaRPr lang="en-US" dirty="0"/>
+          </a:p>
+        </p:txBody>
+      </p:sp>
     </p:spTree>
     <p:extLst>
       <p:ext uri="{BB962C8B-B14F-4D97-AF65-F5344CB8AC3E}">
@@ -7161,6 +8549,64 @@
           </a:p>
         </p:txBody>
       </p:sp>
+      <p:sp>
+        <p:nvSpPr>
+          <p:cNvPr id="5" name="Marcador de pie de página 4">
+            <a:extLst>
+              <a:ext uri="{FF2B5EF4-FFF2-40B4-BE49-F238E27FC236}">
+                <a16:creationId xmlns:a16="http://schemas.microsoft.com/office/drawing/2014/main" id="{EEE16C3F-3561-B603-0C14-3C6AA9C01204}"/>
+              </a:ext>
+            </a:extLst>
+          </p:cNvPr>
+          <p:cNvSpPr>
+            <a:spLocks noGrp="1"/>
+          </p:cNvSpPr>
+          <p:nvPr>
+            <p:ph type="ftr" sz="quarter" idx="11"/>
+          </p:nvPr>
+        </p:nvSpPr>
+        <p:spPr/>
+        <p:txBody>
+          <a:bodyPr/>
+          <a:lstStyle/>
+          <a:p>
+            <a:r>
+              <a:rPr lang="en-US"/>
+              <a:t>Alafia - Daniel García Alonso</a:t>
+            </a:r>
+            <a:endParaRPr lang="en-US" dirty="0"/>
+          </a:p>
+        </p:txBody>
+      </p:sp>
+      <p:sp>
+        <p:nvSpPr>
+          <p:cNvPr id="6" name="Marcador de número de diapositiva 5">
+            <a:extLst>
+              <a:ext uri="{FF2B5EF4-FFF2-40B4-BE49-F238E27FC236}">
+                <a16:creationId xmlns:a16="http://schemas.microsoft.com/office/drawing/2014/main" id="{EBAA71F8-5382-AA6B-6626-F40EC9DF59AD}"/>
+              </a:ext>
+            </a:extLst>
+          </p:cNvPr>
+          <p:cNvSpPr>
+            <a:spLocks noGrp="1"/>
+          </p:cNvSpPr>
+          <p:nvPr>
+            <p:ph type="sldNum" sz="quarter" idx="12"/>
+          </p:nvPr>
+        </p:nvSpPr>
+        <p:spPr/>
+        <p:txBody>
+          <a:bodyPr/>
+          <a:lstStyle/>
+          <a:p>
+            <a:fld id="{69E57DC2-970A-4B3E-BB1C-7A09969E49DF}" type="slidenum">
+              <a:rPr lang="en-US" smtClean="0"/>
+              <a:t>25</a:t>
+            </a:fld>
+            <a:endParaRPr lang="en-US" dirty="0"/>
+          </a:p>
+        </p:txBody>
+      </p:sp>
     </p:spTree>
     <p:extLst>
       <p:ext uri="{BB962C8B-B14F-4D97-AF65-F5344CB8AC3E}">
@@ -7175,71 +8621,6 @@
 </file>
 
 <file path=ppt/slides/slide26.xml><?xml version="1.0" encoding="utf-8"?>
-<p:sld xmlns:a="http://schemas.openxmlformats.org/drawingml/2006/main" xmlns:r="http://schemas.openxmlformats.org/officeDocument/2006/relationships" xmlns:p="http://schemas.openxmlformats.org/presentationml/2006/main">
-  <p:cSld>
-    <p:spTree>
-      <p:nvGrpSpPr>
-        <p:cNvPr id="1" name=""/>
-        <p:cNvGrpSpPr/>
-        <p:nvPr/>
-      </p:nvGrpSpPr>
-      <p:grpSpPr>
-        <a:xfrm>
-          <a:off x="0" y="0"/>
-          <a:ext cx="0" cy="0"/>
-          <a:chOff x="0" y="0"/>
-          <a:chExt cx="0" cy="0"/>
-        </a:xfrm>
-      </p:grpSpPr>
-      <p:sp>
-        <p:nvSpPr>
-          <p:cNvPr id="2" name="Título 1">
-            <a:extLst>
-              <a:ext uri="{FF2B5EF4-FFF2-40B4-BE49-F238E27FC236}">
-                <a16:creationId xmlns:a16="http://schemas.microsoft.com/office/drawing/2014/main" id="{B54FC2A3-365F-A36D-D841-7D40F51CD925}"/>
-              </a:ext>
-            </a:extLst>
-          </p:cNvPr>
-          <p:cNvSpPr>
-            <a:spLocks noGrp="1"/>
-          </p:cNvSpPr>
-          <p:nvPr>
-            <p:ph type="title"/>
-          </p:nvPr>
-        </p:nvSpPr>
-        <p:spPr/>
-        <p:txBody>
-          <a:bodyPr/>
-          <a:lstStyle/>
-          <a:p>
-            <a:r>
-              <a:rPr lang="es-ES" dirty="0"/>
-              <a:t>Demo de </a:t>
-            </a:r>
-            <a:br>
-              <a:rPr lang="es-ES" dirty="0"/>
-            </a:br>
-            <a:r>
-              <a:rPr lang="es-ES" dirty="0"/>
-              <a:t>la aplicación</a:t>
-            </a:r>
-          </a:p>
-        </p:txBody>
-      </p:sp>
-    </p:spTree>
-    <p:extLst>
-      <p:ext uri="{BB962C8B-B14F-4D97-AF65-F5344CB8AC3E}">
-        <p14:creationId xmlns:p14="http://schemas.microsoft.com/office/powerpoint/2010/main" val="307691439"/>
-      </p:ext>
-    </p:extLst>
-  </p:cSld>
-  <p:clrMapOvr>
-    <a:masterClrMapping/>
-  </p:clrMapOvr>
-</p:sld>
-</file>
-
-<file path=ppt/slides/slide27.xml><?xml version="1.0" encoding="utf-8"?>
 <p:sld xmlns:a="http://schemas.openxmlformats.org/drawingml/2006/main" xmlns:r="http://schemas.openxmlformats.org/officeDocument/2006/relationships" xmlns:p="http://schemas.openxmlformats.org/presentationml/2006/main">
   <p:cSld>
     <p:bg>
@@ -7567,6 +8948,65 @@
           </a:p>
         </p:txBody>
       </p:sp>
+      <p:sp>
+        <p:nvSpPr>
+          <p:cNvPr id="5" name="Marcador de pie de página 4">
+            <a:extLst>
+              <a:ext uri="{FF2B5EF4-FFF2-40B4-BE49-F238E27FC236}">
+                <a16:creationId xmlns:a16="http://schemas.microsoft.com/office/drawing/2014/main" id="{944AF06F-4C93-6A26-DDFA-98208D0D927A}"/>
+              </a:ext>
+            </a:extLst>
+          </p:cNvPr>
+          <p:cNvSpPr>
+            <a:spLocks noGrp="1"/>
+          </p:cNvSpPr>
+          <p:nvPr>
+            <p:ph type="ftr" sz="quarter" idx="11"/>
+          </p:nvPr>
+        </p:nvSpPr>
+        <p:spPr/>
+        <p:txBody>
+          <a:bodyPr/>
+          <a:lstStyle/>
+          <a:p>
+            <a:r>
+              <a:rPr lang="en-US"/>
+              <a:t>Alafia - Daniel García Alonso</a:t>
+            </a:r>
+            <a:endParaRPr lang="en-US" dirty="0"/>
+          </a:p>
+        </p:txBody>
+      </p:sp>
+      <p:sp>
+        <p:nvSpPr>
+          <p:cNvPr id="6" name="Marcador de número de diapositiva 5">
+            <a:extLst>
+              <a:ext uri="{FF2B5EF4-FFF2-40B4-BE49-F238E27FC236}">
+                <a16:creationId xmlns:a16="http://schemas.microsoft.com/office/drawing/2014/main" id="{A5C4CED4-0CCA-CE61-0E95-E0B6AE390CC3}"/>
+              </a:ext>
+            </a:extLst>
+          </p:cNvPr>
+          <p:cNvSpPr>
+            <a:spLocks noGrp="1"/>
+          </p:cNvSpPr>
+          <p:nvPr>
+            <p:ph type="sldNum" sz="quarter" idx="12"/>
+          </p:nvPr>
+        </p:nvSpPr>
+        <p:spPr/>
+        <p:txBody>
+          <a:bodyPr/>
+          <a:lstStyle/>
+          <a:p>
+            <a:fld id="{69E57DC2-970A-4B3E-BB1C-7A09969E49DF}" type="slidenum">
+              <a:rPr lang="en-US" smtClean="0"/>
+              <a:pPr/>
+              <a:t>26</a:t>
+            </a:fld>
+            <a:endParaRPr lang="en-US" dirty="0"/>
+          </a:p>
+        </p:txBody>
+      </p:sp>
     </p:spTree>
     <p:extLst>
       <p:ext uri="{BB962C8B-B14F-4D97-AF65-F5344CB8AC3E}">
@@ -7678,6 +9118,64 @@
           </a:p>
         </p:txBody>
       </p:sp>
+      <p:sp>
+        <p:nvSpPr>
+          <p:cNvPr id="5" name="Marcador de pie de página 4">
+            <a:extLst>
+              <a:ext uri="{FF2B5EF4-FFF2-40B4-BE49-F238E27FC236}">
+                <a16:creationId xmlns:a16="http://schemas.microsoft.com/office/drawing/2014/main" id="{F759D228-6632-7B4A-1405-970B3F5B97BB}"/>
+              </a:ext>
+            </a:extLst>
+          </p:cNvPr>
+          <p:cNvSpPr>
+            <a:spLocks noGrp="1"/>
+          </p:cNvSpPr>
+          <p:nvPr>
+            <p:ph type="ftr" sz="quarter" idx="11"/>
+          </p:nvPr>
+        </p:nvSpPr>
+        <p:spPr/>
+        <p:txBody>
+          <a:bodyPr/>
+          <a:lstStyle/>
+          <a:p>
+            <a:r>
+              <a:rPr lang="en-US"/>
+              <a:t>Alafia - Daniel García Alonso</a:t>
+            </a:r>
+            <a:endParaRPr lang="en-US" dirty="0"/>
+          </a:p>
+        </p:txBody>
+      </p:sp>
+      <p:sp>
+        <p:nvSpPr>
+          <p:cNvPr id="6" name="Marcador de número de diapositiva 5">
+            <a:extLst>
+              <a:ext uri="{FF2B5EF4-FFF2-40B4-BE49-F238E27FC236}">
+                <a16:creationId xmlns:a16="http://schemas.microsoft.com/office/drawing/2014/main" id="{471C7B0B-33B1-24DC-89CC-CB7462918981}"/>
+              </a:ext>
+            </a:extLst>
+          </p:cNvPr>
+          <p:cNvSpPr>
+            <a:spLocks noGrp="1"/>
+          </p:cNvSpPr>
+          <p:nvPr>
+            <p:ph type="sldNum" sz="quarter" idx="12"/>
+          </p:nvPr>
+        </p:nvSpPr>
+        <p:spPr/>
+        <p:txBody>
+          <a:bodyPr/>
+          <a:lstStyle/>
+          <a:p>
+            <a:fld id="{69E57DC2-970A-4B3E-BB1C-7A09969E49DF}" type="slidenum">
+              <a:rPr lang="en-US" smtClean="0"/>
+              <a:t>3</a:t>
+            </a:fld>
+            <a:endParaRPr lang="en-US" dirty="0"/>
+          </a:p>
+        </p:txBody>
+      </p:sp>
     </p:spTree>
     <p:extLst>
       <p:ext uri="{BB962C8B-B14F-4D97-AF65-F5344CB8AC3E}">
@@ -7713,7 +9211,7 @@
           <p:cNvPr id="2" name="Título 1">
             <a:extLst>
               <a:ext uri="{FF2B5EF4-FFF2-40B4-BE49-F238E27FC236}">
-                <a16:creationId xmlns:a16="http://schemas.microsoft.com/office/drawing/2014/main" id="{0EEC7A42-83B6-4EF0-21C1-5F35C3370122}"/>
+                <a16:creationId xmlns:a16="http://schemas.microsoft.com/office/drawing/2014/main" id="{27EAB16B-9DE0-AA85-603B-D3B04132596B}"/>
               </a:ext>
             </a:extLst>
           </p:cNvPr>
@@ -7724,12 +9222,7 @@
             <p:ph type="title"/>
           </p:nvPr>
         </p:nvSpPr>
-        <p:spPr>
-          <a:xfrm>
-            <a:off x="1371600" y="685799"/>
-            <a:ext cx="9601200" cy="1663117"/>
-          </a:xfrm>
-        </p:spPr>
+        <p:spPr/>
         <p:txBody>
           <a:bodyPr>
             <a:normAutofit/>
@@ -7738,17 +9231,17 @@
           <a:p>
             <a:r>
               <a:rPr lang="es-ES" sz="5400" dirty="0"/>
-              <a:t>Proceso de los clientes en el restaurante</a:t>
-            </a:r>
-          </a:p>
-        </p:txBody>
-      </p:sp>
-      <p:sp>
-        <p:nvSpPr>
-          <p:cNvPr id="4" name="Marcador de contenido 3">
-            <a:extLst>
-              <a:ext uri="{FF2B5EF4-FFF2-40B4-BE49-F238E27FC236}">
-                <a16:creationId xmlns:a16="http://schemas.microsoft.com/office/drawing/2014/main" id="{DED270C5-4B65-A62B-2D92-50DF9D9BA7B5}"/>
+              <a:t>Objetivos del Proyecto</a:t>
+            </a:r>
+          </a:p>
+        </p:txBody>
+      </p:sp>
+      <p:sp>
+        <p:nvSpPr>
+          <p:cNvPr id="3" name="Marcador de contenido 2">
+            <a:extLst>
+              <a:ext uri="{FF2B5EF4-FFF2-40B4-BE49-F238E27FC236}">
+                <a16:creationId xmlns:a16="http://schemas.microsoft.com/office/drawing/2014/main" id="{1C668A8A-FB91-638F-D438-36C0540DF5F4}"/>
               </a:ext>
             </a:extLst>
           </p:cNvPr>
@@ -7761,8 +9254,8 @@
         </p:nvSpPr>
         <p:spPr>
           <a:xfrm>
-            <a:off x="1371600" y="2590801"/>
-            <a:ext cx="9601200" cy="3581400"/>
+            <a:off x="1371600" y="1992384"/>
+            <a:ext cx="9601200" cy="4072855"/>
           </a:xfrm>
         </p:spPr>
         <p:txBody>
@@ -7773,33 +9266,111 @@
           <a:p>
             <a:r>
               <a:rPr lang="es-ES" sz="3200" dirty="0"/>
-              <a:t>Bienvenida a los clientes en el restaurante</a:t>
-            </a:r>
-          </a:p>
-          <a:p>
+              <a:t>El desarrollo full-stack de una aplicación web </a:t>
+            </a:r>
+          </a:p>
+          <a:p>
+            <a:pPr lvl="1"/>
             <a:r>
               <a:rPr lang="es-ES" sz="3200" dirty="0"/>
-              <a:t>Colocación de los clientes en la mesa</a:t>
-            </a:r>
-          </a:p>
-          <a:p>
+              <a:t>Definición de funcionalidades</a:t>
+            </a:r>
+          </a:p>
+          <a:p>
+            <a:pPr lvl="1"/>
             <a:r>
               <a:rPr lang="es-ES" sz="3200" dirty="0"/>
-              <a:t>Confirmación de los clientes en su asiento</a:t>
-            </a:r>
-          </a:p>
-          <a:p>
+              <a:t>Modelado de datos</a:t>
+            </a:r>
+          </a:p>
+          <a:p>
+            <a:pPr lvl="1"/>
             <a:r>
               <a:rPr lang="es-ES" sz="3200" dirty="0"/>
-              <a:t>Los clientes tienen disponible el menu principal de la aplicación</a:t>
-            </a:r>
+              <a:t>Back End</a:t>
+            </a:r>
+          </a:p>
+          <a:p>
+            <a:pPr lvl="1"/>
+            <a:r>
+              <a:rPr lang="es-ES" sz="3200" dirty="0"/>
+              <a:t>Front End</a:t>
+            </a:r>
+          </a:p>
+          <a:p>
+            <a:pPr lvl="1"/>
+            <a:endParaRPr lang="es-ES" sz="100" dirty="0"/>
+          </a:p>
+          <a:p>
+            <a:r>
+              <a:rPr lang="es-ES" sz="3200" dirty="0"/>
+              <a:t>Medición del impacto social tras el paso por el restaurante</a:t>
+            </a:r>
+          </a:p>
+        </p:txBody>
+      </p:sp>
+      <p:sp>
+        <p:nvSpPr>
+          <p:cNvPr id="5" name="Marcador de pie de página 4">
+            <a:extLst>
+              <a:ext uri="{FF2B5EF4-FFF2-40B4-BE49-F238E27FC236}">
+                <a16:creationId xmlns:a16="http://schemas.microsoft.com/office/drawing/2014/main" id="{90950131-097C-AE61-251A-5E8BC09E31F4}"/>
+              </a:ext>
+            </a:extLst>
+          </p:cNvPr>
+          <p:cNvSpPr>
+            <a:spLocks noGrp="1"/>
+          </p:cNvSpPr>
+          <p:nvPr>
+            <p:ph type="ftr" sz="quarter" idx="11"/>
+          </p:nvPr>
+        </p:nvSpPr>
+        <p:spPr/>
+        <p:txBody>
+          <a:bodyPr/>
+          <a:lstStyle/>
+          <a:p>
+            <a:r>
+              <a:rPr lang="en-US"/>
+              <a:t>Alafia - Daniel García Alonso</a:t>
+            </a:r>
+            <a:endParaRPr lang="en-US" dirty="0"/>
+          </a:p>
+        </p:txBody>
+      </p:sp>
+      <p:sp>
+        <p:nvSpPr>
+          <p:cNvPr id="6" name="Marcador de número de diapositiva 5">
+            <a:extLst>
+              <a:ext uri="{FF2B5EF4-FFF2-40B4-BE49-F238E27FC236}">
+                <a16:creationId xmlns:a16="http://schemas.microsoft.com/office/drawing/2014/main" id="{30C83B2A-FF7B-5AA4-CB21-9D44D04D8186}"/>
+              </a:ext>
+            </a:extLst>
+          </p:cNvPr>
+          <p:cNvSpPr>
+            <a:spLocks noGrp="1"/>
+          </p:cNvSpPr>
+          <p:nvPr>
+            <p:ph type="sldNum" sz="quarter" idx="12"/>
+          </p:nvPr>
+        </p:nvSpPr>
+        <p:spPr/>
+        <p:txBody>
+          <a:bodyPr/>
+          <a:lstStyle/>
+          <a:p>
+            <a:fld id="{69E57DC2-970A-4B3E-BB1C-7A09969E49DF}" type="slidenum">
+              <a:rPr lang="en-US" smtClean="0"/>
+              <a:t>4</a:t>
+            </a:fld>
+            <a:endParaRPr lang="en-US" dirty="0"/>
           </a:p>
         </p:txBody>
       </p:sp>
     </p:spTree>
     <p:extLst>
       <p:ext uri="{BB962C8B-B14F-4D97-AF65-F5344CB8AC3E}">
-        <p14:creationId xmlns:p14="http://schemas.microsoft.com/office/powerpoint/2010/main" val="1903901929"/>
+        <p14:creationId xmlns:p14="http://schemas.microsoft.com/office/powerpoint/2010/main" val="385502467"/>
       </p:ext>
     </p:extLst>
   </p:cSld>
@@ -7831,7 +9402,7 @@
           <p:cNvPr id="2" name="Título 1">
             <a:extLst>
               <a:ext uri="{FF2B5EF4-FFF2-40B4-BE49-F238E27FC236}">
-                <a16:creationId xmlns:a16="http://schemas.microsoft.com/office/drawing/2014/main" id="{27EAB16B-9DE0-AA85-603B-D3B04132596B}"/>
+                <a16:creationId xmlns:a16="http://schemas.microsoft.com/office/drawing/2014/main" id="{B54FC2A3-365F-A36D-D841-7D40F51CD925}"/>
               </a:ext>
             </a:extLst>
           </p:cNvPr>
@@ -7844,95 +9415,86 @@
         </p:nvSpPr>
         <p:spPr/>
         <p:txBody>
-          <a:bodyPr>
-            <a:normAutofit/>
-          </a:bodyPr>
-          <a:lstStyle/>
-          <a:p>
-            <a:r>
-              <a:rPr lang="es-ES" sz="5400" dirty="0"/>
-              <a:t>Objetivos del Proyecto</a:t>
-            </a:r>
-          </a:p>
-        </p:txBody>
-      </p:sp>
-      <p:sp>
-        <p:nvSpPr>
-          <p:cNvPr id="3" name="Marcador de contenido 2">
-            <a:extLst>
-              <a:ext uri="{FF2B5EF4-FFF2-40B4-BE49-F238E27FC236}">
-                <a16:creationId xmlns:a16="http://schemas.microsoft.com/office/drawing/2014/main" id="{1C668A8A-FB91-638F-D438-36C0540DF5F4}"/>
-              </a:ext>
-            </a:extLst>
-          </p:cNvPr>
-          <p:cNvSpPr>
-            <a:spLocks noGrp="1"/>
-          </p:cNvSpPr>
-          <p:nvPr>
-            <p:ph idx="1"/>
-          </p:nvPr>
-        </p:nvSpPr>
-        <p:spPr>
-          <a:xfrm>
-            <a:off x="1371600" y="1992384"/>
-            <a:ext cx="9601200" cy="4072855"/>
-          </a:xfrm>
-        </p:spPr>
-        <p:txBody>
-          <a:bodyPr>
-            <a:normAutofit/>
-          </a:bodyPr>
-          <a:lstStyle/>
-          <a:p>
-            <a:r>
-              <a:rPr lang="es-ES" sz="3200" dirty="0"/>
-              <a:t>El desarrollo full-stack de una aplicación web </a:t>
-            </a:r>
-          </a:p>
-          <a:p>
-            <a:pPr lvl="1"/>
-            <a:r>
-              <a:rPr lang="es-ES" sz="3200" dirty="0"/>
-              <a:t>Definición de funcionalidades</a:t>
-            </a:r>
-          </a:p>
-          <a:p>
-            <a:pPr lvl="1"/>
-            <a:r>
-              <a:rPr lang="es-ES" sz="3200" dirty="0"/>
-              <a:t>Modelado de datos</a:t>
-            </a:r>
-          </a:p>
-          <a:p>
-            <a:pPr lvl="1"/>
-            <a:r>
-              <a:rPr lang="es-ES" sz="3200" dirty="0"/>
-              <a:t>Back End</a:t>
-            </a:r>
-          </a:p>
-          <a:p>
-            <a:pPr lvl="1"/>
-            <a:r>
-              <a:rPr lang="es-ES" sz="3200" dirty="0"/>
-              <a:t>Front End</a:t>
-            </a:r>
-          </a:p>
-          <a:p>
-            <a:pPr lvl="1"/>
-            <a:endParaRPr lang="es-ES" sz="100" dirty="0"/>
-          </a:p>
-          <a:p>
-            <a:r>
-              <a:rPr lang="es-ES" sz="3200" dirty="0"/>
-              <a:t>Medición del impacto social tras el paso por el restaurante</a:t>
-            </a:r>
+          <a:bodyPr/>
+          <a:lstStyle/>
+          <a:p>
+            <a:r>
+              <a:rPr lang="es-ES" dirty="0"/>
+              <a:t>Demo de </a:t>
+            </a:r>
+            <a:br>
+              <a:rPr lang="es-ES" dirty="0"/>
+            </a:br>
+            <a:r>
+              <a:rPr lang="es-ES" dirty="0"/>
+              <a:t>la aplicación</a:t>
+            </a:r>
+          </a:p>
+        </p:txBody>
+      </p:sp>
+      <p:sp>
+        <p:nvSpPr>
+          <p:cNvPr id="4" name="Marcador de pie de página 3">
+            <a:extLst>
+              <a:ext uri="{FF2B5EF4-FFF2-40B4-BE49-F238E27FC236}">
+                <a16:creationId xmlns:a16="http://schemas.microsoft.com/office/drawing/2014/main" id="{A0E7B56F-D2EA-E14C-3C99-3CFE48E86611}"/>
+              </a:ext>
+            </a:extLst>
+          </p:cNvPr>
+          <p:cNvSpPr>
+            <a:spLocks noGrp="1"/>
+          </p:cNvSpPr>
+          <p:nvPr>
+            <p:ph type="ftr" sz="quarter" idx="11"/>
+          </p:nvPr>
+        </p:nvSpPr>
+        <p:spPr/>
+        <p:txBody>
+          <a:bodyPr/>
+          <a:lstStyle/>
+          <a:p>
+            <a:r>
+              <a:rPr lang="en-US"/>
+              <a:t>Alafia - Daniel García Alonso</a:t>
+            </a:r>
+            <a:endParaRPr lang="en-US" dirty="0"/>
+          </a:p>
+        </p:txBody>
+      </p:sp>
+      <p:sp>
+        <p:nvSpPr>
+          <p:cNvPr id="5" name="Marcador de número de diapositiva 4">
+            <a:extLst>
+              <a:ext uri="{FF2B5EF4-FFF2-40B4-BE49-F238E27FC236}">
+                <a16:creationId xmlns:a16="http://schemas.microsoft.com/office/drawing/2014/main" id="{654C1F7B-FA45-88A1-E29B-4F8A9D93C6B4}"/>
+              </a:ext>
+            </a:extLst>
+          </p:cNvPr>
+          <p:cNvSpPr>
+            <a:spLocks noGrp="1"/>
+          </p:cNvSpPr>
+          <p:nvPr>
+            <p:ph type="sldNum" sz="quarter" idx="12"/>
+          </p:nvPr>
+        </p:nvSpPr>
+        <p:spPr/>
+        <p:txBody>
+          <a:bodyPr/>
+          <a:lstStyle/>
+          <a:p>
+            <a:fld id="{69E57DC2-970A-4B3E-BB1C-7A09969E49DF}" type="slidenum">
+              <a:rPr lang="en-US" smtClean="0"/>
+              <a:pPr/>
+              <a:t>5</a:t>
+            </a:fld>
+            <a:endParaRPr lang="en-US" dirty="0"/>
           </a:p>
         </p:txBody>
       </p:sp>
     </p:spTree>
     <p:extLst>
       <p:ext uri="{BB962C8B-B14F-4D97-AF65-F5344CB8AC3E}">
-        <p14:creationId xmlns:p14="http://schemas.microsoft.com/office/powerpoint/2010/main" val="385502467"/>
+        <p14:creationId xmlns:p14="http://schemas.microsoft.com/office/powerpoint/2010/main" val="763756529"/>
       </p:ext>
     </p:extLst>
   </p:cSld>
@@ -8005,6 +9567,65 @@
               <a:rPr lang="es-ES" dirty="0"/>
               <a:t>en el mercado</a:t>
             </a:r>
+          </a:p>
+        </p:txBody>
+      </p:sp>
+      <p:sp>
+        <p:nvSpPr>
+          <p:cNvPr id="4" name="Marcador de pie de página 3">
+            <a:extLst>
+              <a:ext uri="{FF2B5EF4-FFF2-40B4-BE49-F238E27FC236}">
+                <a16:creationId xmlns:a16="http://schemas.microsoft.com/office/drawing/2014/main" id="{A1A7AAAF-24A4-1284-19C5-84815CAF698B}"/>
+              </a:ext>
+            </a:extLst>
+          </p:cNvPr>
+          <p:cNvSpPr>
+            <a:spLocks noGrp="1"/>
+          </p:cNvSpPr>
+          <p:nvPr>
+            <p:ph type="ftr" sz="quarter" idx="11"/>
+          </p:nvPr>
+        </p:nvSpPr>
+        <p:spPr/>
+        <p:txBody>
+          <a:bodyPr/>
+          <a:lstStyle/>
+          <a:p>
+            <a:r>
+              <a:rPr lang="en-US"/>
+              <a:t>Alafia - Daniel García Alonso</a:t>
+            </a:r>
+            <a:endParaRPr lang="en-US" dirty="0"/>
+          </a:p>
+        </p:txBody>
+      </p:sp>
+      <p:sp>
+        <p:nvSpPr>
+          <p:cNvPr id="5" name="Marcador de número de diapositiva 4">
+            <a:extLst>
+              <a:ext uri="{FF2B5EF4-FFF2-40B4-BE49-F238E27FC236}">
+                <a16:creationId xmlns:a16="http://schemas.microsoft.com/office/drawing/2014/main" id="{2FF0B4D9-ACE3-7F84-C48C-265440BE1223}"/>
+              </a:ext>
+            </a:extLst>
+          </p:cNvPr>
+          <p:cNvSpPr>
+            <a:spLocks noGrp="1"/>
+          </p:cNvSpPr>
+          <p:nvPr>
+            <p:ph type="sldNum" sz="quarter" idx="12"/>
+          </p:nvPr>
+        </p:nvSpPr>
+        <p:spPr/>
+        <p:txBody>
+          <a:bodyPr/>
+          <a:lstStyle/>
+          <a:p>
+            <a:fld id="{69E57DC2-970A-4B3E-BB1C-7A09969E49DF}" type="slidenum">
+              <a:rPr lang="en-US" smtClean="0"/>
+              <a:pPr/>
+              <a:t>6</a:t>
+            </a:fld>
+            <a:endParaRPr lang="en-US" dirty="0"/>
           </a:p>
         </p:txBody>
       </p:sp>
@@ -8200,6 +9821,64 @@
           </a:prstGeom>
         </p:spPr>
       </p:pic>
+      <p:sp>
+        <p:nvSpPr>
+          <p:cNvPr id="5" name="Marcador de pie de página 4">
+            <a:extLst>
+              <a:ext uri="{FF2B5EF4-FFF2-40B4-BE49-F238E27FC236}">
+                <a16:creationId xmlns:a16="http://schemas.microsoft.com/office/drawing/2014/main" id="{6E5A8D75-218B-113D-3668-07222A1E6EA8}"/>
+              </a:ext>
+            </a:extLst>
+          </p:cNvPr>
+          <p:cNvSpPr>
+            <a:spLocks noGrp="1"/>
+          </p:cNvSpPr>
+          <p:nvPr>
+            <p:ph type="ftr" sz="quarter" idx="11"/>
+          </p:nvPr>
+        </p:nvSpPr>
+        <p:spPr/>
+        <p:txBody>
+          <a:bodyPr/>
+          <a:lstStyle/>
+          <a:p>
+            <a:r>
+              <a:rPr lang="en-US"/>
+              <a:t>Alafia - Daniel García Alonso</a:t>
+            </a:r>
+            <a:endParaRPr lang="en-US" dirty="0"/>
+          </a:p>
+        </p:txBody>
+      </p:sp>
+      <p:sp>
+        <p:nvSpPr>
+          <p:cNvPr id="6" name="Marcador de número de diapositiva 5">
+            <a:extLst>
+              <a:ext uri="{FF2B5EF4-FFF2-40B4-BE49-F238E27FC236}">
+                <a16:creationId xmlns:a16="http://schemas.microsoft.com/office/drawing/2014/main" id="{2537CD11-7524-5E8B-565B-579D2B39D747}"/>
+              </a:ext>
+            </a:extLst>
+          </p:cNvPr>
+          <p:cNvSpPr>
+            <a:spLocks noGrp="1"/>
+          </p:cNvSpPr>
+          <p:nvPr>
+            <p:ph type="sldNum" sz="quarter" idx="12"/>
+          </p:nvPr>
+        </p:nvSpPr>
+        <p:spPr/>
+        <p:txBody>
+          <a:bodyPr/>
+          <a:lstStyle/>
+          <a:p>
+            <a:fld id="{69E57DC2-970A-4B3E-BB1C-7A09969E49DF}" type="slidenum">
+              <a:rPr lang="en-US" smtClean="0"/>
+              <a:t>7</a:t>
+            </a:fld>
+            <a:endParaRPr lang="en-US" dirty="0"/>
+          </a:p>
+        </p:txBody>
+      </p:sp>
     </p:spTree>
     <p:extLst>
       <p:ext uri="{BB962C8B-B14F-4D97-AF65-F5344CB8AC3E}">
@@ -8406,6 +10085,64 @@
           </a:prstGeom>
         </p:spPr>
       </p:pic>
+      <p:sp>
+        <p:nvSpPr>
+          <p:cNvPr id="6" name="Marcador de pie de página 5">
+            <a:extLst>
+              <a:ext uri="{FF2B5EF4-FFF2-40B4-BE49-F238E27FC236}">
+                <a16:creationId xmlns:a16="http://schemas.microsoft.com/office/drawing/2014/main" id="{7E127F8D-9F33-D369-B877-A29407A4CF6A}"/>
+              </a:ext>
+            </a:extLst>
+          </p:cNvPr>
+          <p:cNvSpPr>
+            <a:spLocks noGrp="1"/>
+          </p:cNvSpPr>
+          <p:nvPr>
+            <p:ph type="ftr" sz="quarter" idx="11"/>
+          </p:nvPr>
+        </p:nvSpPr>
+        <p:spPr/>
+        <p:txBody>
+          <a:bodyPr/>
+          <a:lstStyle/>
+          <a:p>
+            <a:r>
+              <a:rPr lang="en-US"/>
+              <a:t>Alafia - Daniel García Alonso</a:t>
+            </a:r>
+            <a:endParaRPr lang="en-US" dirty="0"/>
+          </a:p>
+        </p:txBody>
+      </p:sp>
+      <p:sp>
+        <p:nvSpPr>
+          <p:cNvPr id="8" name="Marcador de número de diapositiva 7">
+            <a:extLst>
+              <a:ext uri="{FF2B5EF4-FFF2-40B4-BE49-F238E27FC236}">
+                <a16:creationId xmlns:a16="http://schemas.microsoft.com/office/drawing/2014/main" id="{A49E433A-22BF-7893-49C3-C779782DD64C}"/>
+              </a:ext>
+            </a:extLst>
+          </p:cNvPr>
+          <p:cNvSpPr>
+            <a:spLocks noGrp="1"/>
+          </p:cNvSpPr>
+          <p:nvPr>
+            <p:ph type="sldNum" sz="quarter" idx="12"/>
+          </p:nvPr>
+        </p:nvSpPr>
+        <p:spPr/>
+        <p:txBody>
+          <a:bodyPr/>
+          <a:lstStyle/>
+          <a:p>
+            <a:fld id="{69E57DC2-970A-4B3E-BB1C-7A09969E49DF}" type="slidenum">
+              <a:rPr lang="en-US" smtClean="0"/>
+              <a:t>8</a:t>
+            </a:fld>
+            <a:endParaRPr lang="en-US" dirty="0"/>
+          </a:p>
+        </p:txBody>
+      </p:sp>
     </p:spTree>
     <p:extLst>
       <p:ext uri="{BB962C8B-B14F-4D97-AF65-F5344CB8AC3E}">
@@ -8564,6 +10301,64 @@
           </a:prstGeom>
         </p:spPr>
       </p:pic>
+      <p:sp>
+        <p:nvSpPr>
+          <p:cNvPr id="6" name="Marcador de pie de página 5">
+            <a:extLst>
+              <a:ext uri="{FF2B5EF4-FFF2-40B4-BE49-F238E27FC236}">
+                <a16:creationId xmlns:a16="http://schemas.microsoft.com/office/drawing/2014/main" id="{04D0010E-00D9-1456-4DDF-8D951222CA36}"/>
+              </a:ext>
+            </a:extLst>
+          </p:cNvPr>
+          <p:cNvSpPr>
+            <a:spLocks noGrp="1"/>
+          </p:cNvSpPr>
+          <p:nvPr>
+            <p:ph type="ftr" sz="quarter" idx="11"/>
+          </p:nvPr>
+        </p:nvSpPr>
+        <p:spPr/>
+        <p:txBody>
+          <a:bodyPr/>
+          <a:lstStyle/>
+          <a:p>
+            <a:r>
+              <a:rPr lang="en-US"/>
+              <a:t>Alafia - Daniel García Alonso</a:t>
+            </a:r>
+            <a:endParaRPr lang="en-US" dirty="0"/>
+          </a:p>
+        </p:txBody>
+      </p:sp>
+      <p:sp>
+        <p:nvSpPr>
+          <p:cNvPr id="8" name="Marcador de número de diapositiva 7">
+            <a:extLst>
+              <a:ext uri="{FF2B5EF4-FFF2-40B4-BE49-F238E27FC236}">
+                <a16:creationId xmlns:a16="http://schemas.microsoft.com/office/drawing/2014/main" id="{A8C66C98-EC28-381A-F6D1-5B4BC8E003BF}"/>
+              </a:ext>
+            </a:extLst>
+          </p:cNvPr>
+          <p:cNvSpPr>
+            <a:spLocks noGrp="1"/>
+          </p:cNvSpPr>
+          <p:nvPr>
+            <p:ph type="sldNum" sz="quarter" idx="12"/>
+          </p:nvPr>
+        </p:nvSpPr>
+        <p:spPr/>
+        <p:txBody>
+          <a:bodyPr/>
+          <a:lstStyle/>
+          <a:p>
+            <a:fld id="{69E57DC2-970A-4B3E-BB1C-7A09969E49DF}" type="slidenum">
+              <a:rPr lang="en-US" smtClean="0"/>
+              <a:t>9</a:t>
+            </a:fld>
+            <a:endParaRPr lang="en-US" dirty="0"/>
+          </a:p>
+        </p:txBody>
+      </p:sp>
     </p:spTree>
     <p:extLst>
       <p:ext uri="{BB962C8B-B14F-4D97-AF65-F5344CB8AC3E}">
@@ -8833,4 +10628,299 @@
     </a:ext>
   </a:extLst>
 </a:theme>
+</file>
+
+<file path=ppt/theme/theme2.xml><?xml version="1.0" encoding="utf-8"?>
+<a:theme xmlns:a="http://schemas.openxmlformats.org/drawingml/2006/main" name="Tema de Office">
+  <a:themeElements>
+    <a:clrScheme name="Office">
+      <a:dk1>
+        <a:sysClr val="windowText" lastClr="000000"/>
+      </a:dk1>
+      <a:lt1>
+        <a:sysClr val="window" lastClr="FFFFFF"/>
+      </a:lt1>
+      <a:dk2>
+        <a:srgbClr val="44546A"/>
+      </a:dk2>
+      <a:lt2>
+        <a:srgbClr val="E7E6E6"/>
+      </a:lt2>
+      <a:accent1>
+        <a:srgbClr val="4472C4"/>
+      </a:accent1>
+      <a:accent2>
+        <a:srgbClr val="ED7D31"/>
+      </a:accent2>
+      <a:accent3>
+        <a:srgbClr val="A5A5A5"/>
+      </a:accent3>
+      <a:accent4>
+        <a:srgbClr val="FFC000"/>
+      </a:accent4>
+      <a:accent5>
+        <a:srgbClr val="5B9BD5"/>
+      </a:accent5>
+      <a:accent6>
+        <a:srgbClr val="70AD47"/>
+      </a:accent6>
+      <a:hlink>
+        <a:srgbClr val="0563C1"/>
+      </a:hlink>
+      <a:folHlink>
+        <a:srgbClr val="954F72"/>
+      </a:folHlink>
+    </a:clrScheme>
+    <a:fontScheme name="Office">
+      <a:majorFont>
+        <a:latin typeface="Calibri Light" panose="020F0302020204030204"/>
+        <a:ea typeface=""/>
+        <a:cs typeface=""/>
+        <a:font script="Jpan" typeface="游ゴシック Light"/>
+        <a:font script="Hang" typeface="맑은 고딕"/>
+        <a:font script="Hans" typeface="等线 Light"/>
+        <a:font script="Hant" typeface="新細明體"/>
+        <a:font script="Arab" typeface="Times New Roman"/>
+        <a:font script="Hebr" typeface="Times New Roman"/>
+        <a:font script="Thai" typeface="Angsana New"/>
+        <a:font script="Ethi" typeface="Nyala"/>
+        <a:font script="Beng" typeface="Vrinda"/>
+        <a:font script="Gujr" typeface="Shruti"/>
+        <a:font script="Khmr" typeface="MoolBoran"/>
+        <a:font script="Knda" typeface="Tunga"/>
+        <a:font script="Guru" typeface="Raavi"/>
+        <a:font script="Cans" typeface="Euphemia"/>
+        <a:font script="Cher" typeface="Plantagenet Cherokee"/>
+        <a:font script="Yiii" typeface="Microsoft Yi Baiti"/>
+        <a:font script="Tibt" typeface="Microsoft Himalaya"/>
+        <a:font script="Thaa" typeface="MV Boli"/>
+        <a:font script="Deva" typeface="Mangal"/>
+        <a:font script="Telu" typeface="Gautami"/>
+        <a:font script="Taml" typeface="Latha"/>
+        <a:font script="Syrc" typeface="Estrangelo Edessa"/>
+        <a:font script="Orya" typeface="Kalinga"/>
+        <a:font script="Mlym" typeface="Kartika"/>
+        <a:font script="Laoo" typeface="DokChampa"/>
+        <a:font script="Sinh" typeface="Iskoola Pota"/>
+        <a:font script="Mong" typeface="Mongolian Baiti"/>
+        <a:font script="Viet" typeface="Times New Roman"/>
+        <a:font script="Uigh" typeface="Microsoft Uighur"/>
+        <a:font script="Geor" typeface="Sylfaen"/>
+        <a:font script="Armn" typeface="Arial"/>
+        <a:font script="Bugi" typeface="Leelawadee UI"/>
+        <a:font script="Bopo" typeface="Microsoft JhengHei"/>
+        <a:font script="Java" typeface="Javanese Text"/>
+        <a:font script="Lisu" typeface="Segoe UI"/>
+        <a:font script="Mymr" typeface="Myanmar Text"/>
+        <a:font script="Nkoo" typeface="Ebrima"/>
+        <a:font script="Olck" typeface="Nirmala UI"/>
+        <a:font script="Osma" typeface="Ebrima"/>
+        <a:font script="Phag" typeface="Phagspa"/>
+        <a:font script="Syrn" typeface="Estrangelo Edessa"/>
+        <a:font script="Syrj" typeface="Estrangelo Edessa"/>
+        <a:font script="Syre" typeface="Estrangelo Edessa"/>
+        <a:font script="Sora" typeface="Nirmala UI"/>
+        <a:font script="Tale" typeface="Microsoft Tai Le"/>
+        <a:font script="Talu" typeface="Microsoft New Tai Lue"/>
+        <a:font script="Tfng" typeface="Ebrima"/>
+      </a:majorFont>
+      <a:minorFont>
+        <a:latin typeface="Calibri" panose="020F0502020204030204"/>
+        <a:ea typeface=""/>
+        <a:cs typeface=""/>
+        <a:font script="Jpan" typeface="游ゴシック"/>
+        <a:font script="Hang" typeface="맑은 고딕"/>
+        <a:font script="Hans" typeface="等线"/>
+        <a:font script="Hant" typeface="新細明體"/>
+        <a:font script="Arab" typeface="Arial"/>
+        <a:font script="Hebr" typeface="Arial"/>
+        <a:font script="Thai" typeface="Cordia New"/>
+        <a:font script="Ethi" typeface="Nyala"/>
+        <a:font script="Beng" typeface="Vrinda"/>
+        <a:font script="Gujr" typeface="Shruti"/>
+        <a:font script="Khmr" typeface="DaunPenh"/>
+        <a:font script="Knda" typeface="Tunga"/>
+        <a:font script="Guru" typeface="Raavi"/>
+        <a:font script="Cans" typeface="Euphemia"/>
+        <a:font script="Cher" typeface="Plantagenet Cherokee"/>
+        <a:font script="Yiii" typeface="Microsoft Yi Baiti"/>
+        <a:font script="Tibt" typeface="Microsoft Himalaya"/>
+        <a:font script="Thaa" typeface="MV Boli"/>
+        <a:font script="Deva" typeface="Mangal"/>
+        <a:font script="Telu" typeface="Gautami"/>
+        <a:font script="Taml" typeface="Latha"/>
+        <a:font script="Syrc" typeface="Estrangelo Edessa"/>
+        <a:font script="Orya" typeface="Kalinga"/>
+        <a:font script="Mlym" typeface="Kartika"/>
+        <a:font script="Laoo" typeface="DokChampa"/>
+        <a:font script="Sinh" typeface="Iskoola Pota"/>
+        <a:font script="Mong" typeface="Mongolian Baiti"/>
+        <a:font script="Viet" typeface="Arial"/>
+        <a:font script="Uigh" typeface="Microsoft Uighur"/>
+        <a:font script="Geor" typeface="Sylfaen"/>
+        <a:font script="Armn" typeface="Arial"/>
+        <a:font script="Bugi" typeface="Leelawadee UI"/>
+        <a:font script="Bopo" typeface="Microsoft JhengHei"/>
+        <a:font script="Java" typeface="Javanese Text"/>
+        <a:font script="Lisu" typeface="Segoe UI"/>
+        <a:font script="Mymr" typeface="Myanmar Text"/>
+        <a:font script="Nkoo" typeface="Ebrima"/>
+        <a:font script="Olck" typeface="Nirmala UI"/>
+        <a:font script="Osma" typeface="Ebrima"/>
+        <a:font script="Phag" typeface="Phagspa"/>
+        <a:font script="Syrn" typeface="Estrangelo Edessa"/>
+        <a:font script="Syrj" typeface="Estrangelo Edessa"/>
+        <a:font script="Syre" typeface="Estrangelo Edessa"/>
+        <a:font script="Sora" typeface="Nirmala UI"/>
+        <a:font script="Tale" typeface="Microsoft Tai Le"/>
+        <a:font script="Talu" typeface="Microsoft New Tai Lue"/>
+        <a:font script="Tfng" typeface="Ebrima"/>
+      </a:minorFont>
+    </a:fontScheme>
+    <a:fmtScheme name="Office">
+      <a:fillStyleLst>
+        <a:solidFill>
+          <a:schemeClr val="phClr"/>
+        </a:solidFill>
+        <a:gradFill rotWithShape="1">
+          <a:gsLst>
+            <a:gs pos="0">
+              <a:schemeClr val="phClr">
+                <a:lumMod val="110000"/>
+                <a:satMod val="105000"/>
+                <a:tint val="67000"/>
+              </a:schemeClr>
+            </a:gs>
+            <a:gs pos="50000">
+              <a:schemeClr val="phClr">
+                <a:lumMod val="105000"/>
+                <a:satMod val="103000"/>
+                <a:tint val="73000"/>
+              </a:schemeClr>
+            </a:gs>
+            <a:gs pos="100000">
+              <a:schemeClr val="phClr">
+                <a:lumMod val="105000"/>
+                <a:satMod val="109000"/>
+                <a:tint val="81000"/>
+              </a:schemeClr>
+            </a:gs>
+          </a:gsLst>
+          <a:lin ang="5400000" scaled="0"/>
+        </a:gradFill>
+        <a:gradFill rotWithShape="1">
+          <a:gsLst>
+            <a:gs pos="0">
+              <a:schemeClr val="phClr">
+                <a:satMod val="103000"/>
+                <a:lumMod val="102000"/>
+                <a:tint val="94000"/>
+              </a:schemeClr>
+            </a:gs>
+            <a:gs pos="50000">
+              <a:schemeClr val="phClr">
+                <a:satMod val="110000"/>
+                <a:lumMod val="100000"/>
+                <a:shade val="100000"/>
+              </a:schemeClr>
+            </a:gs>
+            <a:gs pos="100000">
+              <a:schemeClr val="phClr">
+                <a:lumMod val="99000"/>
+                <a:satMod val="120000"/>
+                <a:shade val="78000"/>
+              </a:schemeClr>
+            </a:gs>
+          </a:gsLst>
+          <a:lin ang="5400000" scaled="0"/>
+        </a:gradFill>
+      </a:fillStyleLst>
+      <a:lnStyleLst>
+        <a:ln w="6350" cap="flat" cmpd="sng" algn="ctr">
+          <a:solidFill>
+            <a:schemeClr val="phClr"/>
+          </a:solidFill>
+          <a:prstDash val="solid"/>
+          <a:miter lim="800000"/>
+        </a:ln>
+        <a:ln w="12700" cap="flat" cmpd="sng" algn="ctr">
+          <a:solidFill>
+            <a:schemeClr val="phClr"/>
+          </a:solidFill>
+          <a:prstDash val="solid"/>
+          <a:miter lim="800000"/>
+        </a:ln>
+        <a:ln w="19050" cap="flat" cmpd="sng" algn="ctr">
+          <a:solidFill>
+            <a:schemeClr val="phClr"/>
+          </a:solidFill>
+          <a:prstDash val="solid"/>
+          <a:miter lim="800000"/>
+        </a:ln>
+      </a:lnStyleLst>
+      <a:effectStyleLst>
+        <a:effectStyle>
+          <a:effectLst/>
+        </a:effectStyle>
+        <a:effectStyle>
+          <a:effectLst/>
+        </a:effectStyle>
+        <a:effectStyle>
+          <a:effectLst>
+            <a:outerShdw blurRad="57150" dist="19050" dir="5400000" algn="ctr" rotWithShape="0">
+              <a:srgbClr val="000000">
+                <a:alpha val="63000"/>
+              </a:srgbClr>
+            </a:outerShdw>
+          </a:effectLst>
+        </a:effectStyle>
+      </a:effectStyleLst>
+      <a:bgFillStyleLst>
+        <a:solidFill>
+          <a:schemeClr val="phClr"/>
+        </a:solidFill>
+        <a:solidFill>
+          <a:schemeClr val="phClr">
+            <a:tint val="95000"/>
+            <a:satMod val="170000"/>
+          </a:schemeClr>
+        </a:solidFill>
+        <a:gradFill rotWithShape="1">
+          <a:gsLst>
+            <a:gs pos="0">
+              <a:schemeClr val="phClr">
+                <a:tint val="93000"/>
+                <a:satMod val="150000"/>
+                <a:shade val="98000"/>
+                <a:lumMod val="102000"/>
+              </a:schemeClr>
+            </a:gs>
+            <a:gs pos="50000">
+              <a:schemeClr val="phClr">
+                <a:tint val="98000"/>
+                <a:satMod val="130000"/>
+                <a:shade val="90000"/>
+                <a:lumMod val="103000"/>
+              </a:schemeClr>
+            </a:gs>
+            <a:gs pos="100000">
+              <a:schemeClr val="phClr">
+                <a:shade val="63000"/>
+                <a:satMod val="120000"/>
+              </a:schemeClr>
+            </a:gs>
+          </a:gsLst>
+          <a:lin ang="5400000" scaled="0"/>
+        </a:gradFill>
+      </a:bgFillStyleLst>
+    </a:fmtScheme>
+  </a:themeElements>
+  <a:objectDefaults/>
+  <a:extraClrSchemeLst/>
+  <a:extLst>
+    <a:ext uri="{05A4C25C-085E-4340-85A3-A5531E510DB2}">
+      <thm15:themeFamily xmlns:thm15="http://schemas.microsoft.com/office/thememl/2012/main" name="Office Theme" id="{62F939B6-93AF-4DB8-9C6B-D6C7DFDC589F}" vid="{4A3C46E8-61CC-4603-A589-7422A47A8E4A}"/>
+    </a:ext>
+  </a:extLst>
+</a:theme>
 </file>